--- a/ppt/zhaoxin.pptx
+++ b/ppt/zhaoxin.pptx
@@ -11,7 +11,7 @@
     <p:handoutMasterId r:id="rId25"/>
   </p:handoutMasterIdLst>
   <p:sldIdLst>
-    <p:sldId id="260" r:id="rId2"/>
+    <p:sldId id="256" r:id="rId2"/>
     <p:sldId id="272" r:id="rId3"/>
     <p:sldId id="280" r:id="rId4"/>
     <p:sldId id="288" r:id="rId5"/>
@@ -592,35 +592,35 @@
           <a:p>
             <a:pPr lvl="0"/>
             <a:r>
-              <a:rPr lang="en-US" altLang="zh-CN" noProof="0" smtClean="0"/>
+              <a:rPr lang="en-US" altLang="zh-CN" noProof="0"/>
               <a:t>Click to edit Master text styles</a:t>
             </a:r>
           </a:p>
           <a:p>
             <a:pPr lvl="1"/>
             <a:r>
-              <a:rPr lang="en-US" altLang="zh-CN" noProof="0" smtClean="0"/>
+              <a:rPr lang="en-US" altLang="zh-CN" noProof="0"/>
               <a:t>Second level</a:t>
             </a:r>
           </a:p>
           <a:p>
             <a:pPr lvl="2"/>
             <a:r>
-              <a:rPr lang="en-US" altLang="zh-CN" noProof="0" smtClean="0"/>
+              <a:rPr lang="en-US" altLang="zh-CN" noProof="0"/>
               <a:t>Third level</a:t>
             </a:r>
           </a:p>
           <a:p>
             <a:pPr lvl="3"/>
             <a:r>
-              <a:rPr lang="en-US" altLang="zh-CN" noProof="0" smtClean="0"/>
+              <a:rPr lang="en-US" altLang="zh-CN" noProof="0"/>
               <a:t>Fourth level</a:t>
             </a:r>
           </a:p>
           <a:p>
             <a:pPr lvl="4"/>
             <a:r>
-              <a:rPr lang="en-US" altLang="zh-CN" noProof="0" smtClean="0"/>
+              <a:rPr lang="en-US" altLang="zh-CN" noProof="0"/>
               <a:t>Fifth level</a:t>
             </a:r>
           </a:p>
@@ -893,7 +893,7 @@
           <a:lstStyle/>
           <a:p>
             <a:r>
-              <a:rPr lang="en-US" altLang="zh-CN" dirty="0" smtClean="0"/>
+              <a:rPr lang="en-US" altLang="zh-CN" dirty="0"/>
               <a:t>SPIRV : h</a:t>
             </a:r>
             <a:endParaRPr lang="zh-CN" altLang="en-US" dirty="0"/>
@@ -982,11 +982,11 @@
           <a:lstStyle/>
           <a:p>
             <a:r>
-              <a:rPr lang="zh-CN" altLang="en-US" dirty="0" smtClean="0"/>
+              <a:rPr lang="zh-CN" altLang="en-US" dirty="0"/>
               <a:t>树状 </a:t>
             </a:r>
             <a:r>
-              <a:rPr lang="en-US" altLang="zh-CN" baseline="0" dirty="0" smtClean="0"/>
+              <a:rPr lang="en-US" altLang="zh-CN" baseline="0" dirty="0"/>
               <a:t> SSA-IR</a:t>
             </a:r>
           </a:p>
@@ -996,7 +996,7 @@
               <a:buChar char="•"/>
             </a:pPr>
             <a:r>
-              <a:rPr lang="en-US" altLang="zh-CN" sz="1200" b="0" i="0" kern="1200" dirty="0" smtClean="0">
+              <a:rPr lang="en-US" altLang="zh-CN" sz="1200" b="0" i="0" kern="1200" dirty="0">
                 <a:solidFill>
                   <a:schemeClr val="tx1"/>
                 </a:solidFill>
@@ -1014,7 +1014,7 @@
               <a:buChar char="•"/>
             </a:pPr>
             <a:r>
-              <a:rPr lang="en-US" altLang="zh-CN" sz="1200" b="0" i="0" kern="1200" dirty="0" smtClean="0">
+              <a:rPr lang="en-US" altLang="zh-CN" sz="1200" b="0" i="0" kern="1200" dirty="0">
                 <a:solidFill>
                   <a:schemeClr val="tx1"/>
                 </a:solidFill>
@@ -1032,7 +1032,7 @@
               <a:buChar char="•"/>
             </a:pPr>
             <a:r>
-              <a:rPr lang="en-US" altLang="zh-CN" sz="1200" b="0" i="0" kern="1200" dirty="0" smtClean="0">
+              <a:rPr lang="en-US" altLang="zh-CN" sz="1200" b="0" i="0" kern="1200" dirty="0">
                 <a:solidFill>
                   <a:schemeClr val="tx1"/>
                 </a:solidFill>
@@ -1044,7 +1044,7 @@
               <a:t>Standard GPU operations such as sin() and </a:t>
             </a:r>
             <a:r>
-              <a:rPr lang="en-US" altLang="zh-CN" sz="1200" b="0" i="0" kern="1200" dirty="0" err="1" smtClean="0">
+              <a:rPr lang="en-US" altLang="zh-CN" sz="1200" b="0" i="0" kern="1200" dirty="0" err="1">
                 <a:solidFill>
                   <a:schemeClr val="tx1"/>
                 </a:solidFill>
@@ -1056,7 +1056,7 @@
               <a:t>fmad</a:t>
             </a:r>
             <a:r>
-              <a:rPr lang="en-US" altLang="zh-CN" sz="1200" b="0" i="0" kern="1200" dirty="0" smtClean="0">
+              <a:rPr lang="en-US" altLang="zh-CN" sz="1200" b="0" i="0" kern="1200" dirty="0">
                 <a:solidFill>
                   <a:schemeClr val="tx1"/>
                 </a:solidFill>
@@ -1068,7 +1068,7 @@
               <a:t>() are first-class ALU operations, not </a:t>
             </a:r>
             <a:r>
-              <a:rPr lang="en-US" altLang="zh-CN" sz="1200" b="0" i="0" kern="1200" dirty="0" err="1" smtClean="0">
+              <a:rPr lang="en-US" altLang="zh-CN" sz="1200" b="0" i="0" kern="1200" dirty="0" err="1">
                 <a:solidFill>
                   <a:schemeClr val="tx1"/>
                 </a:solidFill>
@@ -1080,7 +1080,7 @@
               <a:t>intrinsics</a:t>
             </a:r>
             <a:r>
-              <a:rPr lang="en-US" altLang="zh-CN" sz="1200" b="0" i="0" kern="1200" dirty="0" smtClean="0">
+              <a:rPr lang="en-US" altLang="zh-CN" sz="1200" b="0" i="0" kern="1200" dirty="0">
                 <a:solidFill>
                   <a:schemeClr val="tx1"/>
                 </a:solidFill>
@@ -1098,7 +1098,7 @@
               <a:buChar char="•"/>
             </a:pPr>
             <a:r>
-              <a:rPr lang="en-US" altLang="zh-CN" sz="1200" b="0" i="0" kern="1200" dirty="0" smtClean="0">
+              <a:rPr lang="en-US" altLang="zh-CN" sz="1200" b="0" i="0" kern="1200" dirty="0">
                 <a:solidFill>
                   <a:schemeClr val="tx1"/>
                 </a:solidFill>
@@ -1116,7 +1116,7 @@
               <a:buChar char="•"/>
             </a:pPr>
             <a:r>
-              <a:rPr lang="en-US" altLang="zh-CN" sz="1200" b="0" i="0" kern="1200" dirty="0" smtClean="0">
+              <a:rPr lang="en-US" altLang="zh-CN" sz="1200" b="0" i="0" kern="1200" dirty="0">
                 <a:solidFill>
                   <a:schemeClr val="tx1"/>
                 </a:solidFill>
@@ -1128,7 +1128,7 @@
               <a:t>Even though it’s SSA, it still has a concept of registers and write-masks in the core IR data structures. This means we can generate code that is much closer to what </a:t>
             </a:r>
             <a:r>
-              <a:rPr lang="en-US" altLang="zh-CN" sz="1200" b="0" i="0" kern="1200" dirty="0" err="1" smtClean="0">
+              <a:rPr lang="en-US" altLang="zh-CN" sz="1200" b="0" i="0" kern="1200" dirty="0" err="1">
                 <a:solidFill>
                   <a:schemeClr val="tx1"/>
                 </a:solidFill>
@@ -1140,7 +1140,7 @@
               <a:t>backends</a:t>
             </a:r>
             <a:r>
-              <a:rPr lang="en-US" altLang="zh-CN" sz="1200" b="0" i="0" kern="1200" dirty="0" smtClean="0">
+              <a:rPr lang="en-US" altLang="zh-CN" sz="1200" b="0" i="0" kern="1200" dirty="0">
                 <a:solidFill>
                   <a:schemeClr val="tx1"/>
                 </a:solidFill>
@@ -1239,31 +1239,31 @@
           <a:lstStyle/>
           <a:p>
             <a:r>
-              <a:rPr lang="zh-CN" altLang="en-US" dirty="0" smtClean="0"/>
+              <a:rPr lang="zh-CN" altLang="en-US" dirty="0"/>
               <a:t>扫描</a:t>
             </a:r>
             <a:r>
-              <a:rPr lang="en-US" altLang="zh-CN" dirty="0" smtClean="0"/>
+              <a:rPr lang="en-US" altLang="zh-CN" dirty="0"/>
               <a:t>SPIRV</a:t>
             </a:r>
             <a:r>
-              <a:rPr lang="zh-CN" altLang="en-US" dirty="0" smtClean="0"/>
+              <a:rPr lang="zh-CN" altLang="en-US" dirty="0"/>
               <a:t>的</a:t>
             </a:r>
             <a:r>
-              <a:rPr lang="en-US" altLang="zh-CN" dirty="0" smtClean="0"/>
+              <a:rPr lang="en-US" altLang="zh-CN" dirty="0"/>
               <a:t>binary, </a:t>
             </a:r>
             <a:r>
-              <a:rPr lang="zh-CN" altLang="en-US" dirty="0" smtClean="0"/>
+              <a:rPr lang="zh-CN" altLang="en-US" dirty="0"/>
               <a:t>找到</a:t>
             </a:r>
             <a:r>
-              <a:rPr lang="en-US" altLang="zh-CN" dirty="0" smtClean="0"/>
+              <a:rPr lang="en-US" altLang="zh-CN" dirty="0"/>
               <a:t>function entry</a:t>
             </a:r>
             <a:r>
-              <a:rPr lang="en-US" altLang="zh-CN" baseline="0" dirty="0" smtClean="0"/>
+              <a:rPr lang="en-US" altLang="zh-CN" baseline="0" dirty="0"/>
               <a:t> point(main)</a:t>
             </a:r>
             <a:endParaRPr lang="zh-CN" altLang="en-US" dirty="0"/>
@@ -1352,7 +1352,7 @@
           <a:lstStyle/>
           <a:p>
             <a:r>
-              <a:rPr lang="en-US" altLang="zh-CN" dirty="0" smtClean="0"/>
+              <a:rPr lang="en-US" altLang="zh-CN" dirty="0"/>
               <a:t>SPIRV : h</a:t>
             </a:r>
             <a:endParaRPr lang="zh-CN" altLang="en-US" dirty="0"/>
@@ -1444,34 +1444,83 @@
               <a:buAutoNum type="arabicPeriod"/>
             </a:pPr>
             <a:r>
-              <a:rPr lang="zh-CN" altLang="en-US" dirty="0" smtClean="0"/>
+              <a:rPr lang="zh-CN" altLang="en-US" dirty="0"/>
               <a:t>线性</a:t>
             </a:r>
             <a:r>
-              <a:rPr lang="en-US" altLang="zh-CN" dirty="0" smtClean="0"/>
+              <a:rPr lang="en-US" altLang="zh-CN" dirty="0"/>
               <a:t>IR</a:t>
             </a:r>
             <a:r>
-              <a:rPr lang="en-US" altLang="zh-CN" baseline="0" dirty="0" smtClean="0"/>
+              <a:rPr lang="en-US" altLang="zh-CN" baseline="0" dirty="0"/>
               <a:t> , </a:t>
             </a:r>
             <a:r>
-              <a:rPr lang="en-US" altLang="zh-CN" dirty="0" err="1" smtClean="0"/>
+              <a:rPr lang="en-US" altLang="zh-CN" dirty="0" err="1"/>
               <a:t>Higl</a:t>
             </a:r>
             <a:r>
-              <a:rPr lang="en-US" altLang="zh-CN" baseline="0" dirty="0" smtClean="0"/>
-              <a:t> Level , SSA, </a:t>
-            </a:r>
-            <a:r>
-              <a:rPr lang="en-US" altLang="zh-CN" baseline="0" dirty="0" smtClean="0"/>
-              <a:t>Binary</a:t>
+              <a:rPr lang="en-US" altLang="zh-CN" baseline="0" dirty="0"/>
+              <a:t> Level , SSA, Binary</a:t>
             </a:r>
           </a:p>
           <a:p>
             <a:pPr marL="228600" indent="-228600">
               <a:buAutoNum type="arabicPeriod"/>
             </a:pPr>
+            <a:r>
+              <a:rPr lang="en-US" altLang="zh-CN" sz="1200" b="0" i="0" kern="1200" dirty="0">
+                <a:solidFill>
+                  <a:schemeClr val="tx1"/>
+                </a:solidFill>
+                <a:effectLst/>
+                <a:latin typeface="Times New Roman" pitchFamily="18" charset="0"/>
+                <a:ea typeface="+mn-ea"/>
+                <a:cs typeface="+mn-cs"/>
+              </a:rPr>
+              <a:t>While SPIR was designed as an intermediate binary representation for OpenCL programs only, SPIR-V acts as a cross-API intermediate language for both OpenCL 2.1 and 2.2 and the new </a:t>
+            </a:r>
+            <a:r>
+              <a:rPr lang="en-US" altLang="zh-CN" sz="1200" b="0" i="0" kern="1200" dirty="0" err="1">
+                <a:solidFill>
+                  <a:schemeClr val="tx1"/>
+                </a:solidFill>
+                <a:effectLst/>
+                <a:latin typeface="Times New Roman" pitchFamily="18" charset="0"/>
+                <a:ea typeface="+mn-ea"/>
+                <a:cs typeface="+mn-cs"/>
+              </a:rPr>
+              <a:t>Khronos</a:t>
+            </a:r>
+            <a:r>
+              <a:rPr lang="en-US" altLang="zh-CN" sz="1200" b="0" i="0" kern="1200" dirty="0">
+                <a:solidFill>
+                  <a:schemeClr val="tx1"/>
+                </a:solidFill>
+                <a:effectLst/>
+                <a:latin typeface="Times New Roman" pitchFamily="18" charset="0"/>
+                <a:ea typeface="+mn-ea"/>
+                <a:cs typeface="+mn-cs"/>
+              </a:rPr>
+              <a:t> Vulkan graphics and compute API.</a:t>
+            </a:r>
+          </a:p>
+          <a:p>
+            <a:pPr marL="228600" indent="-228600">
+              <a:buAutoNum type="arabicPeriod"/>
+            </a:pPr>
+            <a:r>
+              <a:rPr lang="en-US" altLang="zh-CN" dirty="0"/>
+              <a:t>A </a:t>
+            </a:r>
+            <a:r>
+              <a:rPr lang="en-US" altLang="zh-CN" dirty="0" err="1"/>
+              <a:t>Khronos</a:t>
+            </a:r>
+            <a:r>
+              <a:rPr lang="en-US" altLang="zh-CN" dirty="0"/>
+              <a:t>-Defined Intermediate Language for Native Representation of Graphical Shaders and Compute Kernels</a:t>
+            </a:r>
             <a:endParaRPr lang="zh-CN" altLang="en-US" dirty="0"/>
           </a:p>
         </p:txBody>
@@ -1561,27 +1610,27 @@
               <a:buAutoNum type="arabicPeriod"/>
             </a:pPr>
             <a:r>
-              <a:rPr lang="zh-CN" altLang="en-US" dirty="0" smtClean="0"/>
+              <a:rPr lang="zh-CN" altLang="en-US" dirty="0"/>
               <a:t>当我在做这个</a:t>
             </a:r>
             <a:r>
-              <a:rPr lang="en-US" altLang="zh-CN" dirty="0" smtClean="0"/>
+              <a:rPr lang="en-US" altLang="zh-CN" dirty="0"/>
               <a:t>PPT</a:t>
             </a:r>
             <a:r>
-              <a:rPr lang="zh-CN" altLang="en-US" dirty="0" smtClean="0"/>
+              <a:rPr lang="zh-CN" altLang="en-US" dirty="0"/>
               <a:t>的时候，一直在思考一个问题，什么样的</a:t>
             </a:r>
             <a:r>
-              <a:rPr lang="en-US" altLang="zh-CN" dirty="0" smtClean="0"/>
+              <a:rPr lang="en-US" altLang="zh-CN" dirty="0"/>
               <a:t>IR</a:t>
             </a:r>
             <a:r>
-              <a:rPr lang="zh-CN" altLang="en-US" dirty="0" smtClean="0"/>
+              <a:rPr lang="zh-CN" altLang="en-US" dirty="0"/>
               <a:t>才是一种优秀的</a:t>
             </a:r>
             <a:r>
-              <a:rPr lang="en-US" altLang="zh-CN" dirty="0" smtClean="0"/>
+              <a:rPr lang="en-US" altLang="zh-CN" dirty="0"/>
               <a:t>IR? </a:t>
             </a:r>
           </a:p>
@@ -1591,32 +1640,32 @@
               <a:buAutoNum type="alphaLcParenR"/>
             </a:pPr>
             <a:r>
-              <a:rPr lang="zh-CN" altLang="en-US" dirty="0" smtClean="0"/>
+              <a:rPr lang="zh-CN" altLang="en-US" dirty="0"/>
               <a:t>有表达力：准确无误的传达源码信息，同时携带源码没有的信息，如静态分析的结果，有助于后端</a:t>
             </a:r>
             <a:r>
-              <a:rPr lang="en-US" altLang="zh-CN" dirty="0" smtClean="0"/>
+              <a:rPr lang="en-US" altLang="zh-CN" dirty="0"/>
               <a:t>Pass</a:t>
             </a:r>
             <a:r>
-              <a:rPr lang="zh-CN" altLang="en-US" dirty="0" smtClean="0"/>
+              <a:rPr lang="zh-CN" altLang="en-US" dirty="0"/>
               <a:t>的处理。</a:t>
             </a:r>
-            <a:endParaRPr lang="en-US" altLang="zh-CN" dirty="0" smtClean="0"/>
+            <a:endParaRPr lang="en-US" altLang="zh-CN" dirty="0"/>
           </a:p>
           <a:p>
             <a:pPr marL="457200" lvl="1" indent="0">
               <a:buFont typeface="+mj-lt"/>
               <a:buNone/>
             </a:pPr>
-            <a:endParaRPr lang="en-US" altLang="zh-CN" dirty="0" smtClean="0"/>
+            <a:endParaRPr lang="en-US" altLang="zh-CN" dirty="0"/>
           </a:p>
           <a:p>
             <a:pPr marL="457200" lvl="1" indent="0">
               <a:buFont typeface="+mj-lt"/>
               <a:buNone/>
             </a:pPr>
-            <a:endParaRPr lang="en-US" altLang="zh-CN" dirty="0" smtClean="0"/>
+            <a:endParaRPr lang="en-US" altLang="zh-CN" dirty="0"/>
           </a:p>
           <a:p>
             <a:pPr marL="228600" lvl="0" indent="-228600">
@@ -1624,7 +1673,7 @@
               <a:buAutoNum type="arabicPeriod"/>
             </a:pPr>
             <a:r>
-              <a:rPr lang="en-US" altLang="zh-CN" sz="1200" kern="1200" dirty="0" smtClean="0">
+              <a:rPr lang="en-US" altLang="zh-CN" sz="1200" kern="1200" dirty="0">
                 <a:solidFill>
                   <a:schemeClr val="tx1"/>
                 </a:solidFill>
@@ -1635,7 +1684,7 @@
               <a:t>SPIRV</a:t>
             </a:r>
             <a:r>
-              <a:rPr lang="zh-CN" altLang="en-US" sz="1200" kern="1200" dirty="0" smtClean="0">
+              <a:rPr lang="zh-CN" altLang="en-US" sz="1200" kern="1200" dirty="0">
                 <a:solidFill>
                   <a:schemeClr val="tx1"/>
                 </a:solidFill>
@@ -1645,7 +1694,7 @@
               </a:rPr>
               <a:t>从十个维度进行了阐述：</a:t>
             </a:r>
-            <a:endParaRPr lang="en-US" altLang="zh-CN" sz="1200" kern="1200" dirty="0" smtClean="0">
+            <a:endParaRPr lang="en-US" altLang="zh-CN" sz="1200" kern="1200" dirty="0">
               <a:solidFill>
                 <a:schemeClr val="tx1"/>
               </a:solidFill>
@@ -1673,7 +1722,7 @@
               <a:defRPr/>
             </a:pPr>
             <a:r>
-              <a:rPr lang="en-US" altLang="zh-CN" sz="1200" b="0" i="0" kern="1200" dirty="0" smtClean="0">
+              <a:rPr lang="en-US" altLang="zh-CN" sz="1200" b="0" i="0" kern="1200" dirty="0">
                 <a:solidFill>
                   <a:schemeClr val="tx1"/>
                 </a:solidFill>
@@ -1685,7 +1734,7 @@
               <a:t>Portability</a:t>
             </a:r>
             <a:r>
-              <a:rPr lang="zh-CN" altLang="en-US" sz="1200" b="1" i="0" kern="1200" dirty="0" smtClean="0">
+              <a:rPr lang="zh-CN" altLang="en-US" sz="1200" b="1" i="0" kern="1200" dirty="0">
                 <a:solidFill>
                   <a:schemeClr val="tx1"/>
                 </a:solidFill>
@@ -1696,7 +1745,7 @@
               </a:rPr>
               <a:t>：</a:t>
             </a:r>
-            <a:endParaRPr lang="en-US" altLang="zh-CN" sz="1200" b="1" i="0" kern="1200" dirty="0" smtClean="0">
+            <a:endParaRPr lang="en-US" altLang="zh-CN" sz="1200" b="1" i="0" kern="1200" dirty="0">
               <a:solidFill>
                 <a:schemeClr val="tx1"/>
               </a:solidFill>
@@ -1725,7 +1774,7 @@
               <a:defRPr/>
             </a:pPr>
             <a:r>
-              <a:rPr lang="en-US" altLang="zh-CN" sz="1200" b="0" i="0" kern="1200" dirty="0" smtClean="0">
+              <a:rPr lang="en-US" altLang="zh-CN" sz="1200" b="0" i="0" kern="1200" dirty="0">
                 <a:solidFill>
                   <a:schemeClr val="tx1"/>
                 </a:solidFill>
@@ -1756,23 +1805,23 @@
               <a:defRPr/>
             </a:pPr>
             <a:r>
-              <a:rPr lang="en-US" altLang="zh-CN" dirty="0" smtClean="0"/>
+              <a:rPr lang="en-US" altLang="zh-CN" dirty="0"/>
               <a:t>Multiple Source Languages: </a:t>
             </a:r>
             <a:r>
-              <a:rPr lang="en-US" altLang="zh-CN" dirty="0" err="1" smtClean="0"/>
+              <a:rPr lang="en-US" altLang="zh-CN" dirty="0" err="1"/>
               <a:t>Glsl</a:t>
             </a:r>
             <a:r>
-              <a:rPr lang="en-US" altLang="zh-CN" baseline="0" dirty="0" smtClean="0"/>
+              <a:rPr lang="en-US" altLang="zh-CN" baseline="0" dirty="0"/>
               <a:t> , </a:t>
             </a:r>
             <a:r>
-              <a:rPr lang="en-US" altLang="zh-CN" baseline="0" dirty="0" err="1" smtClean="0"/>
+              <a:rPr lang="en-US" altLang="zh-CN" baseline="0" dirty="0" err="1"/>
               <a:t>OpenCL</a:t>
             </a:r>
             <a:r>
-              <a:rPr lang="en-US" altLang="zh-CN" baseline="0" dirty="0" smtClean="0"/>
+              <a:rPr lang="en-US" altLang="zh-CN" baseline="0" dirty="0"/>
               <a:t>, C++</a:t>
             </a:r>
           </a:p>
@@ -1795,26 +1844,26 @@
               <a:defRPr/>
             </a:pPr>
             <a:r>
-              <a:rPr lang="en-US" altLang="zh-CN" dirty="0" smtClean="0"/>
+              <a:rPr lang="en-US" altLang="zh-CN" dirty="0"/>
               <a:t>IP Protection:</a:t>
             </a:r>
             <a:r>
-              <a:rPr lang="en-US" altLang="zh-CN" baseline="0" dirty="0" smtClean="0"/>
+              <a:rPr lang="en-US" altLang="zh-CN" baseline="0" dirty="0"/>
               <a:t> </a:t>
             </a:r>
             <a:r>
-              <a:rPr lang="zh-CN" altLang="en-US" baseline="0" dirty="0" smtClean="0"/>
+              <a:rPr lang="zh-CN" altLang="en-US" baseline="0" dirty="0"/>
               <a:t>没有工具，原始</a:t>
             </a:r>
             <a:r>
-              <a:rPr lang="en-US" altLang="zh-CN" baseline="0" dirty="0" smtClean="0"/>
+              <a:rPr lang="en-US" altLang="zh-CN" baseline="0" dirty="0"/>
               <a:t>binary</a:t>
             </a:r>
             <a:r>
-              <a:rPr lang="zh-CN" altLang="en-US" baseline="0" dirty="0" smtClean="0"/>
+              <a:rPr lang="zh-CN" altLang="en-US" baseline="0" dirty="0"/>
               <a:t>难以修改和阅读</a:t>
             </a:r>
-            <a:endParaRPr lang="en-US" altLang="zh-CN" baseline="0" dirty="0" smtClean="0"/>
+            <a:endParaRPr lang="en-US" altLang="zh-CN" baseline="0" dirty="0"/>
           </a:p>
           <a:p>
             <a:pPr marL="685800" marR="0" lvl="1" indent="-228600" algn="l" defTabSz="914400" rtl="0" eaLnBrk="0" fontAlgn="base" latinLnBrk="0" hangingPunct="0">
@@ -1835,14 +1884,14 @@
               <a:defRPr/>
             </a:pPr>
             <a:r>
-              <a:rPr lang="en-US" altLang="zh-CN" dirty="0" smtClean="0"/>
+              <a:rPr lang="en-US" altLang="zh-CN" dirty="0"/>
               <a:t>Self Contained  : </a:t>
             </a:r>
             <a:r>
-              <a:rPr lang="zh-CN" altLang="en-US" dirty="0" smtClean="0"/>
+              <a:rPr lang="zh-CN" altLang="en-US" dirty="0"/>
               <a:t>独立</a:t>
             </a:r>
-            <a:endParaRPr lang="en-US" altLang="zh-CN" dirty="0" smtClean="0"/>
+            <a:endParaRPr lang="en-US" altLang="zh-CN" dirty="0"/>
           </a:p>
           <a:p>
             <a:pPr marL="685800" marR="0" lvl="1" indent="-228600" algn="l" defTabSz="914400" rtl="0" eaLnBrk="0" fontAlgn="base" latinLnBrk="0" hangingPunct="0">
@@ -1863,26 +1912,26 @@
               <a:defRPr/>
             </a:pPr>
             <a:r>
-              <a:rPr lang="en-US" altLang="zh-CN" dirty="0" smtClean="0"/>
+              <a:rPr lang="en-US" altLang="zh-CN" dirty="0"/>
               <a:t>Native Representation</a:t>
             </a:r>
             <a:r>
-              <a:rPr lang="zh-CN" altLang="en-US" dirty="0" smtClean="0"/>
+              <a:rPr lang="zh-CN" altLang="en-US" dirty="0"/>
               <a:t>： 支持 </a:t>
             </a:r>
             <a:r>
-              <a:rPr lang="en-US" altLang="zh-CN" dirty="0" smtClean="0"/>
+              <a:rPr lang="en-US" altLang="zh-CN" dirty="0"/>
               <a:t>matrices,</a:t>
             </a:r>
             <a:r>
-              <a:rPr lang="en-US" altLang="zh-CN" baseline="0" dirty="0" smtClean="0"/>
+              <a:rPr lang="en-US" altLang="zh-CN" baseline="0" dirty="0"/>
               <a:t> images </a:t>
             </a:r>
             <a:r>
-              <a:rPr lang="zh-CN" altLang="en-US" baseline="0" dirty="0" smtClean="0"/>
+              <a:rPr lang="zh-CN" altLang="en-US" baseline="0" dirty="0"/>
               <a:t>对象</a:t>
             </a:r>
-            <a:endParaRPr lang="en-US" altLang="zh-CN" baseline="0" dirty="0" smtClean="0"/>
+            <a:endParaRPr lang="en-US" altLang="zh-CN" baseline="0" dirty="0"/>
           </a:p>
           <a:p>
             <a:pPr marL="685800" marR="0" lvl="1" indent="-228600" algn="l" defTabSz="914400" rtl="0" eaLnBrk="0" fontAlgn="base" latinLnBrk="0" hangingPunct="0">
@@ -1903,7 +1952,7 @@
               <a:defRPr/>
             </a:pPr>
             <a:r>
-              <a:rPr lang="en-US" altLang="zh-CN" sz="1200" b="0" i="0" kern="1200" dirty="0" smtClean="0">
+              <a:rPr lang="en-US" altLang="zh-CN" sz="1200" b="0" i="0" kern="1200" dirty="0">
                 <a:solidFill>
                   <a:schemeClr val="tx1"/>
                 </a:solidFill>
@@ -1915,7 +1964,7 @@
               <a:t>Binary Representation:  </a:t>
             </a:r>
             <a:r>
-              <a:rPr lang="zh-CN" altLang="en-US" sz="1200" b="0" i="0" kern="1200" dirty="0" smtClean="0">
+              <a:rPr lang="zh-CN" altLang="en-US" sz="1200" b="0" i="0" kern="1200" dirty="0">
                 <a:solidFill>
                   <a:schemeClr val="tx1"/>
                 </a:solidFill>
@@ -1927,7 +1976,7 @@
               <a:t>消除在驱动中</a:t>
             </a:r>
             <a:r>
-              <a:rPr lang="en-US" altLang="zh-CN" sz="1200" b="0" i="0" kern="1200" dirty="0" err="1" smtClean="0">
+              <a:rPr lang="en-US" altLang="zh-CN" sz="1200" b="0" i="0" kern="1200" dirty="0" err="1">
                 <a:solidFill>
                   <a:schemeClr val="tx1"/>
                 </a:solidFill>
@@ -1939,7 +1988,7 @@
               <a:t>Paser</a:t>
             </a:r>
             <a:r>
-              <a:rPr lang="zh-CN" altLang="en-US" sz="1200" b="0" i="0" kern="1200" dirty="0" smtClean="0">
+              <a:rPr lang="zh-CN" altLang="en-US" sz="1200" b="0" i="0" kern="1200" dirty="0">
                 <a:solidFill>
                   <a:schemeClr val="tx1"/>
                 </a:solidFill>
@@ -1950,7 +1999,7 @@
               </a:rPr>
               <a:t>和字符串处理的过程</a:t>
             </a:r>
-            <a:endParaRPr lang="en-US" altLang="zh-CN" b="0" baseline="0" dirty="0" smtClean="0"/>
+            <a:endParaRPr lang="en-US" altLang="zh-CN" b="0" baseline="0" dirty="0"/>
           </a:p>
           <a:p>
             <a:pPr marL="685800" marR="0" lvl="1" indent="-228600" algn="l" defTabSz="914400" rtl="0" eaLnBrk="0" fontAlgn="base" latinLnBrk="0" hangingPunct="0">
@@ -1971,7 +2020,7 @@
               <a:defRPr/>
             </a:pPr>
             <a:r>
-              <a:rPr lang="en-US" altLang="zh-CN" sz="1200" b="1" i="0" kern="1200" dirty="0" smtClean="0">
+              <a:rPr lang="en-US" altLang="zh-CN" sz="1200" b="1" i="0" kern="1200" dirty="0">
                 <a:solidFill>
                   <a:schemeClr val="tx1"/>
                 </a:solidFill>
@@ -1983,7 +2032,7 @@
               <a:t>Simple</a:t>
             </a:r>
             <a:r>
-              <a:rPr lang="zh-CN" altLang="en-US" sz="1200" b="1" i="0" kern="1200" dirty="0" smtClean="0">
+              <a:rPr lang="zh-CN" altLang="en-US" sz="1200" b="1" i="0" kern="1200" dirty="0">
                 <a:solidFill>
                   <a:schemeClr val="tx1"/>
                 </a:solidFill>
@@ -1995,7 +2044,7 @@
               <a:t>：</a:t>
             </a:r>
             <a:r>
-              <a:rPr lang="en-US" altLang="zh-CN" sz="1200" b="1" i="0" kern="1200" dirty="0" err="1" smtClean="0">
+              <a:rPr lang="en-US" altLang="zh-CN" sz="1200" b="1" i="0" kern="1200" dirty="0" err="1">
                 <a:solidFill>
                   <a:schemeClr val="tx1"/>
                 </a:solidFill>
@@ -2007,7 +2056,7 @@
               <a:t>Ir</a:t>
             </a:r>
             <a:r>
-              <a:rPr lang="zh-CN" altLang="en-US" sz="1200" b="1" i="0" kern="1200" dirty="0" smtClean="0">
+              <a:rPr lang="zh-CN" altLang="en-US" sz="1200" b="1" i="0" kern="1200" dirty="0">
                 <a:solidFill>
                   <a:schemeClr val="tx1"/>
                 </a:solidFill>
@@ -2018,7 +2067,7 @@
               </a:rPr>
               <a:t>的逻辑布局是简单的</a:t>
             </a:r>
-            <a:endParaRPr lang="en-US" altLang="zh-CN" sz="1200" b="1" i="0" kern="1200" dirty="0" smtClean="0">
+            <a:endParaRPr lang="en-US" altLang="zh-CN" sz="1200" b="1" i="0" kern="1200" dirty="0">
               <a:solidFill>
                 <a:schemeClr val="tx1"/>
               </a:solidFill>
@@ -2047,7 +2096,7 @@
               <a:defRPr/>
             </a:pPr>
             <a:r>
-              <a:rPr lang="en-US" altLang="zh-CN" sz="1200" b="1" i="0" kern="1200" dirty="0" smtClean="0">
+              <a:rPr lang="en-US" altLang="zh-CN" sz="1200" b="1" i="0" kern="1200" dirty="0">
                 <a:solidFill>
                   <a:schemeClr val="tx1"/>
                 </a:solidFill>
@@ -2059,7 +2108,7 @@
               <a:t>Easy to Convert to other </a:t>
             </a:r>
             <a:r>
-              <a:rPr lang="en-US" altLang="zh-CN" sz="1200" b="1" i="0" kern="1200" dirty="0" err="1" smtClean="0">
+              <a:rPr lang="en-US" altLang="zh-CN" sz="1200" b="1" i="0" kern="1200" dirty="0" err="1">
                 <a:solidFill>
                   <a:schemeClr val="tx1"/>
                 </a:solidFill>
@@ -2071,7 +2120,7 @@
               <a:t>Irs</a:t>
             </a:r>
             <a:r>
-              <a:rPr lang="zh-CN" altLang="en-US" sz="1200" b="1" i="0" kern="1200" dirty="0" smtClean="0">
+              <a:rPr lang="zh-CN" altLang="en-US" sz="1200" b="1" i="0" kern="1200" dirty="0">
                 <a:solidFill>
                   <a:schemeClr val="tx1"/>
                 </a:solidFill>
@@ -2083,7 +2132,7 @@
               <a:t>：</a:t>
             </a:r>
             <a:r>
-              <a:rPr lang="en-US" altLang="zh-CN" sz="1200" b="1" i="0" kern="1200" dirty="0" smtClean="0">
+              <a:rPr lang="en-US" altLang="zh-CN" sz="1200" b="1" i="0" kern="1200" dirty="0">
                 <a:solidFill>
                   <a:schemeClr val="tx1"/>
                 </a:solidFill>
@@ -2095,7 +2144,7 @@
               <a:t>High</a:t>
             </a:r>
             <a:r>
-              <a:rPr lang="en-US" altLang="zh-CN" sz="1200" b="1" i="0" kern="1200" baseline="0" dirty="0" smtClean="0">
+              <a:rPr lang="en-US" altLang="zh-CN" sz="1200" b="1" i="0" kern="1200" baseline="0" dirty="0">
                 <a:solidFill>
                   <a:schemeClr val="tx1"/>
                 </a:solidFill>
@@ -2106,7 +2155,7 @@
               </a:rPr>
               <a:t> level IR </a:t>
             </a:r>
-            <a:endParaRPr lang="en-US" altLang="zh-CN" sz="1200" b="1" i="0" kern="1200" dirty="0" smtClean="0">
+            <a:endParaRPr lang="en-US" altLang="zh-CN" sz="1200" b="1" i="0" kern="1200" dirty="0">
               <a:solidFill>
                 <a:schemeClr val="tx1"/>
               </a:solidFill>
@@ -2135,7 +2184,7 @@
               <a:defRPr/>
             </a:pPr>
             <a:r>
-              <a:rPr lang="en-US" altLang="zh-CN" sz="1200" b="1" i="0" kern="1200" dirty="0" smtClean="0">
+              <a:rPr lang="en-US" altLang="zh-CN" sz="1200" b="1" i="0" kern="1200" dirty="0">
                 <a:solidFill>
                   <a:schemeClr val="tx1"/>
                 </a:solidFill>
@@ -2147,7 +2196,7 @@
               <a:t>Extendable</a:t>
             </a:r>
             <a:r>
-              <a:rPr lang="zh-CN" altLang="en-US" sz="1200" b="1" i="0" kern="1200" dirty="0" smtClean="0">
+              <a:rPr lang="zh-CN" altLang="en-US" sz="1200" b="1" i="0" kern="1200" dirty="0">
                 <a:solidFill>
                   <a:schemeClr val="tx1"/>
                 </a:solidFill>
@@ -2158,7 +2207,7 @@
               </a:rPr>
               <a:t>：其他厂商可以增加自己的独有东西</a:t>
             </a:r>
-            <a:endParaRPr lang="en-US" altLang="zh-CN" sz="1200" b="1" i="0" kern="1200" dirty="0" smtClean="0">
+            <a:endParaRPr lang="en-US" altLang="zh-CN" sz="1200" b="1" i="0" kern="1200" dirty="0">
               <a:solidFill>
                 <a:schemeClr val="tx1"/>
               </a:solidFill>
@@ -2186,7 +2235,7 @@
               <a:tabLst/>
               <a:defRPr/>
             </a:pPr>
-            <a:endParaRPr lang="en-US" altLang="zh-CN" dirty="0" smtClean="0"/>
+            <a:endParaRPr lang="en-US" altLang="zh-CN" dirty="0"/>
           </a:p>
           <a:p>
             <a:pPr marL="685800" marR="0" lvl="1" indent="-228600" algn="l" defTabSz="914400" rtl="0" eaLnBrk="0" fontAlgn="base" latinLnBrk="0" hangingPunct="0">
@@ -2206,7 +2255,7 @@
               <a:tabLst/>
               <a:defRPr/>
             </a:pPr>
-            <a:endParaRPr lang="en-US" altLang="zh-CN" sz="1200" b="0" i="0" kern="1200" dirty="0" smtClean="0">
+            <a:endParaRPr lang="en-US" altLang="zh-CN" sz="1200" b="0" i="0" kern="1200" dirty="0">
               <a:solidFill>
                 <a:schemeClr val="tx1"/>
               </a:solidFill>
@@ -2221,7 +2270,7 @@
               <a:buFont typeface="+mj-lt"/>
               <a:buAutoNum type="alphaLcParenR"/>
             </a:pPr>
-            <a:endParaRPr lang="en-US" altLang="zh-CN" sz="1200" kern="1200" dirty="0" smtClean="0">
+            <a:endParaRPr lang="en-US" altLang="zh-CN" sz="1200" kern="1200" dirty="0">
               <a:solidFill>
                 <a:schemeClr val="tx1"/>
               </a:solidFill>
@@ -2337,7 +2386,7 @@
               <a:defRPr/>
             </a:pPr>
             <a:r>
-              <a:rPr lang="en-US" altLang="zh-CN" sz="1200" b="0" i="0" kern="1200" smtClean="0">
+              <a:rPr lang="en-US" altLang="zh-CN" sz="1200" b="0" i="0" kern="1200">
                 <a:solidFill>
                   <a:schemeClr val="tx1"/>
                 </a:solidFill>
@@ -2439,56 +2488,56 @@
               <a:buAutoNum type="arabicPeriod"/>
             </a:pPr>
             <a:r>
-              <a:rPr lang="en-US" altLang="zh-CN" dirty="0" smtClean="0"/>
+              <a:rPr lang="en-US" altLang="zh-CN" dirty="0"/>
               <a:t>Header:  </a:t>
             </a:r>
             <a:r>
-              <a:rPr lang="zh-CN" altLang="en-US" dirty="0" smtClean="0"/>
+              <a:rPr lang="zh-CN" altLang="en-US" dirty="0"/>
               <a:t>是固定的</a:t>
             </a:r>
-            <a:endParaRPr lang="en-US" altLang="zh-CN" dirty="0" smtClean="0"/>
+            <a:endParaRPr lang="en-US" altLang="zh-CN" dirty="0"/>
           </a:p>
           <a:p>
             <a:pPr marL="228600" indent="-228600">
               <a:buAutoNum type="arabicPeriod"/>
             </a:pPr>
             <a:r>
-              <a:rPr lang="zh-CN" altLang="en-US" dirty="0" smtClean="0"/>
+              <a:rPr lang="zh-CN" altLang="en-US" dirty="0"/>
               <a:t>紧跟着</a:t>
             </a:r>
             <a:r>
-              <a:rPr lang="en-US" altLang="zh-CN" dirty="0" smtClean="0"/>
+              <a:rPr lang="en-US" altLang="zh-CN" dirty="0"/>
               <a:t>Header</a:t>
             </a:r>
             <a:r>
-              <a:rPr lang="zh-CN" altLang="en-US" dirty="0" smtClean="0"/>
+              <a:rPr lang="zh-CN" altLang="en-US" dirty="0"/>
               <a:t>就是</a:t>
             </a:r>
             <a:r>
-              <a:rPr lang="en-US" altLang="zh-CN" dirty="0" smtClean="0"/>
+              <a:rPr lang="en-US" altLang="zh-CN" dirty="0"/>
               <a:t>Module</a:t>
             </a:r>
             <a:r>
-              <a:rPr lang="zh-CN" altLang="en-US" dirty="0" smtClean="0"/>
+              <a:rPr lang="zh-CN" altLang="en-US" dirty="0"/>
               <a:t>的指令，指令的布局：    （</a:t>
             </a:r>
             <a:r>
-              <a:rPr lang="en-US" altLang="zh-CN" dirty="0" smtClean="0"/>
+              <a:rPr lang="en-US" altLang="zh-CN" dirty="0"/>
               <a:t>SPIRV</a:t>
             </a:r>
             <a:r>
-              <a:rPr lang="zh-CN" altLang="en-US" dirty="0" smtClean="0"/>
+              <a:rPr lang="zh-CN" altLang="en-US" dirty="0"/>
               <a:t>的指令长度是变长的，取决于指令类型和</a:t>
             </a:r>
             <a:r>
-              <a:rPr lang="en-US" altLang="zh-CN" baseline="0" dirty="0" smtClean="0"/>
+              <a:rPr lang="en-US" altLang="zh-CN" baseline="0" dirty="0"/>
               <a:t> Result(id)</a:t>
             </a:r>
             <a:r>
-              <a:rPr lang="zh-CN" altLang="en-US" dirty="0" smtClean="0"/>
+              <a:rPr lang="zh-CN" altLang="en-US" dirty="0"/>
               <a:t>）</a:t>
             </a:r>
-            <a:endParaRPr lang="en-US" altLang="zh-CN" dirty="0" smtClean="0"/>
+            <a:endParaRPr lang="en-US" altLang="zh-CN" dirty="0"/>
           </a:p>
         </p:txBody>
       </p:sp>
@@ -2577,56 +2626,56 @@
               <a:buAutoNum type="arabicPeriod"/>
             </a:pPr>
             <a:r>
-              <a:rPr lang="en-US" altLang="zh-CN" dirty="0" smtClean="0"/>
+              <a:rPr lang="en-US" altLang="zh-CN" dirty="0"/>
               <a:t>Header:  </a:t>
             </a:r>
             <a:r>
-              <a:rPr lang="zh-CN" altLang="en-US" dirty="0" smtClean="0"/>
+              <a:rPr lang="zh-CN" altLang="en-US" dirty="0"/>
               <a:t>是固定的</a:t>
             </a:r>
-            <a:endParaRPr lang="en-US" altLang="zh-CN" dirty="0" smtClean="0"/>
+            <a:endParaRPr lang="en-US" altLang="zh-CN" dirty="0"/>
           </a:p>
           <a:p>
             <a:pPr marL="228600" indent="-228600">
               <a:buAutoNum type="arabicPeriod"/>
             </a:pPr>
             <a:r>
-              <a:rPr lang="zh-CN" altLang="en-US" dirty="0" smtClean="0"/>
+              <a:rPr lang="zh-CN" altLang="en-US" dirty="0"/>
               <a:t>紧跟着</a:t>
             </a:r>
             <a:r>
-              <a:rPr lang="en-US" altLang="zh-CN" dirty="0" smtClean="0"/>
+              <a:rPr lang="en-US" altLang="zh-CN" dirty="0"/>
               <a:t>Header</a:t>
             </a:r>
             <a:r>
-              <a:rPr lang="zh-CN" altLang="en-US" dirty="0" smtClean="0"/>
+              <a:rPr lang="zh-CN" altLang="en-US" dirty="0"/>
               <a:t>就是</a:t>
             </a:r>
             <a:r>
-              <a:rPr lang="en-US" altLang="zh-CN" dirty="0" smtClean="0"/>
+              <a:rPr lang="en-US" altLang="zh-CN" dirty="0"/>
               <a:t>Module</a:t>
             </a:r>
             <a:r>
-              <a:rPr lang="zh-CN" altLang="en-US" dirty="0" smtClean="0"/>
+              <a:rPr lang="zh-CN" altLang="en-US" dirty="0"/>
               <a:t>的指令，指令的布局：    （</a:t>
             </a:r>
             <a:r>
-              <a:rPr lang="en-US" altLang="zh-CN" dirty="0" smtClean="0"/>
+              <a:rPr lang="en-US" altLang="zh-CN" dirty="0"/>
               <a:t>SPIRV</a:t>
             </a:r>
             <a:r>
-              <a:rPr lang="zh-CN" altLang="en-US" dirty="0" smtClean="0"/>
+              <a:rPr lang="zh-CN" altLang="en-US" dirty="0"/>
               <a:t>的指令长度是变长的，取决于指令类型和</a:t>
             </a:r>
             <a:r>
-              <a:rPr lang="en-US" altLang="zh-CN" baseline="0" dirty="0" smtClean="0"/>
+              <a:rPr lang="en-US" altLang="zh-CN" baseline="0" dirty="0"/>
               <a:t> Result(id)</a:t>
             </a:r>
             <a:r>
-              <a:rPr lang="zh-CN" altLang="en-US" dirty="0" smtClean="0"/>
+              <a:rPr lang="zh-CN" altLang="en-US" dirty="0"/>
               <a:t>）</a:t>
             </a:r>
-            <a:endParaRPr lang="en-US" altLang="zh-CN" dirty="0" smtClean="0"/>
+            <a:endParaRPr lang="en-US" altLang="zh-CN" dirty="0"/>
           </a:p>
         </p:txBody>
       </p:sp>
@@ -2797,7 +2846,7 @@
           <a:lstStyle/>
           <a:p>
             <a:r>
-              <a:rPr lang="en-US" altLang="zh-CN" sz="1200" b="0" i="0" kern="1200" dirty="0" smtClean="0">
+              <a:rPr lang="en-US" altLang="zh-CN" sz="1200" b="0" i="0" kern="1200" dirty="0">
                 <a:solidFill>
                   <a:schemeClr val="tx1"/>
                 </a:solidFill>
@@ -2809,7 +2858,7 @@
               <a:t>Mesa, also called Mesa3D and The Mesa 3D Graphics Library, is an open source software implementation of OpenGL, </a:t>
             </a:r>
             <a:r>
-              <a:rPr lang="en-US" altLang="zh-CN" sz="1200" b="0" i="0" kern="1200" dirty="0" err="1" smtClean="0">
+              <a:rPr lang="en-US" altLang="zh-CN" sz="1200" b="0" i="0" kern="1200" dirty="0" err="1">
                 <a:solidFill>
                   <a:schemeClr val="tx1"/>
                 </a:solidFill>
@@ -2821,7 +2870,7 @@
               <a:t>Vulkan</a:t>
             </a:r>
             <a:r>
-              <a:rPr lang="en-US" altLang="zh-CN" sz="1200" b="0" i="0" kern="1200" dirty="0" smtClean="0">
+              <a:rPr lang="en-US" altLang="zh-CN" sz="1200" b="0" i="0" kern="1200" dirty="0">
                 <a:solidFill>
                   <a:schemeClr val="tx1"/>
                 </a:solidFill>
@@ -2834,7 +2883,7 @@
             </a:r>
           </a:p>
           <a:p>
-            <a:endParaRPr lang="en-US" altLang="zh-CN" sz="1200" b="0" i="0" kern="1200" dirty="0" smtClean="0">
+            <a:endParaRPr lang="en-US" altLang="zh-CN" sz="1200" b="0" i="0" kern="1200" dirty="0">
               <a:solidFill>
                 <a:schemeClr val="tx1"/>
               </a:solidFill>
@@ -2863,7 +2912,7 @@
               <a:defRPr/>
             </a:pPr>
             <a:r>
-              <a:rPr lang="en-US" altLang="zh-CN" sz="1200" b="0" i="0" kern="1200" smtClean="0">
+              <a:rPr lang="en-US" altLang="zh-CN" sz="1200" b="0" i="0" kern="1200">
                 <a:solidFill>
                   <a:schemeClr val="tx1"/>
                 </a:solidFill>
@@ -2875,7 +2924,7 @@
               <a:t>Ref: &lt;Linux</a:t>
             </a:r>
             <a:r>
-              <a:rPr lang="zh-CN" altLang="en-US" sz="1200" b="0" i="0" kern="1200" dirty="0" smtClean="0">
+              <a:rPr lang="zh-CN" altLang="en-US" sz="1200" b="0" i="0" kern="1200" dirty="0">
                 <a:solidFill>
                   <a:schemeClr val="tx1"/>
                 </a:solidFill>
@@ -2887,7 +2936,7 @@
               <a:t>下</a:t>
             </a:r>
             <a:r>
-              <a:rPr lang="en-US" altLang="zh-CN" sz="1200" b="0" i="0" kern="1200" dirty="0" smtClean="0">
+              <a:rPr lang="en-US" altLang="zh-CN" sz="1200" b="0" i="0" kern="1200" dirty="0">
                 <a:solidFill>
                   <a:schemeClr val="tx1"/>
                 </a:solidFill>
@@ -2899,7 +2948,7 @@
               <a:t>GPU</a:t>
             </a:r>
             <a:r>
-              <a:rPr lang="zh-CN" altLang="en-US" sz="1200" b="0" i="0" kern="1200" dirty="0" smtClean="0">
+              <a:rPr lang="zh-CN" altLang="en-US" sz="1200" b="0" i="0" kern="1200" dirty="0">
                 <a:solidFill>
                   <a:schemeClr val="tx1"/>
                 </a:solidFill>
@@ -2911,7 +2960,7 @@
               <a:t>图形驱动软件的实现</a:t>
             </a:r>
             <a:r>
-              <a:rPr lang="en-US" altLang="zh-CN" sz="1200" b="0" i="0" kern="1200" dirty="0" smtClean="0">
+              <a:rPr lang="en-US" altLang="zh-CN" sz="1200" b="0" i="0" kern="1200" dirty="0">
                 <a:solidFill>
                   <a:schemeClr val="tx1"/>
                 </a:solidFill>
@@ -2964,7 +3013,7 @@
 </file>
 
 <file path=ppt/slideLayouts/slideLayout1.xml><?xml version="1.0" encoding="utf-8"?>
-<p:sldLayout xmlns:a="http://schemas.openxmlformats.org/drawingml/2006/main" xmlns:r="http://schemas.openxmlformats.org/officeDocument/2006/relationships" xmlns:p="http://schemas.openxmlformats.org/presentationml/2006/main" showMasterSp="0" type="title" preserve="1">
+<p:sldLayout xmlns:a="http://schemas.openxmlformats.org/drawingml/2006/main" xmlns:r="http://schemas.openxmlformats.org/officeDocument/2006/relationships" xmlns:p="http://schemas.openxmlformats.org/presentationml/2006/main" type="title" preserve="1">
   <p:cSld name="标题幻灯片">
     <p:spTree>
       <p:nvGrpSpPr>
@@ -3065,7 +3114,7 @@
           </a:lstStyle>
           <a:p>
             <a:r>
-              <a:rPr lang="zh-CN" altLang="en-US" smtClean="0"/>
+              <a:rPr lang="zh-CN" altLang="en-US"/>
               <a:t>单击此处编辑母版标题样式</a:t>
             </a:r>
             <a:endParaRPr lang="zh-CN" altLang="en-US" dirty="0"/>
@@ -3189,10 +3238,10 @@
           </a:lstStyle>
           <a:p>
             <a:r>
-              <a:rPr lang="zh-CN" altLang="en-US" smtClean="0"/>
+              <a:rPr lang="zh-CN" altLang="en-US"/>
               <a:t>单击以编辑母版副标题样式</a:t>
             </a:r>
-            <a:endParaRPr lang="en-US" altLang="zh-CN" dirty="0" smtClean="0"/>
+            <a:endParaRPr lang="en-US" altLang="zh-CN" dirty="0"/>
           </a:p>
         </p:txBody>
       </p:sp>
@@ -3276,6 +3325,41 @@
           </a:p>
         </p:txBody>
       </p:sp>
+      <p:pic>
+        <p:nvPicPr>
+          <p:cNvPr id="10" name="图片 9">
+            <a:extLst>
+              <a:ext uri="{FF2B5EF4-FFF2-40B4-BE49-F238E27FC236}">
+                <a16:creationId xmlns:a16="http://schemas.microsoft.com/office/drawing/2014/main" id="{88F3757B-FE52-4466-8C00-E4749A29027A}"/>
+              </a:ext>
+            </a:extLst>
+          </p:cNvPr>
+          <p:cNvPicPr>
+            <a:picLocks noChangeAspect="1"/>
+          </p:cNvPicPr>
+          <p:nvPr userDrawn="1"/>
+        </p:nvPicPr>
+        <p:blipFill rotWithShape="1">
+          <a:blip r:embed="rId3">
+            <a:extLst>
+              <a:ext uri="{28A0092B-C50C-407E-A947-70E740481C1C}">
+                <a14:useLocalDpi xmlns:a14="http://schemas.microsoft.com/office/drawing/2010/main" val="0"/>
+              </a:ext>
+            </a:extLst>
+          </a:blip>
+          <a:srcRect l="24806" b="24788"/>
+          <a:stretch/>
+        </p:blipFill>
+        <p:spPr>
+          <a:xfrm rot="10800000">
+            <a:off x="-4" y="0"/>
+            <a:ext cx="9144004" cy="6856286"/>
+          </a:xfrm>
+          <a:prstGeom prst="rect">
+            <a:avLst/>
+          </a:prstGeom>
+        </p:spPr>
+      </p:pic>
     </p:spTree>
     <p:extLst>
       <p:ext uri="{BB962C8B-B14F-4D97-AF65-F5344CB8AC3E}">
@@ -3286,13 +3370,6 @@
   <p:clrMapOvr>
     <a:masterClrMapping/>
   </p:clrMapOvr>
-  <p:timing>
-    <p:tnLst>
-      <p:par>
-        <p:cTn id="1" dur="indefinite" restart="never" nodeType="tmRoot"/>
-      </p:par>
-    </p:tnLst>
-  </p:timing>
 </p:sldLayout>
 </file>
 
@@ -3329,10 +3406,9 @@
           <a:lstStyle/>
           <a:p>
             <a:r>
-              <a:rPr lang="zh-CN" altLang="en-US" smtClean="0"/>
+              <a:rPr lang="zh-CN" altLang="en-US"/>
               <a:t>单击此处编辑母版标题样式</a:t>
             </a:r>
-            <a:endParaRPr lang="zh-CN" altLang="en-US"/>
           </a:p>
         </p:txBody>
       </p:sp>
@@ -3353,38 +3429,37 @@
           <a:p>
             <a:pPr lvl="0"/>
             <a:r>
-              <a:rPr lang="zh-CN" altLang="en-US" smtClean="0"/>
+              <a:rPr lang="zh-CN" altLang="en-US"/>
               <a:t>编辑母版文本样式</a:t>
             </a:r>
           </a:p>
           <a:p>
             <a:pPr lvl="1"/>
             <a:r>
-              <a:rPr lang="zh-CN" altLang="en-US" smtClean="0"/>
+              <a:rPr lang="zh-CN" altLang="en-US"/>
               <a:t>第二级</a:t>
             </a:r>
           </a:p>
           <a:p>
             <a:pPr lvl="2"/>
             <a:r>
-              <a:rPr lang="zh-CN" altLang="en-US" smtClean="0"/>
+              <a:rPr lang="zh-CN" altLang="en-US"/>
               <a:t>第三级</a:t>
             </a:r>
           </a:p>
           <a:p>
             <a:pPr lvl="3"/>
             <a:r>
-              <a:rPr lang="zh-CN" altLang="en-US" smtClean="0"/>
+              <a:rPr lang="zh-CN" altLang="en-US"/>
               <a:t>第四级</a:t>
             </a:r>
           </a:p>
           <a:p>
             <a:pPr lvl="4"/>
             <a:r>
-              <a:rPr lang="zh-CN" altLang="en-US" smtClean="0"/>
+              <a:rPr lang="zh-CN" altLang="en-US"/>
               <a:t>第五级</a:t>
             </a:r>
-            <a:endParaRPr lang="zh-CN" altLang="en-US"/>
           </a:p>
         </p:txBody>
       </p:sp>
@@ -3519,10 +3594,9 @@
           <a:lstStyle/>
           <a:p>
             <a:r>
-              <a:rPr lang="zh-CN" altLang="en-US" smtClean="0"/>
+              <a:rPr lang="zh-CN" altLang="en-US"/>
               <a:t>单击此处编辑母版标题样式</a:t>
             </a:r>
-            <a:endParaRPr lang="zh-CN" altLang="en-US"/>
           </a:p>
         </p:txBody>
       </p:sp>
@@ -3548,38 +3622,37 @@
           <a:p>
             <a:pPr lvl="0"/>
             <a:r>
-              <a:rPr lang="zh-CN" altLang="en-US" smtClean="0"/>
+              <a:rPr lang="zh-CN" altLang="en-US"/>
               <a:t>编辑母版文本样式</a:t>
             </a:r>
           </a:p>
           <a:p>
             <a:pPr lvl="1"/>
             <a:r>
-              <a:rPr lang="zh-CN" altLang="en-US" smtClean="0"/>
+              <a:rPr lang="zh-CN" altLang="en-US"/>
               <a:t>第二级</a:t>
             </a:r>
           </a:p>
           <a:p>
             <a:pPr lvl="2"/>
             <a:r>
-              <a:rPr lang="zh-CN" altLang="en-US" smtClean="0"/>
+              <a:rPr lang="zh-CN" altLang="en-US"/>
               <a:t>第三级</a:t>
             </a:r>
           </a:p>
           <a:p>
             <a:pPr lvl="3"/>
             <a:r>
-              <a:rPr lang="zh-CN" altLang="en-US" smtClean="0"/>
+              <a:rPr lang="zh-CN" altLang="en-US"/>
               <a:t>第四级</a:t>
             </a:r>
           </a:p>
           <a:p>
             <a:pPr lvl="4"/>
             <a:r>
-              <a:rPr lang="zh-CN" altLang="en-US" smtClean="0"/>
+              <a:rPr lang="zh-CN" altLang="en-US"/>
               <a:t>第五级</a:t>
             </a:r>
-            <a:endParaRPr lang="zh-CN" altLang="en-US"/>
           </a:p>
         </p:txBody>
       </p:sp>
@@ -3672,6 +3745,644 @@
   </p:cSld>
   <p:clrMapOvr>
     <a:masterClrMapping/>
+  </p:clrMapOvr>
+</p:sldLayout>
+</file>
+
+<file path=ppt/slideLayouts/slideLayout12.xml><?xml version="1.0" encoding="utf-8"?>
+<p:sldLayout xmlns:a="http://schemas.openxmlformats.org/drawingml/2006/main" xmlns:r="http://schemas.openxmlformats.org/officeDocument/2006/relationships" xmlns:p="http://schemas.openxmlformats.org/presentationml/2006/main" preserve="1" userDrawn="1">
+  <p:cSld name="2_标题幻灯片">
+    <p:spTree>
+      <p:nvGrpSpPr>
+        <p:cNvPr id="1" name=""/>
+        <p:cNvGrpSpPr/>
+        <p:nvPr/>
+      </p:nvGrpSpPr>
+      <p:grpSpPr>
+        <a:xfrm>
+          <a:off x="0" y="0"/>
+          <a:ext cx="0" cy="0"/>
+          <a:chOff x="0" y="0"/>
+          <a:chExt cx="0" cy="0"/>
+        </a:xfrm>
+      </p:grpSpPr>
+      <p:sp>
+        <p:nvSpPr>
+          <p:cNvPr id="9801" name="副标题 2"/>
+          <p:cNvSpPr>
+            <a:spLocks noGrp="1"/>
+          </p:cNvSpPr>
+          <p:nvPr userDrawn="1">
+            <p:ph type="subTitle" idx="1" hasCustomPrompt="1"/>
+          </p:nvPr>
+        </p:nvSpPr>
+        <p:spPr>
+          <a:xfrm>
+            <a:off x="4772025" y="3648620"/>
+            <a:ext cx="3868342" cy="558799"/>
+          </a:xfrm>
+        </p:spPr>
+        <p:txBody>
+          <a:bodyPr anchor="ctr">
+            <a:normAutofit/>
+          </a:bodyPr>
+          <a:lstStyle>
+            <a:lvl1pPr marL="0" marR="0" indent="0" algn="r" defTabSz="685766" rtl="0" eaLnBrk="1" fontAlgn="auto" latinLnBrk="0" hangingPunct="1">
+              <a:lnSpc>
+                <a:spcPct val="90000"/>
+              </a:lnSpc>
+              <a:spcBef>
+                <a:spcPts val="750"/>
+              </a:spcBef>
+              <a:spcAft>
+                <a:spcPts val="0"/>
+              </a:spcAft>
+              <a:buClrTx/>
+              <a:buSzTx/>
+              <a:buFont typeface="Arial" panose="020B0604020202020204" pitchFamily="34" charset="0"/>
+              <a:buNone/>
+              <a:tabLst/>
+              <a:defRPr sz="1500">
+                <a:solidFill>
+                  <a:srgbClr val="015978"/>
+                </a:solidFill>
+              </a:defRPr>
+            </a:lvl1pPr>
+            <a:lvl2pPr marL="342884" indent="0" algn="ctr">
+              <a:buNone/>
+              <a:defRPr sz="1500"/>
+            </a:lvl2pPr>
+            <a:lvl3pPr marL="685766" indent="0" algn="ctr">
+              <a:buNone/>
+              <a:defRPr sz="1350"/>
+            </a:lvl3pPr>
+            <a:lvl4pPr marL="1028649" indent="0" algn="ctr">
+              <a:buNone/>
+              <a:defRPr sz="1200"/>
+            </a:lvl4pPr>
+            <a:lvl5pPr marL="1371532" indent="0" algn="ctr">
+              <a:buNone/>
+              <a:defRPr sz="1200"/>
+            </a:lvl5pPr>
+            <a:lvl6pPr marL="1714415" indent="0" algn="ctr">
+              <a:buNone/>
+              <a:defRPr sz="1200"/>
+            </a:lvl6pPr>
+            <a:lvl7pPr marL="2057297" indent="0" algn="ctr">
+              <a:buNone/>
+              <a:defRPr sz="1200"/>
+            </a:lvl7pPr>
+            <a:lvl8pPr marL="2400180" indent="0" algn="ctr">
+              <a:buNone/>
+              <a:defRPr sz="1200"/>
+            </a:lvl8pPr>
+            <a:lvl9pPr marL="2743064" indent="0" algn="ctr">
+              <a:buNone/>
+              <a:defRPr sz="1200"/>
+            </a:lvl9pPr>
+          </a:lstStyle>
+          <a:p>
+            <a:pPr marL="0" marR="0" lvl="0" indent="0" algn="r" defTabSz="685766" rtl="0" eaLnBrk="1" fontAlgn="auto" latinLnBrk="0" hangingPunct="1">
+              <a:lnSpc>
+                <a:spcPct val="90000"/>
+              </a:lnSpc>
+              <a:spcBef>
+                <a:spcPts val="750"/>
+              </a:spcBef>
+              <a:spcAft>
+                <a:spcPts val="0"/>
+              </a:spcAft>
+              <a:buClrTx/>
+              <a:buSzTx/>
+              <a:buFont typeface="Arial" panose="020B0604020202020204" pitchFamily="34" charset="0"/>
+              <a:buNone/>
+              <a:tabLst/>
+              <a:defRPr/>
+            </a:pPr>
+            <a:r>
+              <a:rPr lang="en-US" altLang="zh-CN" dirty="0"/>
+              <a:t>Click to edit Master subtitle style</a:t>
+            </a:r>
+          </a:p>
+        </p:txBody>
+      </p:sp>
+      <p:sp>
+        <p:nvSpPr>
+          <p:cNvPr id="12" name="文本占位符 13"/>
+          <p:cNvSpPr>
+            <a:spLocks noGrp="1"/>
+          </p:cNvSpPr>
+          <p:nvPr userDrawn="1">
+            <p:ph type="body" sz="quarter" idx="10" hasCustomPrompt="1"/>
+          </p:nvPr>
+        </p:nvSpPr>
+        <p:spPr>
+          <a:xfrm>
+            <a:off x="4772025" y="4819178"/>
+            <a:ext cx="3868342" cy="248371"/>
+          </a:xfrm>
+        </p:spPr>
+        <p:txBody>
+          <a:bodyPr anchor="ctr">
+            <a:noAutofit/>
+          </a:bodyPr>
+          <a:lstStyle>
+            <a:lvl1pPr marL="0" marR="0" indent="0" algn="r" defTabSz="685766" rtl="0" eaLnBrk="1" fontAlgn="auto" latinLnBrk="0" hangingPunct="1">
+              <a:lnSpc>
+                <a:spcPct val="90000"/>
+              </a:lnSpc>
+              <a:spcBef>
+                <a:spcPts val="750"/>
+              </a:spcBef>
+              <a:spcAft>
+                <a:spcPts val="0"/>
+              </a:spcAft>
+              <a:buClrTx/>
+              <a:buSzTx/>
+              <a:buFont typeface="Arial" panose="020B0604020202020204" pitchFamily="34" charset="0"/>
+              <a:buNone/>
+              <a:tabLst/>
+              <a:defRPr sz="1125" b="0">
+                <a:solidFill>
+                  <a:schemeClr val="tx1"/>
+                </a:solidFill>
+              </a:defRPr>
+            </a:lvl1pPr>
+            <a:lvl2pPr marL="342883" indent="0">
+              <a:buNone/>
+              <a:defRPr/>
+            </a:lvl2pPr>
+            <a:lvl3pPr marL="685765" indent="0">
+              <a:buNone/>
+              <a:defRPr/>
+            </a:lvl3pPr>
+            <a:lvl4pPr marL="1028648" indent="0">
+              <a:buNone/>
+              <a:defRPr/>
+            </a:lvl4pPr>
+            <a:lvl5pPr marL="1371532" indent="0">
+              <a:buNone/>
+              <a:defRPr/>
+            </a:lvl5pPr>
+          </a:lstStyle>
+          <a:p>
+            <a:pPr marL="0" marR="0" lvl="0" indent="0" algn="r" defTabSz="685766" rtl="0" eaLnBrk="1" fontAlgn="auto" latinLnBrk="0" hangingPunct="1">
+              <a:lnSpc>
+                <a:spcPct val="90000"/>
+              </a:lnSpc>
+              <a:spcBef>
+                <a:spcPts val="750"/>
+              </a:spcBef>
+              <a:spcAft>
+                <a:spcPts val="0"/>
+              </a:spcAft>
+              <a:buClrTx/>
+              <a:buSzTx/>
+              <a:buFont typeface="Arial" panose="020B0604020202020204" pitchFamily="34" charset="0"/>
+              <a:buNone/>
+              <a:tabLst/>
+              <a:defRPr/>
+            </a:pPr>
+            <a:r>
+              <a:rPr lang="en-US" altLang="zh-CN" dirty="0"/>
+              <a:t>Signature</a:t>
+            </a:r>
+          </a:p>
+        </p:txBody>
+      </p:sp>
+      <p:sp>
+        <p:nvSpPr>
+          <p:cNvPr id="13" name="文本占位符 13"/>
+          <p:cNvSpPr>
+            <a:spLocks noGrp="1"/>
+          </p:cNvSpPr>
+          <p:nvPr userDrawn="1">
+            <p:ph type="body" sz="quarter" idx="11" hasCustomPrompt="1"/>
+          </p:nvPr>
+        </p:nvSpPr>
+        <p:spPr>
+          <a:xfrm>
+            <a:off x="4772025" y="5083074"/>
+            <a:ext cx="3868342" cy="248371"/>
+          </a:xfrm>
+        </p:spPr>
+        <p:txBody>
+          <a:bodyPr anchor="ctr">
+            <a:noAutofit/>
+          </a:bodyPr>
+          <a:lstStyle>
+            <a:lvl1pPr marL="0" marR="0" indent="0" algn="r" defTabSz="685766" rtl="0" eaLnBrk="1" fontAlgn="auto" latinLnBrk="0" hangingPunct="1">
+              <a:lnSpc>
+                <a:spcPct val="90000"/>
+              </a:lnSpc>
+              <a:spcBef>
+                <a:spcPts val="750"/>
+              </a:spcBef>
+              <a:spcAft>
+                <a:spcPts val="0"/>
+              </a:spcAft>
+              <a:buClrTx/>
+              <a:buSzTx/>
+              <a:buFont typeface="Arial" panose="020B0604020202020204" pitchFamily="34" charset="0"/>
+              <a:buNone/>
+              <a:tabLst/>
+              <a:defRPr sz="1125" b="0">
+                <a:solidFill>
+                  <a:schemeClr val="tx1"/>
+                </a:solidFill>
+              </a:defRPr>
+            </a:lvl1pPr>
+            <a:lvl2pPr marL="342883" indent="0">
+              <a:buNone/>
+              <a:defRPr/>
+            </a:lvl2pPr>
+            <a:lvl3pPr marL="685765" indent="0">
+              <a:buNone/>
+              <a:defRPr/>
+            </a:lvl3pPr>
+            <a:lvl4pPr marL="1028648" indent="0">
+              <a:buNone/>
+              <a:defRPr/>
+            </a:lvl4pPr>
+            <a:lvl5pPr marL="1371532" indent="0">
+              <a:buNone/>
+              <a:defRPr/>
+            </a:lvl5pPr>
+          </a:lstStyle>
+          <a:p>
+            <a:pPr lvl="0"/>
+            <a:r>
+              <a:rPr lang="en-US" altLang="zh-CN" dirty="0"/>
+              <a:t>Date</a:t>
+            </a:r>
+            <a:endParaRPr lang="zh-CN" altLang="en-US" dirty="0"/>
+          </a:p>
+        </p:txBody>
+      </p:sp>
+      <p:pic>
+        <p:nvPicPr>
+          <p:cNvPr id="6" name="图片 5">
+            <a:extLst>
+              <a:ext uri="{FF2B5EF4-FFF2-40B4-BE49-F238E27FC236}">
+                <a16:creationId xmlns:a16="http://schemas.microsoft.com/office/drawing/2014/main" id="{375C3B8E-9DC1-4A2F-9F8A-0D09736C1149}"/>
+              </a:ext>
+            </a:extLst>
+          </p:cNvPr>
+          <p:cNvPicPr>
+            <a:picLocks noChangeAspect="1"/>
+          </p:cNvPicPr>
+          <p:nvPr userDrawn="1"/>
+        </p:nvPicPr>
+        <p:blipFill>
+          <a:blip r:embed="rId2">
+            <a:extLst>
+              <a:ext uri="{28A0092B-C50C-407E-A947-70E740481C1C}">
+                <a14:useLocalDpi xmlns:a14="http://schemas.microsoft.com/office/drawing/2010/main" val="0"/>
+              </a:ext>
+            </a:extLst>
+          </a:blip>
+          <a:stretch>
+            <a:fillRect/>
+          </a:stretch>
+        </p:blipFill>
+        <p:spPr>
+          <a:xfrm>
+            <a:off x="0" y="1714"/>
+            <a:ext cx="9144000" cy="6854573"/>
+          </a:xfrm>
+          <a:prstGeom prst="rect">
+            <a:avLst/>
+          </a:prstGeom>
+        </p:spPr>
+      </p:pic>
+    </p:spTree>
+    <p:extLst>
+      <p:ext uri="{BB962C8B-B14F-4D97-AF65-F5344CB8AC3E}">
+        <p14:creationId xmlns:p14="http://schemas.microsoft.com/office/powerpoint/2010/main" val="108577853"/>
+      </p:ext>
+    </p:extLst>
+  </p:cSld>
+  <p:clrMapOvr>
+    <a:overrideClrMapping bg1="lt1" tx1="dk1" bg2="lt2" tx2="dk2" accent1="accent1" accent2="accent2" accent3="accent3" accent4="accent4" accent5="accent5" accent6="accent6" hlink="hlink" folHlink="folHlink"/>
+  </p:clrMapOvr>
+</p:sldLayout>
+</file>
+
+<file path=ppt/slideLayouts/slideLayout13.xml><?xml version="1.0" encoding="utf-8"?>
+<p:sldLayout xmlns:a="http://schemas.openxmlformats.org/drawingml/2006/main" xmlns:r="http://schemas.openxmlformats.org/officeDocument/2006/relationships" xmlns:p="http://schemas.openxmlformats.org/presentationml/2006/main" userDrawn="1">
+  <p:cSld name="1_标题幻灯片">
+    <p:spTree>
+      <p:nvGrpSpPr>
+        <p:cNvPr id="1" name=""/>
+        <p:cNvGrpSpPr/>
+        <p:nvPr/>
+      </p:nvGrpSpPr>
+      <p:grpSpPr>
+        <a:xfrm>
+          <a:off x="0" y="0"/>
+          <a:ext cx="0" cy="0"/>
+          <a:chOff x="0" y="0"/>
+          <a:chExt cx="0" cy="0"/>
+        </a:xfrm>
+      </p:grpSpPr>
+      <p:pic>
+        <p:nvPicPr>
+          <p:cNvPr id="7" name="图片 6">
+            <a:extLst>
+              <a:ext uri="{FF2B5EF4-FFF2-40B4-BE49-F238E27FC236}">
+                <a16:creationId xmlns:a16="http://schemas.microsoft.com/office/drawing/2014/main" id="{9220BA88-EF8A-4380-B2B9-D08285BA229E}"/>
+              </a:ext>
+            </a:extLst>
+          </p:cNvPr>
+          <p:cNvPicPr>
+            <a:picLocks noChangeAspect="1"/>
+          </p:cNvPicPr>
+          <p:nvPr userDrawn="1"/>
+        </p:nvPicPr>
+        <p:blipFill>
+          <a:blip r:embed="rId2">
+            <a:extLst>
+              <a:ext uri="{28A0092B-C50C-407E-A947-70E740481C1C}">
+                <a14:useLocalDpi xmlns:a14="http://schemas.microsoft.com/office/drawing/2010/main" val="0"/>
+              </a:ext>
+            </a:extLst>
+          </a:blip>
+          <a:stretch>
+            <a:fillRect/>
+          </a:stretch>
+        </p:blipFill>
+        <p:spPr>
+          <a:xfrm>
+            <a:off x="0" y="1714"/>
+            <a:ext cx="9144000" cy="6854573"/>
+          </a:xfrm>
+          <a:prstGeom prst="rect">
+            <a:avLst/>
+          </a:prstGeom>
+        </p:spPr>
+      </p:pic>
+      <p:sp>
+        <p:nvSpPr>
+          <p:cNvPr id="9801" name="副标题 2"/>
+          <p:cNvSpPr>
+            <a:spLocks noGrp="1"/>
+          </p:cNvSpPr>
+          <p:nvPr userDrawn="1">
+            <p:ph type="subTitle" idx="1" hasCustomPrompt="1"/>
+          </p:nvPr>
+        </p:nvSpPr>
+        <p:spPr>
+          <a:xfrm>
+            <a:off x="4772025" y="3648620"/>
+            <a:ext cx="3868342" cy="558799"/>
+          </a:xfrm>
+        </p:spPr>
+        <p:txBody>
+          <a:bodyPr anchor="ctr">
+            <a:normAutofit/>
+          </a:bodyPr>
+          <a:lstStyle>
+            <a:lvl1pPr marL="0" marR="0" indent="0" algn="r" defTabSz="685766" rtl="0" eaLnBrk="1" fontAlgn="auto" latinLnBrk="0" hangingPunct="1">
+              <a:lnSpc>
+                <a:spcPct val="90000"/>
+              </a:lnSpc>
+              <a:spcBef>
+                <a:spcPts val="750"/>
+              </a:spcBef>
+              <a:spcAft>
+                <a:spcPts val="0"/>
+              </a:spcAft>
+              <a:buClrTx/>
+              <a:buSzTx/>
+              <a:buFont typeface="Arial" panose="020B0604020202020204" pitchFamily="34" charset="0"/>
+              <a:buNone/>
+              <a:tabLst/>
+              <a:defRPr sz="1500">
+                <a:solidFill>
+                  <a:srgbClr val="015978"/>
+                </a:solidFill>
+              </a:defRPr>
+            </a:lvl1pPr>
+            <a:lvl2pPr marL="342884" indent="0" algn="ctr">
+              <a:buNone/>
+              <a:defRPr sz="1500"/>
+            </a:lvl2pPr>
+            <a:lvl3pPr marL="685766" indent="0" algn="ctr">
+              <a:buNone/>
+              <a:defRPr sz="1350"/>
+            </a:lvl3pPr>
+            <a:lvl4pPr marL="1028649" indent="0" algn="ctr">
+              <a:buNone/>
+              <a:defRPr sz="1200"/>
+            </a:lvl4pPr>
+            <a:lvl5pPr marL="1371532" indent="0" algn="ctr">
+              <a:buNone/>
+              <a:defRPr sz="1200"/>
+            </a:lvl5pPr>
+            <a:lvl6pPr marL="1714415" indent="0" algn="ctr">
+              <a:buNone/>
+              <a:defRPr sz="1200"/>
+            </a:lvl6pPr>
+            <a:lvl7pPr marL="2057297" indent="0" algn="ctr">
+              <a:buNone/>
+              <a:defRPr sz="1200"/>
+            </a:lvl7pPr>
+            <a:lvl8pPr marL="2400180" indent="0" algn="ctr">
+              <a:buNone/>
+              <a:defRPr sz="1200"/>
+            </a:lvl8pPr>
+            <a:lvl9pPr marL="2743064" indent="0" algn="ctr">
+              <a:buNone/>
+              <a:defRPr sz="1200"/>
+            </a:lvl9pPr>
+          </a:lstStyle>
+          <a:p>
+            <a:pPr marL="0" marR="0" lvl="0" indent="0" algn="r" defTabSz="685766" rtl="0" eaLnBrk="1" fontAlgn="auto" latinLnBrk="0" hangingPunct="1">
+              <a:lnSpc>
+                <a:spcPct val="90000"/>
+              </a:lnSpc>
+              <a:spcBef>
+                <a:spcPts val="750"/>
+              </a:spcBef>
+              <a:spcAft>
+                <a:spcPts val="0"/>
+              </a:spcAft>
+              <a:buClrTx/>
+              <a:buSzTx/>
+              <a:buFont typeface="Arial" panose="020B0604020202020204" pitchFamily="34" charset="0"/>
+              <a:buNone/>
+              <a:tabLst/>
+              <a:defRPr/>
+            </a:pPr>
+            <a:r>
+              <a:rPr lang="en-US" altLang="zh-CN" dirty="0"/>
+              <a:t>Click to edit Master subtitle style</a:t>
+            </a:r>
+          </a:p>
+        </p:txBody>
+      </p:sp>
+      <p:sp>
+        <p:nvSpPr>
+          <p:cNvPr id="12" name="文本占位符 13"/>
+          <p:cNvSpPr>
+            <a:spLocks noGrp="1"/>
+          </p:cNvSpPr>
+          <p:nvPr userDrawn="1">
+            <p:ph type="body" sz="quarter" idx="10" hasCustomPrompt="1"/>
+          </p:nvPr>
+        </p:nvSpPr>
+        <p:spPr>
+          <a:xfrm>
+            <a:off x="4772025" y="4819178"/>
+            <a:ext cx="3868342" cy="248371"/>
+          </a:xfrm>
+        </p:spPr>
+        <p:txBody>
+          <a:bodyPr anchor="ctr">
+            <a:noAutofit/>
+          </a:bodyPr>
+          <a:lstStyle>
+            <a:lvl1pPr marL="0" marR="0" indent="0" algn="r" defTabSz="685766" rtl="0" eaLnBrk="1" fontAlgn="auto" latinLnBrk="0" hangingPunct="1">
+              <a:lnSpc>
+                <a:spcPct val="90000"/>
+              </a:lnSpc>
+              <a:spcBef>
+                <a:spcPts val="750"/>
+              </a:spcBef>
+              <a:spcAft>
+                <a:spcPts val="0"/>
+              </a:spcAft>
+              <a:buClrTx/>
+              <a:buSzTx/>
+              <a:buFont typeface="Arial" panose="020B0604020202020204" pitchFamily="34" charset="0"/>
+              <a:buNone/>
+              <a:tabLst/>
+              <a:defRPr sz="1125" b="0">
+                <a:solidFill>
+                  <a:schemeClr val="tx1"/>
+                </a:solidFill>
+              </a:defRPr>
+            </a:lvl1pPr>
+            <a:lvl2pPr marL="342883" indent="0">
+              <a:buNone/>
+              <a:defRPr/>
+            </a:lvl2pPr>
+            <a:lvl3pPr marL="685765" indent="0">
+              <a:buNone/>
+              <a:defRPr/>
+            </a:lvl3pPr>
+            <a:lvl4pPr marL="1028648" indent="0">
+              <a:buNone/>
+              <a:defRPr/>
+            </a:lvl4pPr>
+            <a:lvl5pPr marL="1371532" indent="0">
+              <a:buNone/>
+              <a:defRPr/>
+            </a:lvl5pPr>
+          </a:lstStyle>
+          <a:p>
+            <a:pPr marL="0" marR="0" lvl="0" indent="0" algn="r" defTabSz="685766" rtl="0" eaLnBrk="1" fontAlgn="auto" latinLnBrk="0" hangingPunct="1">
+              <a:lnSpc>
+                <a:spcPct val="90000"/>
+              </a:lnSpc>
+              <a:spcBef>
+                <a:spcPts val="750"/>
+              </a:spcBef>
+              <a:spcAft>
+                <a:spcPts val="0"/>
+              </a:spcAft>
+              <a:buClrTx/>
+              <a:buSzTx/>
+              <a:buFont typeface="Arial" panose="020B0604020202020204" pitchFamily="34" charset="0"/>
+              <a:buNone/>
+              <a:tabLst/>
+              <a:defRPr/>
+            </a:pPr>
+            <a:r>
+              <a:rPr lang="en-US" altLang="zh-CN" dirty="0"/>
+              <a:t>Signature</a:t>
+            </a:r>
+          </a:p>
+        </p:txBody>
+      </p:sp>
+      <p:sp>
+        <p:nvSpPr>
+          <p:cNvPr id="13" name="文本占位符 13"/>
+          <p:cNvSpPr>
+            <a:spLocks noGrp="1"/>
+          </p:cNvSpPr>
+          <p:nvPr userDrawn="1">
+            <p:ph type="body" sz="quarter" idx="11" hasCustomPrompt="1"/>
+          </p:nvPr>
+        </p:nvSpPr>
+        <p:spPr>
+          <a:xfrm>
+            <a:off x="4772025" y="5083074"/>
+            <a:ext cx="3868342" cy="248371"/>
+          </a:xfrm>
+        </p:spPr>
+        <p:txBody>
+          <a:bodyPr anchor="ctr">
+            <a:noAutofit/>
+          </a:bodyPr>
+          <a:lstStyle>
+            <a:lvl1pPr marL="0" marR="0" indent="0" algn="r" defTabSz="685766" rtl="0" eaLnBrk="1" fontAlgn="auto" latinLnBrk="0" hangingPunct="1">
+              <a:lnSpc>
+                <a:spcPct val="90000"/>
+              </a:lnSpc>
+              <a:spcBef>
+                <a:spcPts val="750"/>
+              </a:spcBef>
+              <a:spcAft>
+                <a:spcPts val="0"/>
+              </a:spcAft>
+              <a:buClrTx/>
+              <a:buSzTx/>
+              <a:buFont typeface="Arial" panose="020B0604020202020204" pitchFamily="34" charset="0"/>
+              <a:buNone/>
+              <a:tabLst/>
+              <a:defRPr sz="1125" b="0">
+                <a:solidFill>
+                  <a:schemeClr val="tx1"/>
+                </a:solidFill>
+              </a:defRPr>
+            </a:lvl1pPr>
+            <a:lvl2pPr marL="342883" indent="0">
+              <a:buNone/>
+              <a:defRPr/>
+            </a:lvl2pPr>
+            <a:lvl3pPr marL="685765" indent="0">
+              <a:buNone/>
+              <a:defRPr/>
+            </a:lvl3pPr>
+            <a:lvl4pPr marL="1028648" indent="0">
+              <a:buNone/>
+              <a:defRPr/>
+            </a:lvl4pPr>
+            <a:lvl5pPr marL="1371532" indent="0">
+              <a:buNone/>
+              <a:defRPr/>
+            </a:lvl5pPr>
+          </a:lstStyle>
+          <a:p>
+            <a:pPr lvl="0"/>
+            <a:r>
+              <a:rPr lang="en-US" altLang="zh-CN" dirty="0"/>
+              <a:t>Date</a:t>
+            </a:r>
+            <a:endParaRPr lang="zh-CN" altLang="en-US" dirty="0"/>
+          </a:p>
+        </p:txBody>
+      </p:sp>
+    </p:spTree>
+    <p:extLst>
+      <p:ext uri="{BB962C8B-B14F-4D97-AF65-F5344CB8AC3E}">
+        <p14:creationId xmlns:p14="http://schemas.microsoft.com/office/powerpoint/2010/main" val="3944049744"/>
+      </p:ext>
+    </p:extLst>
+  </p:cSld>
+  <p:clrMapOvr>
+    <a:overrideClrMapping bg1="lt1" tx1="dk1" bg2="lt2" tx2="dk2" accent1="accent1" accent2="accent2" accent3="accent3" accent4="accent4" accent5="accent5" accent6="accent6" hlink="hlink" folHlink="folHlink"/>
   </p:clrMapOvr>
 </p:sldLayout>
 </file>
@@ -3701,60 +4412,6 @@
           <a:chExt cx="0" cy="0"/>
         </a:xfrm>
       </p:grpSpPr>
-      <p:pic>
-        <p:nvPicPr>
-          <p:cNvPr id="4" name="图片 13"/>
-          <p:cNvPicPr>
-            <a:picLocks noChangeAspect="1"/>
-          </p:cNvPicPr>
-          <p:nvPr/>
-        </p:nvPicPr>
-        <p:blipFill>
-          <a:blip r:embed="rId2" cstate="print">
-            <a:extLst>
-              <a:ext uri="{28A0092B-C50C-407E-A947-70E740481C1C}">
-                <a14:useLocalDpi xmlns:a14="http://schemas.microsoft.com/office/drawing/2010/main" val="0"/>
-              </a:ext>
-            </a:extLst>
-          </a:blip>
-          <a:srcRect/>
-          <a:stretch>
-            <a:fillRect/>
-          </a:stretch>
-        </p:blipFill>
-        <p:spPr bwMode="auto">
-          <a:xfrm>
-            <a:off x="457200" y="6260825"/>
-            <a:ext cx="867983" cy="375072"/>
-          </a:xfrm>
-          <a:prstGeom prst="rect">
-            <a:avLst/>
-          </a:prstGeom>
-          <a:noFill/>
-          <a:ln>
-            <a:noFill/>
-          </a:ln>
-          <a:extLst>
-            <a:ext uri="{909E8E84-426E-40DD-AFC4-6F175D3DCCD1}">
-              <a14:hiddenFill xmlns:a14="http://schemas.microsoft.com/office/drawing/2010/main">
-                <a:solidFill>
-                  <a:srgbClr val="FFFFFF"/>
-                </a:solidFill>
-              </a14:hiddenFill>
-            </a:ext>
-            <a:ext uri="{91240B29-F687-4F45-9708-019B960494DF}">
-              <a14:hiddenLine xmlns:a14="http://schemas.microsoft.com/office/drawing/2010/main" w="9525">
-                <a:solidFill>
-                  <a:srgbClr val="000000"/>
-                </a:solidFill>
-                <a:miter lim="800000"/>
-                <a:headEnd/>
-                <a:tailEnd/>
-              </a14:hiddenLine>
-            </a:ext>
-          </a:extLst>
-        </p:spPr>
-      </p:pic>
       <p:sp>
         <p:nvSpPr>
           <p:cNvPr id="2" name="标题 1"/>
@@ -3786,7 +4443,7 @@
           </a:lstStyle>
           <a:p>
             <a:r>
-              <a:rPr lang="en-US" altLang="zh-CN" dirty="0" smtClean="0"/>
+              <a:rPr lang="en-US" altLang="zh-CN" dirty="0"/>
               <a:t>Topic</a:t>
             </a:r>
             <a:endParaRPr lang="zh-CN" altLang="en-US" dirty="0"/>
@@ -3878,44 +4535,49 @@
           <a:p>
             <a:pPr lvl="0"/>
             <a:r>
-              <a:rPr lang="zh-CN" altLang="en-US" dirty="0" smtClean="0"/>
+              <a:rPr lang="zh-CN" altLang="en-US" dirty="0"/>
               <a:t>编辑母版文本样式</a:t>
             </a:r>
           </a:p>
           <a:p>
             <a:pPr lvl="1"/>
             <a:r>
-              <a:rPr lang="zh-CN" altLang="en-US" dirty="0" smtClean="0"/>
+              <a:rPr lang="zh-CN" altLang="en-US" dirty="0"/>
               <a:t>第二级</a:t>
             </a:r>
           </a:p>
           <a:p>
             <a:pPr lvl="2"/>
             <a:r>
-              <a:rPr lang="zh-CN" altLang="en-US" dirty="0" smtClean="0"/>
+              <a:rPr lang="zh-CN" altLang="en-US" dirty="0"/>
               <a:t>第三级</a:t>
             </a:r>
           </a:p>
           <a:p>
             <a:pPr lvl="3"/>
             <a:r>
-              <a:rPr lang="zh-CN" altLang="en-US" dirty="0" smtClean="0"/>
+              <a:rPr lang="zh-CN" altLang="en-US" dirty="0"/>
               <a:t>第四级</a:t>
             </a:r>
           </a:p>
           <a:p>
             <a:pPr lvl="4"/>
             <a:r>
-              <a:rPr lang="zh-CN" altLang="en-US" dirty="0" smtClean="0"/>
+              <a:rPr lang="zh-CN" altLang="en-US" dirty="0"/>
               <a:t>第五级</a:t>
             </a:r>
-            <a:endParaRPr lang="zh-CN" altLang="en-US" dirty="0"/>
           </a:p>
         </p:txBody>
       </p:sp>
       <p:sp>
         <p:nvSpPr>
-          <p:cNvPr id="5" name="日期占位符 3"/>
+          <p:cNvPr id="8" name="日期占位符 7">
+            <a:extLst>
+              <a:ext uri="{FF2B5EF4-FFF2-40B4-BE49-F238E27FC236}">
+                <a16:creationId xmlns:a16="http://schemas.microsoft.com/office/drawing/2014/main" id="{8123F4C0-3BA7-412D-B638-AE4F7302DA20}"/>
+              </a:ext>
+            </a:extLst>
+          </p:cNvPr>
           <p:cNvSpPr>
             <a:spLocks noGrp="1"/>
           </p:cNvSpPr>
@@ -3926,22 +4588,24 @@
         <p:spPr/>
         <p:txBody>
           <a:bodyPr/>
-          <a:lstStyle>
-            <a:lvl1pPr>
-              <a:defRPr/>
-            </a:lvl1pPr>
-          </a:lstStyle>
+          <a:lstStyle/>
           <a:p>
             <a:pPr>
               <a:defRPr/>
             </a:pPr>
-            <a:endParaRPr lang="en-US" altLang="zh-CN"/>
+            <a:endParaRPr lang="en-US" altLang="zh-CN" dirty="0"/>
           </a:p>
         </p:txBody>
       </p:sp>
       <p:sp>
         <p:nvSpPr>
-          <p:cNvPr id="6" name="页脚占位符 4"/>
+          <p:cNvPr id="9" name="页脚占位符 8">
+            <a:extLst>
+              <a:ext uri="{FF2B5EF4-FFF2-40B4-BE49-F238E27FC236}">
+                <a16:creationId xmlns:a16="http://schemas.microsoft.com/office/drawing/2014/main" id="{A2A64BEC-48D1-4772-8435-04E6BFE05106}"/>
+              </a:ext>
+            </a:extLst>
+          </p:cNvPr>
           <p:cNvSpPr>
             <a:spLocks noGrp="1"/>
           </p:cNvSpPr>
@@ -3952,11 +4616,7 @@
         <p:spPr/>
         <p:txBody>
           <a:bodyPr/>
-          <a:lstStyle>
-            <a:lvl1pPr>
-              <a:defRPr/>
-            </a:lvl1pPr>
-          </a:lstStyle>
+          <a:lstStyle/>
           <a:p>
             <a:pPr>
               <a:defRPr/>
@@ -3967,7 +4627,13 @@
       </p:sp>
       <p:sp>
         <p:nvSpPr>
-          <p:cNvPr id="7" name="灯片编号占位符 5"/>
+          <p:cNvPr id="10" name="灯片编号占位符 9">
+            <a:extLst>
+              <a:ext uri="{FF2B5EF4-FFF2-40B4-BE49-F238E27FC236}">
+                <a16:creationId xmlns:a16="http://schemas.microsoft.com/office/drawing/2014/main" id="{9DE9E6C2-A5A8-43F5-B7E2-2D816B4F55EA}"/>
+              </a:ext>
+            </a:extLst>
+          </p:cNvPr>
           <p:cNvSpPr>
             <a:spLocks noGrp="1"/>
           </p:cNvSpPr>
@@ -3978,18 +4644,14 @@
         <p:spPr/>
         <p:txBody>
           <a:bodyPr/>
-          <a:lstStyle>
-            <a:lvl1pPr>
-              <a:defRPr/>
-            </a:lvl1pPr>
-          </a:lstStyle>
-          <a:p>
-            <a:fld id="{8665962D-E502-4879-89E1-4FF56DC7E1C6}" type="slidenum">
-              <a:rPr lang="zh-CN" altLang="en-US"/>
+          <a:lstStyle/>
+          <a:p>
+            <a:fld id="{9722ED22-5C8E-4555-B2AB-A2646E8B4E22}" type="slidenum">
+              <a:rPr lang="zh-CN" altLang="en-US" smtClean="0"/>
               <a:pPr/>
               <a:t>‹#›</a:t>
             </a:fld>
-            <a:endParaRPr lang="en-US" altLang="zh-CN"/>
+            <a:endParaRPr lang="en-US" altLang="zh-CN" dirty="0"/>
           </a:p>
         </p:txBody>
       </p:sp>
@@ -4003,13 +4665,6 @@
   <p:clrMapOvr>
     <a:masterClrMapping/>
   </p:clrMapOvr>
-  <p:timing>
-    <p:tnLst>
-      <p:par>
-        <p:cTn id="1" dur="indefinite" restart="never" nodeType="tmRoot"/>
-      </p:par>
-    </p:tnLst>
-  </p:timing>
 </p:sldLayout>
 </file>
 
@@ -4032,13 +4687,19 @@
       </p:grpSpPr>
       <p:pic>
         <p:nvPicPr>
-          <p:cNvPr id="4" name="图片 13"/>
+          <p:cNvPr id="8" name="图片 7">
+            <a:extLst>
+              <a:ext uri="{FF2B5EF4-FFF2-40B4-BE49-F238E27FC236}">
+                <a16:creationId xmlns:a16="http://schemas.microsoft.com/office/drawing/2014/main" id="{2446B8A1-A1A2-4E4C-BE6E-D9BCA302D08C}"/>
+              </a:ext>
+            </a:extLst>
+          </p:cNvPr>
           <p:cNvPicPr>
             <a:picLocks noChangeAspect="1"/>
           </p:cNvPicPr>
-          <p:nvPr/>
+          <p:nvPr userDrawn="1"/>
         </p:nvPicPr>
-        <p:blipFill>
+        <p:blipFill rotWithShape="1">
           <a:blip r:embed="rId2">
             <a:extLst>
               <a:ext uri="{28A0092B-C50C-407E-A947-70E740481C1C}">
@@ -4046,42 +4707,17 @@
               </a:ext>
             </a:extLst>
           </a:blip>
-          <a:srcRect/>
-          <a:stretch>
-            <a:fillRect/>
-          </a:stretch>
+          <a:srcRect l="24806" b="24788"/>
+          <a:stretch/>
         </p:blipFill>
-        <p:spPr bwMode="auto">
-          <a:xfrm>
-            <a:off x="7884367" y="301626"/>
-            <a:ext cx="1016745" cy="563976"/>
+        <p:spPr>
+          <a:xfrm rot="10800000">
+            <a:off x="-4" y="0"/>
+            <a:ext cx="9144004" cy="6856286"/>
           </a:xfrm>
           <a:prstGeom prst="rect">
             <a:avLst/>
           </a:prstGeom>
-          <a:noFill/>
-          <a:ln>
-            <a:noFill/>
-          </a:ln>
-          <a:extLst>
-            <a:ext uri="{909E8E84-426E-40DD-AFC4-6F175D3DCCD1}">
-              <a14:hiddenFill xmlns:a14="http://schemas.microsoft.com/office/drawing/2010/main">
-                <a:solidFill>
-                  <a:srgbClr val="FFFFFF"/>
-                </a:solidFill>
-              </a14:hiddenFill>
-            </a:ext>
-            <a:ext uri="{91240B29-F687-4F45-9708-019B960494DF}">
-              <a14:hiddenLine xmlns:a14="http://schemas.microsoft.com/office/drawing/2010/main" w="9525">
-                <a:solidFill>
-                  <a:srgbClr val="000000"/>
-                </a:solidFill>
-                <a:miter lim="800000"/>
-                <a:headEnd/>
-                <a:tailEnd/>
-              </a14:hiddenLine>
-            </a:ext>
-          </a:extLst>
         </p:spPr>
       </p:pic>
       <p:sp>
@@ -4109,10 +4745,9 @@
           </a:lstStyle>
           <a:p>
             <a:r>
-              <a:rPr lang="zh-CN" altLang="en-US" smtClean="0"/>
+              <a:rPr lang="zh-CN" altLang="en-US"/>
               <a:t>单击此处编辑母版标题样式</a:t>
             </a:r>
-            <a:endParaRPr lang="zh-CN" altLang="en-US"/>
           </a:p>
         </p:txBody>
       </p:sp>
@@ -4229,7 +4864,7 @@
           <a:p>
             <a:pPr lvl="0"/>
             <a:r>
-              <a:rPr lang="zh-CN" altLang="en-US" smtClean="0"/>
+              <a:rPr lang="zh-CN" altLang="en-US"/>
               <a:t>编辑母版文本样式</a:t>
             </a:r>
           </a:p>
@@ -4345,60 +4980,6 @@
           <a:chExt cx="0" cy="0"/>
         </a:xfrm>
       </p:grpSpPr>
-      <p:pic>
-        <p:nvPicPr>
-          <p:cNvPr id="5" name="图片 13"/>
-          <p:cNvPicPr>
-            <a:picLocks noChangeAspect="1"/>
-          </p:cNvPicPr>
-          <p:nvPr/>
-        </p:nvPicPr>
-        <p:blipFill>
-          <a:blip r:embed="rId2">
-            <a:extLst>
-              <a:ext uri="{28A0092B-C50C-407E-A947-70E740481C1C}">
-                <a14:useLocalDpi xmlns:a14="http://schemas.microsoft.com/office/drawing/2010/main" val="0"/>
-              </a:ext>
-            </a:extLst>
-          </a:blip>
-          <a:srcRect/>
-          <a:stretch>
-            <a:fillRect/>
-          </a:stretch>
-        </p:blipFill>
-        <p:spPr bwMode="auto">
-          <a:xfrm>
-            <a:off x="7812359" y="301626"/>
-            <a:ext cx="1088753" cy="603918"/>
-          </a:xfrm>
-          <a:prstGeom prst="rect">
-            <a:avLst/>
-          </a:prstGeom>
-          <a:noFill/>
-          <a:ln>
-            <a:noFill/>
-          </a:ln>
-          <a:extLst>
-            <a:ext uri="{909E8E84-426E-40DD-AFC4-6F175D3DCCD1}">
-              <a14:hiddenFill xmlns:a14="http://schemas.microsoft.com/office/drawing/2010/main">
-                <a:solidFill>
-                  <a:srgbClr val="FFFFFF"/>
-                </a:solidFill>
-              </a14:hiddenFill>
-            </a:ext>
-            <a:ext uri="{91240B29-F687-4F45-9708-019B960494DF}">
-              <a14:hiddenLine xmlns:a14="http://schemas.microsoft.com/office/drawing/2010/main" w="9525">
-                <a:solidFill>
-                  <a:srgbClr val="000000"/>
-                </a:solidFill>
-                <a:miter lim="800000"/>
-                <a:headEnd/>
-                <a:tailEnd/>
-              </a14:hiddenLine>
-            </a:ext>
-          </a:extLst>
-        </p:spPr>
-      </p:pic>
       <p:sp>
         <p:nvSpPr>
           <p:cNvPr id="2" name="标题 1"/>
@@ -4415,7 +4996,7 @@
           <a:lstStyle/>
           <a:p>
             <a:r>
-              <a:rPr lang="zh-CN" altLang="en-US" smtClean="0"/>
+              <a:rPr lang="zh-CN" altLang="en-US"/>
               <a:t>单击此处编辑母版标题样式</a:t>
             </a:r>
             <a:endParaRPr lang="zh-CN" altLang="en-US" dirty="0"/>
@@ -4472,38 +5053,37 @@
           <a:p>
             <a:pPr lvl="0"/>
             <a:r>
-              <a:rPr lang="zh-CN" altLang="en-US" smtClean="0"/>
+              <a:rPr lang="zh-CN" altLang="en-US"/>
               <a:t>编辑母版文本样式</a:t>
             </a:r>
           </a:p>
           <a:p>
             <a:pPr lvl="1"/>
             <a:r>
-              <a:rPr lang="zh-CN" altLang="en-US" smtClean="0"/>
+              <a:rPr lang="zh-CN" altLang="en-US"/>
               <a:t>第二级</a:t>
             </a:r>
           </a:p>
           <a:p>
             <a:pPr lvl="2"/>
             <a:r>
-              <a:rPr lang="zh-CN" altLang="en-US" smtClean="0"/>
+              <a:rPr lang="zh-CN" altLang="en-US"/>
               <a:t>第三级</a:t>
             </a:r>
           </a:p>
           <a:p>
             <a:pPr lvl="3"/>
             <a:r>
-              <a:rPr lang="zh-CN" altLang="en-US" smtClean="0"/>
+              <a:rPr lang="zh-CN" altLang="en-US"/>
               <a:t>第四级</a:t>
             </a:r>
           </a:p>
           <a:p>
             <a:pPr lvl="4"/>
             <a:r>
-              <a:rPr lang="zh-CN" altLang="en-US" smtClean="0"/>
+              <a:rPr lang="zh-CN" altLang="en-US"/>
               <a:t>第五级</a:t>
             </a:r>
-            <a:endParaRPr lang="zh-CN" altLang="en-US"/>
           </a:p>
         </p:txBody>
       </p:sp>
@@ -4557,38 +5137,37 @@
           <a:p>
             <a:pPr lvl="0"/>
             <a:r>
-              <a:rPr lang="zh-CN" altLang="en-US" smtClean="0"/>
+              <a:rPr lang="zh-CN" altLang="en-US"/>
               <a:t>编辑母版文本样式</a:t>
             </a:r>
           </a:p>
           <a:p>
             <a:pPr lvl="1"/>
             <a:r>
-              <a:rPr lang="zh-CN" altLang="en-US" smtClean="0"/>
+              <a:rPr lang="zh-CN" altLang="en-US"/>
               <a:t>第二级</a:t>
             </a:r>
           </a:p>
           <a:p>
             <a:pPr lvl="2"/>
             <a:r>
-              <a:rPr lang="zh-CN" altLang="en-US" smtClean="0"/>
+              <a:rPr lang="zh-CN" altLang="en-US"/>
               <a:t>第三级</a:t>
             </a:r>
           </a:p>
           <a:p>
             <a:pPr lvl="3"/>
             <a:r>
-              <a:rPr lang="zh-CN" altLang="en-US" smtClean="0"/>
+              <a:rPr lang="zh-CN" altLang="en-US"/>
               <a:t>第四级</a:t>
             </a:r>
           </a:p>
           <a:p>
             <a:pPr lvl="4"/>
             <a:r>
-              <a:rPr lang="zh-CN" altLang="en-US" smtClean="0"/>
+              <a:rPr lang="zh-CN" altLang="en-US"/>
               <a:t>第五级</a:t>
             </a:r>
-            <a:endParaRPr lang="zh-CN" altLang="en-US"/>
           </a:p>
         </p:txBody>
       </p:sp>
@@ -4776,10 +5355,9 @@
           </a:lstStyle>
           <a:p>
             <a:r>
-              <a:rPr lang="zh-CN" altLang="en-US" smtClean="0"/>
+              <a:rPr lang="zh-CN" altLang="en-US"/>
               <a:t>单击此处编辑母版标题样式</a:t>
             </a:r>
-            <a:endParaRPr lang="zh-CN" altLang="en-US"/>
           </a:p>
         </p:txBody>
       </p:sp>
@@ -4842,7 +5420,7 @@
           <a:p>
             <a:pPr lvl="0"/>
             <a:r>
-              <a:rPr lang="zh-CN" altLang="en-US" smtClean="0"/>
+              <a:rPr lang="zh-CN" altLang="en-US"/>
               <a:t>编辑母版文本样式</a:t>
             </a:r>
           </a:p>
@@ -4898,38 +5476,37 @@
           <a:p>
             <a:pPr lvl="0"/>
             <a:r>
-              <a:rPr lang="zh-CN" altLang="en-US" smtClean="0"/>
+              <a:rPr lang="zh-CN" altLang="en-US"/>
               <a:t>编辑母版文本样式</a:t>
             </a:r>
           </a:p>
           <a:p>
             <a:pPr lvl="1"/>
             <a:r>
-              <a:rPr lang="zh-CN" altLang="en-US" smtClean="0"/>
+              <a:rPr lang="zh-CN" altLang="en-US"/>
               <a:t>第二级</a:t>
             </a:r>
           </a:p>
           <a:p>
             <a:pPr lvl="2"/>
             <a:r>
-              <a:rPr lang="zh-CN" altLang="en-US" smtClean="0"/>
+              <a:rPr lang="zh-CN" altLang="en-US"/>
               <a:t>第三级</a:t>
             </a:r>
           </a:p>
           <a:p>
             <a:pPr lvl="3"/>
             <a:r>
-              <a:rPr lang="zh-CN" altLang="en-US" smtClean="0"/>
+              <a:rPr lang="zh-CN" altLang="en-US"/>
               <a:t>第四级</a:t>
             </a:r>
           </a:p>
           <a:p>
             <a:pPr lvl="4"/>
             <a:r>
-              <a:rPr lang="zh-CN" altLang="en-US" smtClean="0"/>
+              <a:rPr lang="zh-CN" altLang="en-US"/>
               <a:t>第五级</a:t>
             </a:r>
-            <a:endParaRPr lang="zh-CN" altLang="en-US"/>
           </a:p>
         </p:txBody>
       </p:sp>
@@ -4992,7 +5569,7 @@
           <a:p>
             <a:pPr lvl="0"/>
             <a:r>
-              <a:rPr lang="zh-CN" altLang="en-US" smtClean="0"/>
+              <a:rPr lang="zh-CN" altLang="en-US"/>
               <a:t>编辑母版文本样式</a:t>
             </a:r>
           </a:p>
@@ -5048,38 +5625,37 @@
           <a:p>
             <a:pPr lvl="0"/>
             <a:r>
-              <a:rPr lang="zh-CN" altLang="en-US" smtClean="0"/>
+              <a:rPr lang="zh-CN" altLang="en-US"/>
               <a:t>编辑母版文本样式</a:t>
             </a:r>
           </a:p>
           <a:p>
             <a:pPr lvl="1"/>
             <a:r>
-              <a:rPr lang="zh-CN" altLang="en-US" smtClean="0"/>
+              <a:rPr lang="zh-CN" altLang="en-US"/>
               <a:t>第二级</a:t>
             </a:r>
           </a:p>
           <a:p>
             <a:pPr lvl="2"/>
             <a:r>
-              <a:rPr lang="zh-CN" altLang="en-US" smtClean="0"/>
+              <a:rPr lang="zh-CN" altLang="en-US"/>
               <a:t>第三级</a:t>
             </a:r>
           </a:p>
           <a:p>
             <a:pPr lvl="3"/>
             <a:r>
-              <a:rPr lang="zh-CN" altLang="en-US" smtClean="0"/>
+              <a:rPr lang="zh-CN" altLang="en-US"/>
               <a:t>第四级</a:t>
             </a:r>
           </a:p>
           <a:p>
             <a:pPr lvl="4"/>
             <a:r>
-              <a:rPr lang="zh-CN" altLang="en-US" smtClean="0"/>
+              <a:rPr lang="zh-CN" altLang="en-US"/>
               <a:t>第五级</a:t>
             </a:r>
-            <a:endParaRPr lang="zh-CN" altLang="en-US"/>
           </a:p>
         </p:txBody>
       </p:sp>
@@ -5268,10 +5844,9 @@
           <a:lstStyle/>
           <a:p>
             <a:r>
-              <a:rPr lang="zh-CN" altLang="en-US" smtClean="0"/>
+              <a:rPr lang="zh-CN" altLang="en-US"/>
               <a:t>单击此处编辑母版标题样式</a:t>
             </a:r>
-            <a:endParaRPr lang="zh-CN" altLang="en-US"/>
           </a:p>
         </p:txBody>
       </p:sp>
@@ -5555,10 +6130,9 @@
           </a:lstStyle>
           <a:p>
             <a:r>
-              <a:rPr lang="zh-CN" altLang="en-US" smtClean="0"/>
+              <a:rPr lang="zh-CN" altLang="en-US"/>
               <a:t>单击此处编辑母版标题样式</a:t>
             </a:r>
-            <a:endParaRPr lang="zh-CN" altLang="en-US"/>
           </a:p>
         </p:txBody>
       </p:sp>
@@ -5612,38 +6186,37 @@
           <a:p>
             <a:pPr lvl="0"/>
             <a:r>
-              <a:rPr lang="zh-CN" altLang="en-US" smtClean="0"/>
+              <a:rPr lang="zh-CN" altLang="en-US"/>
               <a:t>编辑母版文本样式</a:t>
             </a:r>
           </a:p>
           <a:p>
             <a:pPr lvl="1"/>
             <a:r>
-              <a:rPr lang="zh-CN" altLang="en-US" smtClean="0"/>
+              <a:rPr lang="zh-CN" altLang="en-US"/>
               <a:t>第二级</a:t>
             </a:r>
           </a:p>
           <a:p>
             <a:pPr lvl="2"/>
             <a:r>
-              <a:rPr lang="zh-CN" altLang="en-US" smtClean="0"/>
+              <a:rPr lang="zh-CN" altLang="en-US"/>
               <a:t>第三级</a:t>
             </a:r>
           </a:p>
           <a:p>
             <a:pPr lvl="3"/>
             <a:r>
-              <a:rPr lang="zh-CN" altLang="en-US" smtClean="0"/>
+              <a:rPr lang="zh-CN" altLang="en-US"/>
               <a:t>第四级</a:t>
             </a:r>
           </a:p>
           <a:p>
             <a:pPr lvl="4"/>
             <a:r>
-              <a:rPr lang="zh-CN" altLang="en-US" smtClean="0"/>
+              <a:rPr lang="zh-CN" altLang="en-US"/>
               <a:t>第五级</a:t>
             </a:r>
-            <a:endParaRPr lang="zh-CN" altLang="en-US"/>
           </a:p>
         </p:txBody>
       </p:sp>
@@ -5706,7 +6279,7 @@
           <a:p>
             <a:pPr lvl="0"/>
             <a:r>
-              <a:rPr lang="zh-CN" altLang="en-US" smtClean="0"/>
+              <a:rPr lang="zh-CN" altLang="en-US"/>
               <a:t>编辑母版文本样式</a:t>
             </a:r>
           </a:p>
@@ -5847,10 +6420,9 @@
           </a:lstStyle>
           <a:p>
             <a:r>
-              <a:rPr lang="zh-CN" altLang="en-US" smtClean="0"/>
+              <a:rPr lang="zh-CN" altLang="en-US"/>
               <a:t>单击此处编辑母版标题样式</a:t>
             </a:r>
-            <a:endParaRPr lang="zh-CN" altLang="en-US"/>
           </a:p>
         </p:txBody>
       </p:sp>
@@ -5915,10 +6487,9 @@
           <a:p>
             <a:pPr lvl="0"/>
             <a:r>
-              <a:rPr lang="zh-CN" altLang="en-US" noProof="0" smtClean="0"/>
+              <a:rPr lang="zh-CN" altLang="en-US" noProof="0"/>
               <a:t>单击图标添加图片</a:t>
             </a:r>
-            <a:endParaRPr lang="zh-CN" altLang="en-US" noProof="0"/>
           </a:p>
         </p:txBody>
       </p:sp>
@@ -5981,7 +6552,7 @@
           <a:p>
             <a:pPr lvl="0"/>
             <a:r>
-              <a:rPr lang="zh-CN" altLang="en-US" smtClean="0"/>
+              <a:rPr lang="zh-CN" altLang="en-US"/>
               <a:t>编辑母版文本样式</a:t>
             </a:r>
           </a:p>
@@ -6194,7 +6765,7 @@
           <p:nvPr/>
         </p:nvPicPr>
         <p:blipFill>
-          <a:blip r:embed="rId13">
+          <a:blip r:embed="rId15">
             <a:extLst>
               <a:ext uri="{28A0092B-C50C-407E-A947-70E740481C1C}">
                 <a14:useLocalDpi xmlns:a14="http://schemas.microsoft.com/office/drawing/2010/main" val="0"/>
@@ -6291,7 +6862,7 @@
           <a:p>
             <a:pPr lvl="0"/>
             <a:r>
-              <a:rPr lang="zh-CN" altLang="en-US" smtClean="0"/>
+              <a:rPr lang="zh-CN" altLang="en-US"/>
               <a:t>单击此处编辑母版标题样式</a:t>
             </a:r>
           </a:p>
@@ -6349,35 +6920,35 @@
           <a:p>
             <a:pPr lvl="0"/>
             <a:r>
-              <a:rPr lang="zh-CN" altLang="en-US" dirty="0" smtClean="0"/>
+              <a:rPr lang="zh-CN" altLang="en-US" dirty="0"/>
               <a:t>单击此处编辑母版文本样式</a:t>
             </a:r>
           </a:p>
           <a:p>
             <a:pPr lvl="1"/>
             <a:r>
-              <a:rPr lang="zh-CN" altLang="en-US" dirty="0" smtClean="0"/>
+              <a:rPr lang="zh-CN" altLang="en-US" dirty="0"/>
               <a:t>第二级</a:t>
             </a:r>
           </a:p>
           <a:p>
             <a:pPr lvl="2"/>
             <a:r>
-              <a:rPr lang="zh-CN" altLang="en-US" dirty="0" smtClean="0"/>
+              <a:rPr lang="zh-CN" altLang="en-US" dirty="0"/>
               <a:t>第三级</a:t>
             </a:r>
           </a:p>
           <a:p>
             <a:pPr lvl="3"/>
             <a:r>
-              <a:rPr lang="zh-CN" altLang="en-US" dirty="0" smtClean="0"/>
+              <a:rPr lang="zh-CN" altLang="en-US" dirty="0"/>
               <a:t>第四级</a:t>
             </a:r>
           </a:p>
           <a:p>
             <a:pPr lvl="4"/>
             <a:r>
-              <a:rPr lang="zh-CN" altLang="en-US" dirty="0" smtClean="0"/>
+              <a:rPr lang="zh-CN" altLang="en-US" dirty="0"/>
               <a:t>第五级</a:t>
             </a:r>
           </a:p>
@@ -6737,7 +7308,7 @@
               <a:defRPr/>
             </a:pPr>
             <a:r>
-              <a:rPr lang="en-US" altLang="zh-CN" sz="800" b="1" dirty="0" smtClean="0">
+              <a:rPr lang="en-US" altLang="zh-CN" sz="800" b="1" dirty="0">
                 <a:solidFill>
                   <a:schemeClr val="bg1"/>
                 </a:solidFill>
@@ -6747,7 +7318,7 @@
               <a:t>Shanghai </a:t>
             </a:r>
             <a:r>
-              <a:rPr lang="en-US" altLang="zh-CN" sz="800" b="1" dirty="0" err="1" smtClean="0">
+              <a:rPr lang="en-US" altLang="zh-CN" sz="800" b="1" dirty="0" err="1">
                 <a:solidFill>
                   <a:schemeClr val="bg1"/>
                 </a:solidFill>
@@ -6757,7 +7328,7 @@
               <a:t>Zhaoxin</a:t>
             </a:r>
             <a:r>
-              <a:rPr lang="en-US" altLang="zh-CN" sz="800" b="1" dirty="0" smtClean="0">
+              <a:rPr lang="en-US" altLang="zh-CN" sz="800" b="1" dirty="0">
                 <a:solidFill>
                   <a:schemeClr val="bg1"/>
                 </a:solidFill>
@@ -6769,6 +7340,42 @@
           </a:p>
         </p:txBody>
       </p:sp>
+      <p:pic>
+        <p:nvPicPr>
+          <p:cNvPr id="13" name="图片 12">
+            <a:extLst>
+              <a:ext uri="{FF2B5EF4-FFF2-40B4-BE49-F238E27FC236}">
+                <a16:creationId xmlns:a16="http://schemas.microsoft.com/office/drawing/2014/main" id="{7EB1AFA4-FBC8-4012-96FC-F8B5400B8BE4}"/>
+              </a:ext>
+            </a:extLst>
+          </p:cNvPr>
+          <p:cNvPicPr>
+            <a:picLocks noChangeAspect="1"/>
+          </p:cNvPicPr>
+          <p:nvPr userDrawn="1"/>
+        </p:nvPicPr>
+        <p:blipFill>
+          <a:blip r:embed="rId16">
+            <a:extLst>
+              <a:ext uri="{28A0092B-C50C-407E-A947-70E740481C1C}">
+                <a14:useLocalDpi xmlns:a14="http://schemas.microsoft.com/office/drawing/2010/main" val="0"/>
+              </a:ext>
+            </a:extLst>
+          </a:blip>
+          <a:stretch>
+            <a:fillRect/>
+          </a:stretch>
+        </p:blipFill>
+        <p:spPr>
+          <a:xfrm>
+            <a:off x="0" y="1714"/>
+            <a:ext cx="9144000" cy="6854573"/>
+          </a:xfrm>
+          <a:prstGeom prst="rect">
+            <a:avLst/>
+          </a:prstGeom>
+        </p:spPr>
+      </p:pic>
     </p:spTree>
   </p:cSld>
   <p:clrMap bg1="lt1" tx1="dk1" bg2="lt2" tx2="dk2" accent1="accent1" accent2="accent2" accent3="accent3" accent4="accent4" accent5="accent5" accent6="accent6" hlink="hlink" folHlink="folHlink"/>
@@ -6784,14 +7391,9 @@
     <p:sldLayoutId id="2147483902" r:id="rId9"/>
     <p:sldLayoutId id="2147483903" r:id="rId10"/>
     <p:sldLayoutId id="2147483904" r:id="rId11"/>
+    <p:sldLayoutId id="2147483912" r:id="rId12"/>
+    <p:sldLayoutId id="2147483911" r:id="rId13"/>
   </p:sldLayoutIdLst>
-  <p:timing>
-    <p:tnLst>
-      <p:par>
-        <p:cTn id="1" dur="indefinite" restart="never" nodeType="tmRoot"/>
-      </p:par>
-    </p:tnLst>
-  </p:timing>
   <p:hf sldNum="0" hdr="0" ftr="0" dt="0"/>
   <p:txStyles>
     <p:titleStyle>
@@ -7192,7 +7794,7 @@
 </file>
 
 <file path=ppt/slides/slide1.xml><?xml version="1.0" encoding="utf-8"?>
-<p:sld xmlns:a="http://schemas.openxmlformats.org/drawingml/2006/main" xmlns:r="http://schemas.openxmlformats.org/officeDocument/2006/relationships" xmlns:p="http://schemas.openxmlformats.org/presentationml/2006/main" showMasterSp="0">
+<p:sld xmlns:a="http://schemas.openxmlformats.org/drawingml/2006/main" xmlns:r="http://schemas.openxmlformats.org/officeDocument/2006/relationships" xmlns:p="http://schemas.openxmlformats.org/presentationml/2006/main">
   <p:cSld>
     <p:spTree>
       <p:nvGrpSpPr>
@@ -7210,438 +7812,590 @@
       </p:grpSpPr>
       <p:sp>
         <p:nvSpPr>
-          <p:cNvPr id="5" name="Rectangle 2"/>
-          <p:cNvSpPr txBox="1">
-            <a:spLocks noChangeArrowheads="1"/>
+          <p:cNvPr id="5" name="副标题 4"/>
+          <p:cNvSpPr>
+            <a:spLocks noGrp="1"/>
           </p:cNvSpPr>
-          <p:nvPr/>
+          <p:nvPr>
+            <p:ph type="subTitle" idx="1"/>
+          </p:nvPr>
         </p:nvSpPr>
-        <p:spPr bwMode="auto">
+        <p:spPr>
           <a:xfrm>
-            <a:off x="395536" y="2060848"/>
-            <a:ext cx="8244408" cy="1418853"/>
+            <a:off x="4772023" y="3706663"/>
+            <a:ext cx="3868342" cy="419099"/>
           </a:xfrm>
-          <a:prstGeom prst="rect">
-            <a:avLst/>
-          </a:prstGeom>
-          <a:noFill/>
-          <a:ln>
-            <a:noFill/>
-          </a:ln>
-          <a:extLst>
-            <a:ext uri="{909E8E84-426E-40DD-AFC4-6F175D3DCCD1}">
-              <a14:hiddenFill xmlns:a14="http://schemas.microsoft.com/office/drawing/2010/main">
-                <a:solidFill>
-                  <a:srgbClr val="FFFFFF"/>
-                </a:solidFill>
-              </a14:hiddenFill>
-            </a:ext>
-            <a:ext uri="{91240B29-F687-4F45-9708-019B960494DF}">
-              <a14:hiddenLine xmlns:a14="http://schemas.microsoft.com/office/drawing/2010/main" w="9525">
-                <a:solidFill>
-                  <a:srgbClr val="000000"/>
-                </a:solidFill>
-                <a:miter lim="800000"/>
-                <a:headEnd/>
-                <a:tailEnd/>
-              </a14:hiddenLine>
-            </a:ext>
-          </a:extLst>
         </p:spPr>
         <p:txBody>
-          <a:bodyPr anchor="ctr"/>
-          <a:lstStyle>
-            <a:lvl1pPr algn="ctr" rtl="0" eaLnBrk="0" fontAlgn="base" hangingPunct="0">
-              <a:spcBef>
-                <a:spcPct val="0"/>
-              </a:spcBef>
-              <a:spcAft>
-                <a:spcPct val="0"/>
-              </a:spcAft>
-              <a:defRPr sz="4400">
-                <a:solidFill>
-                  <a:schemeClr val="tx2"/>
-                </a:solidFill>
-                <a:latin typeface="+mj-lt"/>
-                <a:ea typeface="+mj-ea"/>
-                <a:cs typeface="+mj-cs"/>
-              </a:defRPr>
-            </a:lvl1pPr>
-            <a:lvl2pPr algn="ctr" rtl="0" eaLnBrk="0" fontAlgn="base" hangingPunct="0">
-              <a:spcBef>
-                <a:spcPct val="0"/>
-              </a:spcBef>
-              <a:spcAft>
-                <a:spcPct val="0"/>
-              </a:spcAft>
-              <a:defRPr sz="4400">
-                <a:solidFill>
-                  <a:schemeClr val="tx2"/>
-                </a:solidFill>
-                <a:latin typeface="Times New Roman" pitchFamily="18" charset="0"/>
-              </a:defRPr>
-            </a:lvl2pPr>
-            <a:lvl3pPr algn="ctr" rtl="0" eaLnBrk="0" fontAlgn="base" hangingPunct="0">
-              <a:spcBef>
-                <a:spcPct val="0"/>
-              </a:spcBef>
-              <a:spcAft>
-                <a:spcPct val="0"/>
-              </a:spcAft>
-              <a:defRPr sz="4400">
-                <a:solidFill>
-                  <a:schemeClr val="tx2"/>
-                </a:solidFill>
-                <a:latin typeface="Times New Roman" pitchFamily="18" charset="0"/>
-              </a:defRPr>
-            </a:lvl3pPr>
-            <a:lvl4pPr algn="ctr" rtl="0" eaLnBrk="0" fontAlgn="base" hangingPunct="0">
-              <a:spcBef>
-                <a:spcPct val="0"/>
-              </a:spcBef>
-              <a:spcAft>
-                <a:spcPct val="0"/>
-              </a:spcAft>
-              <a:defRPr sz="4400">
-                <a:solidFill>
-                  <a:schemeClr val="tx2"/>
-                </a:solidFill>
-                <a:latin typeface="Times New Roman" pitchFamily="18" charset="0"/>
-              </a:defRPr>
-            </a:lvl4pPr>
-            <a:lvl5pPr algn="ctr" rtl="0" eaLnBrk="0" fontAlgn="base" hangingPunct="0">
-              <a:spcBef>
-                <a:spcPct val="0"/>
-              </a:spcBef>
-              <a:spcAft>
-                <a:spcPct val="0"/>
-              </a:spcAft>
-              <a:defRPr sz="4400">
-                <a:solidFill>
-                  <a:schemeClr val="tx2"/>
-                </a:solidFill>
-                <a:latin typeface="Times New Roman" pitchFamily="18" charset="0"/>
-              </a:defRPr>
-            </a:lvl5pPr>
-            <a:lvl6pPr marL="457200" algn="ctr" rtl="0" fontAlgn="base">
-              <a:spcBef>
-                <a:spcPct val="0"/>
-              </a:spcBef>
-              <a:spcAft>
-                <a:spcPct val="0"/>
-              </a:spcAft>
-              <a:defRPr sz="4400">
-                <a:solidFill>
-                  <a:schemeClr val="tx2"/>
-                </a:solidFill>
-                <a:latin typeface="Times New Roman" pitchFamily="18" charset="0"/>
-              </a:defRPr>
-            </a:lvl6pPr>
-            <a:lvl7pPr marL="914400" algn="ctr" rtl="0" fontAlgn="base">
-              <a:spcBef>
-                <a:spcPct val="0"/>
-              </a:spcBef>
-              <a:spcAft>
-                <a:spcPct val="0"/>
-              </a:spcAft>
-              <a:defRPr sz="4400">
-                <a:solidFill>
-                  <a:schemeClr val="tx2"/>
-                </a:solidFill>
-                <a:latin typeface="Times New Roman" pitchFamily="18" charset="0"/>
-              </a:defRPr>
-            </a:lvl7pPr>
-            <a:lvl8pPr marL="1371600" algn="ctr" rtl="0" fontAlgn="base">
-              <a:spcBef>
-                <a:spcPct val="0"/>
-              </a:spcBef>
-              <a:spcAft>
-                <a:spcPct val="0"/>
-              </a:spcAft>
-              <a:defRPr sz="4400">
-                <a:solidFill>
-                  <a:schemeClr val="tx2"/>
-                </a:solidFill>
-                <a:latin typeface="Times New Roman" pitchFamily="18" charset="0"/>
-              </a:defRPr>
-            </a:lvl8pPr>
-            <a:lvl9pPr marL="1828800" algn="ctr" rtl="0" fontAlgn="base">
-              <a:spcBef>
-                <a:spcPct val="0"/>
-              </a:spcBef>
-              <a:spcAft>
-                <a:spcPct val="0"/>
-              </a:spcAft>
-              <a:defRPr sz="4400">
-                <a:solidFill>
-                  <a:schemeClr val="tx2"/>
-                </a:solidFill>
-                <a:latin typeface="Times New Roman" pitchFamily="18" charset="0"/>
-              </a:defRPr>
-            </a:lvl9pPr>
-          </a:lstStyle>
-          <a:p>
-            <a:pPr eaLnBrk="1" hangingPunct="1">
-              <a:defRPr/>
-            </a:pPr>
-            <a:r>
-              <a:rPr lang="en-US" altLang="zh-CN" sz="4800" dirty="0" smtClean="0">
-                <a:solidFill>
-                  <a:schemeClr val="tx1"/>
-                </a:solidFill>
-                <a:latin typeface="微软雅黑" panose="020B0503020204020204" pitchFamily="34" charset="-122"/>
-                <a:ea typeface="微软雅黑" panose="020B0503020204020204" pitchFamily="34" charset="-122"/>
-              </a:rPr>
-              <a:t>SPIR-V  NIR Compiler</a:t>
-            </a:r>
-            <a:endParaRPr lang="en-US" altLang="zh-CN" sz="4800" kern="0" dirty="0" smtClean="0">
-              <a:solidFill>
-                <a:schemeClr val="tx1"/>
-              </a:solidFill>
-              <a:latin typeface="微软雅黑" panose="020B0503020204020204" pitchFamily="34" charset="-122"/>
-              <a:ea typeface="微软雅黑" panose="020B0503020204020204" pitchFamily="34" charset="-122"/>
-            </a:endParaRPr>
+          <a:bodyPr>
+            <a:normAutofit/>
+          </a:bodyPr>
+          <a:lstStyle/>
+          <a:p>
+            <a:r>
+              <a:rPr lang="en-US" altLang="zh-CN" sz="1800" dirty="0" err="1"/>
+              <a:t>Zhiqian</a:t>
+            </a:r>
+            <a:r>
+              <a:rPr lang="en-US" altLang="zh-CN" sz="1800" dirty="0"/>
+              <a:t> Xia</a:t>
+            </a:r>
           </a:p>
         </p:txBody>
       </p:sp>
       <p:sp>
         <p:nvSpPr>
-          <p:cNvPr id="8195" name="TextBox 2"/>
-          <p:cNvSpPr txBox="1">
-            <a:spLocks noChangeArrowheads="1"/>
+          <p:cNvPr id="4" name="标题 3"/>
+          <p:cNvSpPr>
+            <a:spLocks noGrp="1"/>
           </p:cNvSpPr>
-          <p:nvPr/>
+          <p:nvPr>
+            <p:ph type="ctrTitle" idx="4294967295"/>
+          </p:nvPr>
         </p:nvSpPr>
-        <p:spPr bwMode="auto">
+        <p:spPr>
           <a:xfrm>
-            <a:off x="1907704" y="4725144"/>
-            <a:ext cx="4968875" cy="1015663"/>
+            <a:off x="3123169" y="2582013"/>
+            <a:ext cx="5517197" cy="1106807"/>
           </a:xfrm>
-          <a:prstGeom prst="rect">
-            <a:avLst/>
-          </a:prstGeom>
-          <a:noFill/>
-          <a:ln>
-            <a:noFill/>
-          </a:ln>
-          <a:extLst>
-            <a:ext uri="{909E8E84-426E-40DD-AFC4-6F175D3DCCD1}">
-              <a14:hiddenFill xmlns:a14="http://schemas.microsoft.com/office/drawing/2010/main">
-                <a:solidFill>
-                  <a:srgbClr val="FFFFFF"/>
-                </a:solidFill>
-              </a14:hiddenFill>
-            </a:ext>
-            <a:ext uri="{91240B29-F687-4F45-9708-019B960494DF}">
-              <a14:hiddenLine xmlns:a14="http://schemas.microsoft.com/office/drawing/2010/main" w="9525">
-                <a:solidFill>
-                  <a:srgbClr val="000000"/>
-                </a:solidFill>
-                <a:miter lim="800000"/>
-                <a:headEnd/>
-                <a:tailEnd/>
-              </a14:hiddenLine>
-            </a:ext>
-          </a:extLst>
         </p:spPr>
         <p:txBody>
           <a:bodyPr>
-            <a:spAutoFit/>
+            <a:normAutofit/>
           </a:bodyPr>
-          <a:lstStyle>
-            <a:lvl1pPr algn="l" eaLnBrk="0" hangingPunct="0">
-              <a:spcBef>
-                <a:spcPct val="20000"/>
-              </a:spcBef>
-              <a:buFont typeface="Arial" panose="020B0604020202020204" pitchFamily="34" charset="0"/>
-              <a:buChar char="•"/>
-              <a:defRPr sz="1600">
+          <a:lstStyle/>
+          <a:p>
+            <a:pPr algn="r"/>
+            <a:r>
+              <a:rPr lang="en-US" altLang="zh-CN" sz="3000" dirty="0">
                 <a:solidFill>
-                  <a:schemeClr val="tx1"/>
+                  <a:srgbClr val="015978"/>
                 </a:solidFill>
-                <a:latin typeface="黑体" panose="02010609060101010101" pitchFamily="49" charset="-122"/>
-                <a:ea typeface="黑体" panose="02010609060101010101" pitchFamily="49" charset="-122"/>
-              </a:defRPr>
-            </a:lvl1pPr>
-            <a:lvl2pPr marL="742950" indent="-285750" algn="l" eaLnBrk="0" hangingPunct="0">
-              <a:spcBef>
-                <a:spcPct val="20000"/>
-              </a:spcBef>
-              <a:buFont typeface="Arial" panose="020B0604020202020204" pitchFamily="34" charset="0"/>
-              <a:buChar char="–"/>
-              <a:defRPr sz="1600">
+                <a:latin typeface="+mn-lt"/>
+                <a:ea typeface="+mn-ea"/>
+                <a:cs typeface="+mn-cs"/>
+              </a:rPr>
+              <a:t>The SPIR-V To Mesa-IR Pass</a:t>
+            </a:r>
+            <a:endParaRPr lang="zh-CN" altLang="en-US" sz="3000" dirty="0">
+              <a:solidFill>
+                <a:srgbClr val="015978"/>
+              </a:solidFill>
+              <a:latin typeface="+mn-lt"/>
+              <a:ea typeface="+mn-ea"/>
+              <a:cs typeface="+mn-cs"/>
+            </a:endParaRPr>
+          </a:p>
+        </p:txBody>
+      </p:sp>
+      <p:sp>
+        <p:nvSpPr>
+          <p:cNvPr id="6" name="文本占位符 5"/>
+          <p:cNvSpPr>
+            <a:spLocks noGrp="1"/>
+          </p:cNvSpPr>
+          <p:nvPr>
+            <p:ph type="body" sz="quarter" idx="10"/>
+          </p:nvPr>
+        </p:nvSpPr>
+        <p:spPr>
+          <a:xfrm>
+            <a:off x="4572000" y="5979898"/>
+            <a:ext cx="4356399" cy="186278"/>
+          </a:xfrm>
+        </p:spPr>
+        <p:txBody>
+          <a:bodyPr/>
+          <a:lstStyle/>
+          <a:p>
+            <a:r>
+              <a:rPr lang="en-US" altLang="zh-CN" sz="1200" dirty="0">
                 <a:solidFill>
-                  <a:schemeClr val="tx1"/>
+                  <a:schemeClr val="accent5">
+                    <a:lumMod val="50000"/>
+                  </a:schemeClr>
                 </a:solidFill>
-                <a:latin typeface="黑体" panose="02010609060101010101" pitchFamily="49" charset="-122"/>
-                <a:ea typeface="黑体" panose="02010609060101010101" pitchFamily="49" charset="-122"/>
-              </a:defRPr>
-            </a:lvl2pPr>
-            <a:lvl3pPr marL="1143000" indent="-228600" algn="l" eaLnBrk="0" hangingPunct="0">
-              <a:spcBef>
-                <a:spcPct val="20000"/>
-              </a:spcBef>
-              <a:buFont typeface="Arial" panose="020B0604020202020204" pitchFamily="34" charset="0"/>
-              <a:buChar char="•"/>
-              <a:defRPr sz="1600">
-                <a:solidFill>
-                  <a:schemeClr val="tx1"/>
-                </a:solidFill>
-                <a:latin typeface="黑体" panose="02010609060101010101" pitchFamily="49" charset="-122"/>
-                <a:ea typeface="黑体" panose="02010609060101010101" pitchFamily="49" charset="-122"/>
-              </a:defRPr>
-            </a:lvl3pPr>
-            <a:lvl4pPr marL="1600200" indent="-228600" algn="l" eaLnBrk="0" hangingPunct="0">
-              <a:spcBef>
-                <a:spcPct val="20000"/>
-              </a:spcBef>
-              <a:buFont typeface="Arial" panose="020B0604020202020204" pitchFamily="34" charset="0"/>
-              <a:buChar char="–"/>
-              <a:defRPr sz="1600">
-                <a:solidFill>
-                  <a:schemeClr val="tx1"/>
-                </a:solidFill>
-                <a:latin typeface="黑体" panose="02010609060101010101" pitchFamily="49" charset="-122"/>
-                <a:ea typeface="黑体" panose="02010609060101010101" pitchFamily="49" charset="-122"/>
-              </a:defRPr>
-            </a:lvl4pPr>
-            <a:lvl5pPr marL="2057400" indent="-228600" algn="l" eaLnBrk="0" hangingPunct="0">
-              <a:spcBef>
-                <a:spcPct val="20000"/>
-              </a:spcBef>
-              <a:buFont typeface="Arial" panose="020B0604020202020204" pitchFamily="34" charset="0"/>
-              <a:buChar char="»"/>
-              <a:defRPr sz="1600">
-                <a:solidFill>
-                  <a:schemeClr val="tx1"/>
-                </a:solidFill>
-                <a:latin typeface="黑体" panose="02010609060101010101" pitchFamily="49" charset="-122"/>
-                <a:ea typeface="黑体" panose="02010609060101010101" pitchFamily="49" charset="-122"/>
-              </a:defRPr>
-            </a:lvl5pPr>
-            <a:lvl6pPr marL="2514600" indent="-228600" eaLnBrk="0" fontAlgn="base" hangingPunct="0">
-              <a:spcBef>
-                <a:spcPct val="20000"/>
-              </a:spcBef>
-              <a:spcAft>
-                <a:spcPct val="0"/>
-              </a:spcAft>
-              <a:buFont typeface="Arial" panose="020B0604020202020204" pitchFamily="34" charset="0"/>
-              <a:buChar char="»"/>
-              <a:defRPr sz="1600">
-                <a:solidFill>
-                  <a:schemeClr val="tx1"/>
-                </a:solidFill>
-                <a:latin typeface="黑体" panose="02010609060101010101" pitchFamily="49" charset="-122"/>
-                <a:ea typeface="黑体" panose="02010609060101010101" pitchFamily="49" charset="-122"/>
-              </a:defRPr>
-            </a:lvl6pPr>
-            <a:lvl7pPr marL="2971800" indent="-228600" eaLnBrk="0" fontAlgn="base" hangingPunct="0">
-              <a:spcBef>
-                <a:spcPct val="20000"/>
-              </a:spcBef>
-              <a:spcAft>
-                <a:spcPct val="0"/>
-              </a:spcAft>
-              <a:buFont typeface="Arial" panose="020B0604020202020204" pitchFamily="34" charset="0"/>
-              <a:buChar char="»"/>
-              <a:defRPr sz="1600">
-                <a:solidFill>
-                  <a:schemeClr val="tx1"/>
-                </a:solidFill>
-                <a:latin typeface="黑体" panose="02010609060101010101" pitchFamily="49" charset="-122"/>
-                <a:ea typeface="黑体" panose="02010609060101010101" pitchFamily="49" charset="-122"/>
-              </a:defRPr>
-            </a:lvl7pPr>
-            <a:lvl8pPr marL="3429000" indent="-228600" eaLnBrk="0" fontAlgn="base" hangingPunct="0">
-              <a:spcBef>
-                <a:spcPct val="20000"/>
-              </a:spcBef>
-              <a:spcAft>
-                <a:spcPct val="0"/>
-              </a:spcAft>
-              <a:buFont typeface="Arial" panose="020B0604020202020204" pitchFamily="34" charset="0"/>
-              <a:buChar char="»"/>
-              <a:defRPr sz="1600">
-                <a:solidFill>
-                  <a:schemeClr val="tx1"/>
-                </a:solidFill>
-                <a:latin typeface="黑体" panose="02010609060101010101" pitchFamily="49" charset="-122"/>
-                <a:ea typeface="黑体" panose="02010609060101010101" pitchFamily="49" charset="-122"/>
-              </a:defRPr>
-            </a:lvl8pPr>
-            <a:lvl9pPr marL="3886200" indent="-228600" eaLnBrk="0" fontAlgn="base" hangingPunct="0">
-              <a:spcBef>
-                <a:spcPct val="20000"/>
-              </a:spcBef>
-              <a:spcAft>
-                <a:spcPct val="0"/>
-              </a:spcAft>
-              <a:buFont typeface="Arial" panose="020B0604020202020204" pitchFamily="34" charset="0"/>
-              <a:buChar char="»"/>
-              <a:defRPr sz="1600">
-                <a:solidFill>
-                  <a:schemeClr val="tx1"/>
-                </a:solidFill>
-                <a:latin typeface="黑体" panose="02010609060101010101" pitchFamily="49" charset="-122"/>
-                <a:ea typeface="黑体" panose="02010609060101010101" pitchFamily="49" charset="-122"/>
-              </a:defRPr>
-            </a:lvl9pPr>
-          </a:lstStyle>
-          <a:p>
-            <a:pPr algn="ctr" eaLnBrk="1" hangingPunct="1">
-              <a:spcBef>
-                <a:spcPct val="0"/>
-              </a:spcBef>
-              <a:buFontTx/>
-              <a:buNone/>
-            </a:pPr>
-            <a:r>
-              <a:rPr lang="en-US" altLang="en-US" sz="3200" dirty="0" err="1" smtClean="0">
                 <a:latin typeface="等线" panose="02010600030101010101" pitchFamily="2" charset="-122"/>
                 <a:ea typeface="等线" panose="02010600030101010101" pitchFamily="2" charset="-122"/>
               </a:rPr>
-              <a:t>ZhiqianXia</a:t>
-            </a:r>
-            <a:endParaRPr lang="en-US" altLang="en-US" sz="3200" dirty="0" smtClean="0">
-              <a:latin typeface="等线" panose="02010600030101010101" pitchFamily="2" charset="-122"/>
-              <a:ea typeface="等线" panose="02010600030101010101" pitchFamily="2" charset="-122"/>
-            </a:endParaRPr>
-          </a:p>
-          <a:p>
-            <a:pPr algn="ctr" eaLnBrk="1" hangingPunct="1">
-              <a:spcBef>
-                <a:spcPct val="0"/>
-              </a:spcBef>
-              <a:buFontTx/>
-              <a:buNone/>
-            </a:pPr>
-            <a:r>
-              <a:rPr lang="en-US" altLang="en-US" sz="2800" dirty="0" smtClean="0">
+              <a:t>(C) Copyright 2019, Shanghai </a:t>
+            </a:r>
+            <a:r>
+              <a:rPr lang="en-US" altLang="zh-CN" sz="1200" dirty="0" err="1">
+                <a:solidFill>
+                  <a:schemeClr val="accent5">
+                    <a:lumMod val="50000"/>
+                  </a:schemeClr>
+                </a:solidFill>
                 <a:latin typeface="等线" panose="02010600030101010101" pitchFamily="2" charset="-122"/>
                 <a:ea typeface="等线" panose="02010600030101010101" pitchFamily="2" charset="-122"/>
               </a:rPr>
-              <a:t>2019.8.14</a:t>
-            </a:r>
-            <a:endParaRPr lang="en-US" altLang="en-US" sz="2800" dirty="0">
-              <a:latin typeface="等线" panose="02010600030101010101" pitchFamily="2" charset="-122"/>
-              <a:ea typeface="等线" panose="02010600030101010101" pitchFamily="2" charset="-122"/>
-            </a:endParaRPr>
+              <a:t>Zhaoxin</a:t>
+            </a:r>
+            <a:r>
+              <a:rPr lang="en-US" altLang="zh-CN" sz="1200" dirty="0">
+                <a:solidFill>
+                  <a:schemeClr val="accent5">
+                    <a:lumMod val="50000"/>
+                  </a:schemeClr>
+                </a:solidFill>
+                <a:latin typeface="等线" panose="02010600030101010101" pitchFamily="2" charset="-122"/>
+                <a:ea typeface="等线" panose="02010600030101010101" pitchFamily="2" charset="-122"/>
+              </a:rPr>
+              <a:t> </a:t>
+            </a:r>
+            <a:r>
+              <a:rPr lang="en-US" altLang="zh-CN" sz="1200" dirty="0" err="1">
+                <a:solidFill>
+                  <a:schemeClr val="accent5">
+                    <a:lumMod val="50000"/>
+                  </a:schemeClr>
+                </a:solidFill>
+                <a:latin typeface="等线" panose="02010600030101010101" pitchFamily="2" charset="-122"/>
+                <a:ea typeface="等线" panose="02010600030101010101" pitchFamily="2" charset="-122"/>
+              </a:rPr>
+              <a:t>Semicoductor</a:t>
+            </a:r>
+            <a:r>
+              <a:rPr lang="en-US" altLang="zh-CN" sz="1200" dirty="0">
+                <a:solidFill>
+                  <a:schemeClr val="accent5">
+                    <a:lumMod val="50000"/>
+                  </a:schemeClr>
+                </a:solidFill>
+                <a:latin typeface="等线" panose="02010600030101010101" pitchFamily="2" charset="-122"/>
+                <a:ea typeface="等线" panose="02010600030101010101" pitchFamily="2" charset="-122"/>
+              </a:rPr>
+              <a:t>, Inc.</a:t>
+            </a:r>
           </a:p>
         </p:txBody>
       </p:sp>
+      <p:sp>
+        <p:nvSpPr>
+          <p:cNvPr id="7" name="文本占位符 6"/>
+          <p:cNvSpPr>
+            <a:spLocks noGrp="1"/>
+          </p:cNvSpPr>
+          <p:nvPr>
+            <p:ph type="body" sz="quarter" idx="11"/>
+          </p:nvPr>
+        </p:nvSpPr>
+        <p:spPr>
+          <a:xfrm>
+            <a:off x="4772024" y="4741220"/>
+            <a:ext cx="3868342" cy="186278"/>
+          </a:xfrm>
+        </p:spPr>
+        <p:txBody>
+          <a:bodyPr/>
+          <a:lstStyle/>
+          <a:p>
+            <a:endParaRPr lang="en-US" altLang="en-US" sz="1200" dirty="0">
+              <a:solidFill>
+                <a:srgbClr val="015978"/>
+              </a:solidFill>
+            </a:endParaRPr>
+          </a:p>
+        </p:txBody>
+      </p:sp>
+      <p:grpSp>
+        <p:nvGrpSpPr>
+          <p:cNvPr id="22" name="组合 21">
+            <a:extLst>
+              <a:ext uri="{FF2B5EF4-FFF2-40B4-BE49-F238E27FC236}">
+                <a16:creationId xmlns:a16="http://schemas.microsoft.com/office/drawing/2014/main" id="{5C3C40D4-C388-423B-AB3F-BAAAF90F07AD}"/>
+              </a:ext>
+            </a:extLst>
+          </p:cNvPr>
+          <p:cNvGrpSpPr/>
+          <p:nvPr/>
+        </p:nvGrpSpPr>
+        <p:grpSpPr>
+          <a:xfrm>
+            <a:off x="4572001" y="1788861"/>
+            <a:ext cx="3929783" cy="698047"/>
+            <a:chOff x="5992128" y="1028700"/>
+            <a:chExt cx="5239711" cy="930729"/>
+          </a:xfrm>
+        </p:grpSpPr>
+        <p:grpSp>
+          <p:nvGrpSpPr>
+            <p:cNvPr id="23" name="组合 22">
+              <a:extLst>
+                <a:ext uri="{FF2B5EF4-FFF2-40B4-BE49-F238E27FC236}">
+                  <a16:creationId xmlns:a16="http://schemas.microsoft.com/office/drawing/2014/main" id="{97CCFA8D-6B95-4FBF-9F0E-FBB9F1BC302A}"/>
+                </a:ext>
+              </a:extLst>
+            </p:cNvPr>
+            <p:cNvGrpSpPr/>
+            <p:nvPr/>
+          </p:nvGrpSpPr>
+          <p:grpSpPr>
+            <a:xfrm>
+              <a:off x="5992128" y="1143000"/>
+              <a:ext cx="2438476" cy="788576"/>
+              <a:chOff x="8388453" y="1130300"/>
+              <a:chExt cx="2928835" cy="947152"/>
+            </a:xfrm>
+          </p:grpSpPr>
+          <p:sp>
+            <p:nvSpPr>
+              <p:cNvPr id="25" name="文本框 24">
+                <a:extLst>
+                  <a:ext uri="{FF2B5EF4-FFF2-40B4-BE49-F238E27FC236}">
+                    <a16:creationId xmlns:a16="http://schemas.microsoft.com/office/drawing/2014/main" id="{260E11DE-2280-4492-B673-A8CD38F7839B}"/>
+                  </a:ext>
+                </a:extLst>
+              </p:cNvPr>
+              <p:cNvSpPr txBox="1"/>
+              <p:nvPr/>
+            </p:nvSpPr>
+            <p:spPr>
+              <a:xfrm>
+                <a:off x="8388453" y="1677736"/>
+                <a:ext cx="2928835" cy="399716"/>
+              </a:xfrm>
+              <a:prstGeom prst="rect">
+                <a:avLst/>
+              </a:prstGeom>
+              <a:noFill/>
+            </p:spPr>
+            <p:txBody>
+              <a:bodyPr wrap="none" rtlCol="0">
+                <a:prstTxWarp prst="textPlain">
+                  <a:avLst/>
+                </a:prstTxWarp>
+                <a:spAutoFit/>
+              </a:bodyPr>
+              <a:lstStyle/>
+              <a:p>
+                <a:pPr algn="r"/>
+                <a:endParaRPr lang="zh-CN" altLang="en-US" sz="1800" b="1" spc="225" dirty="0">
+                  <a:solidFill>
+                    <a:prstClr val="white">
+                      <a:lumMod val="50000"/>
+                    </a:prstClr>
+                  </a:solidFill>
+                  <a:latin typeface="等线 Light" panose="020F0302020204030204"/>
+                  <a:ea typeface="等线" panose="02010600030101010101" pitchFamily="2" charset="-122"/>
+                  <a:cs typeface="Arial" panose="020B0604020202020204" pitchFamily="34" charset="0"/>
+                </a:endParaRPr>
+              </a:p>
+            </p:txBody>
+          </p:sp>
+          <p:sp>
+            <p:nvSpPr>
+              <p:cNvPr id="26" name="文本框 25">
+                <a:extLst>
+                  <a:ext uri="{FF2B5EF4-FFF2-40B4-BE49-F238E27FC236}">
+                    <a16:creationId xmlns:a16="http://schemas.microsoft.com/office/drawing/2014/main" id="{1CCCDF1E-7980-4F87-B983-1E8839A9F6B0}"/>
+                  </a:ext>
+                </a:extLst>
+              </p:cNvPr>
+              <p:cNvSpPr txBox="1"/>
+              <p:nvPr/>
+            </p:nvSpPr>
+            <p:spPr>
+              <a:xfrm>
+                <a:off x="8818188" y="1130300"/>
+                <a:ext cx="2499100" cy="399716"/>
+              </a:xfrm>
+              <a:prstGeom prst="rect">
+                <a:avLst/>
+              </a:prstGeom>
+              <a:noFill/>
+            </p:spPr>
+            <p:txBody>
+              <a:bodyPr wrap="none" rtlCol="0">
+                <a:prstTxWarp prst="textPlain">
+                  <a:avLst/>
+                </a:prstTxWarp>
+                <a:spAutoFit/>
+              </a:bodyPr>
+              <a:lstStyle/>
+              <a:p>
+                <a:pPr algn="r"/>
+                <a:endParaRPr lang="zh-CN" altLang="en-US" sz="1800" b="1" spc="225" dirty="0">
+                  <a:solidFill>
+                    <a:prstClr val="white">
+                      <a:lumMod val="50000"/>
+                    </a:prstClr>
+                  </a:solidFill>
+                  <a:latin typeface="等线 Light" panose="020F0302020204030204"/>
+                  <a:ea typeface="等线" panose="02010600030101010101" pitchFamily="2" charset="-122"/>
+                  <a:cs typeface="Arial" panose="020B0604020202020204" pitchFamily="34" charset="0"/>
+                </a:endParaRPr>
+              </a:p>
+            </p:txBody>
+          </p:sp>
+        </p:grpSp>
+        <p:sp>
+          <p:nvSpPr>
+            <p:cNvPr id="24" name="文本框 23">
+              <a:extLst>
+                <a:ext uri="{FF2B5EF4-FFF2-40B4-BE49-F238E27FC236}">
+                  <a16:creationId xmlns:a16="http://schemas.microsoft.com/office/drawing/2014/main" id="{90B77394-58AA-4726-AED1-20F13AF3ABD6}"/>
+                </a:ext>
+              </a:extLst>
+            </p:cNvPr>
+            <p:cNvSpPr txBox="1"/>
+            <p:nvPr/>
+          </p:nvSpPr>
+          <p:spPr>
+            <a:xfrm>
+              <a:off x="8593968" y="1028700"/>
+              <a:ext cx="2637871" cy="930729"/>
+            </a:xfrm>
+            <a:prstGeom prst="rect">
+              <a:avLst/>
+            </a:prstGeom>
+            <a:noFill/>
+          </p:spPr>
+          <p:txBody>
+            <a:bodyPr wrap="none" rtlCol="0">
+              <a:prstTxWarp prst="textPlain">
+                <a:avLst/>
+              </a:prstTxWarp>
+              <a:spAutoFit/>
+            </a:bodyPr>
+            <a:lstStyle/>
+            <a:p>
+              <a:pPr algn="r"/>
+              <a:endParaRPr lang="zh-CN" altLang="en-US" sz="1800" b="1" kern="600" dirty="0">
+                <a:solidFill>
+                  <a:srgbClr val="015978"/>
+                </a:solidFill>
+                <a:latin typeface="等线 Light" panose="020F0302020204030204"/>
+                <a:ea typeface="等线" panose="02010600030101010101" pitchFamily="2" charset="-122"/>
+                <a:cs typeface="Arial" panose="020B0604020202020204" pitchFamily="34" charset="0"/>
+              </a:endParaRPr>
+            </a:p>
+          </p:txBody>
+        </p:sp>
+      </p:grpSp>
+      <p:grpSp>
+        <p:nvGrpSpPr>
+          <p:cNvPr id="11" name="组合 10">
+            <a:extLst>
+              <a:ext uri="{FF2B5EF4-FFF2-40B4-BE49-F238E27FC236}">
+                <a16:creationId xmlns:a16="http://schemas.microsoft.com/office/drawing/2014/main" id="{FC659FF0-4C55-45DB-B075-6F3B76568FDC}"/>
+              </a:ext>
+            </a:extLst>
+          </p:cNvPr>
+          <p:cNvGrpSpPr/>
+          <p:nvPr/>
+        </p:nvGrpSpPr>
+        <p:grpSpPr>
+          <a:xfrm>
+            <a:off x="4624725" y="1809750"/>
+            <a:ext cx="3929783" cy="698047"/>
+            <a:chOff x="5992128" y="1028700"/>
+            <a:chExt cx="5239711" cy="930729"/>
+          </a:xfrm>
+        </p:grpSpPr>
+        <p:grpSp>
+          <p:nvGrpSpPr>
+            <p:cNvPr id="12" name="组合 11">
+              <a:extLst>
+                <a:ext uri="{FF2B5EF4-FFF2-40B4-BE49-F238E27FC236}">
+                  <a16:creationId xmlns:a16="http://schemas.microsoft.com/office/drawing/2014/main" id="{E2C19ABB-E584-474B-92C6-2E823029861F}"/>
+                </a:ext>
+              </a:extLst>
+            </p:cNvPr>
+            <p:cNvGrpSpPr/>
+            <p:nvPr/>
+          </p:nvGrpSpPr>
+          <p:grpSpPr>
+            <a:xfrm>
+              <a:off x="5992128" y="1143000"/>
+              <a:ext cx="2438476" cy="788576"/>
+              <a:chOff x="8388453" y="1130300"/>
+              <a:chExt cx="2928835" cy="947152"/>
+            </a:xfrm>
+          </p:grpSpPr>
+          <p:sp>
+            <p:nvSpPr>
+              <p:cNvPr id="14" name="文本框 13">
+                <a:extLst>
+                  <a:ext uri="{FF2B5EF4-FFF2-40B4-BE49-F238E27FC236}">
+                    <a16:creationId xmlns:a16="http://schemas.microsoft.com/office/drawing/2014/main" id="{BFD977CE-76F9-4FD7-96E4-D7C82FD1A100}"/>
+                  </a:ext>
+                </a:extLst>
+              </p:cNvPr>
+              <p:cNvSpPr txBox="1"/>
+              <p:nvPr/>
+            </p:nvSpPr>
+            <p:spPr>
+              <a:xfrm>
+                <a:off x="8388453" y="1677736"/>
+                <a:ext cx="2928835" cy="399716"/>
+              </a:xfrm>
+              <a:prstGeom prst="rect">
+                <a:avLst/>
+              </a:prstGeom>
+              <a:noFill/>
+            </p:spPr>
+            <p:txBody>
+              <a:bodyPr wrap="none" rtlCol="0">
+                <a:prstTxWarp prst="textPlain">
+                  <a:avLst/>
+                </a:prstTxWarp>
+                <a:spAutoFit/>
+              </a:bodyPr>
+              <a:lstStyle/>
+              <a:p>
+                <a:pPr algn="r"/>
+                <a:r>
+                  <a:rPr lang="en-US" altLang="zh-CN" sz="1800" b="1" spc="225" dirty="0">
+                    <a:solidFill>
+                      <a:prstClr val="white">
+                        <a:lumMod val="50000"/>
+                      </a:prstClr>
+                    </a:solidFill>
+                    <a:latin typeface="等线 Light" panose="020F0302020204030204"/>
+                    <a:ea typeface="等线" panose="02010600030101010101" pitchFamily="2" charset="-122"/>
+                    <a:cs typeface="Arial" panose="020B0604020202020204" pitchFamily="34" charset="0"/>
+                  </a:rPr>
+                  <a:t>SUMMARY</a:t>
+                </a:r>
+                <a:endParaRPr lang="zh-CN" altLang="en-US" sz="1800" b="1" spc="225" dirty="0">
+                  <a:solidFill>
+                    <a:prstClr val="white">
+                      <a:lumMod val="50000"/>
+                    </a:prstClr>
+                  </a:solidFill>
+                  <a:latin typeface="等线 Light" panose="020F0302020204030204"/>
+                  <a:ea typeface="等线" panose="02010600030101010101" pitchFamily="2" charset="-122"/>
+                  <a:cs typeface="Arial" panose="020B0604020202020204" pitchFamily="34" charset="0"/>
+                </a:endParaRPr>
+              </a:p>
+            </p:txBody>
+          </p:sp>
+          <p:sp>
+            <p:nvSpPr>
+              <p:cNvPr id="15" name="文本框 14">
+                <a:extLst>
+                  <a:ext uri="{FF2B5EF4-FFF2-40B4-BE49-F238E27FC236}">
+                    <a16:creationId xmlns:a16="http://schemas.microsoft.com/office/drawing/2014/main" id="{2917111C-BAE0-4524-99FA-C62B0B131427}"/>
+                  </a:ext>
+                </a:extLst>
+              </p:cNvPr>
+              <p:cNvSpPr txBox="1"/>
+              <p:nvPr/>
+            </p:nvSpPr>
+            <p:spPr>
+              <a:xfrm>
+                <a:off x="8818188" y="1130300"/>
+                <a:ext cx="2499100" cy="399716"/>
+              </a:xfrm>
+              <a:prstGeom prst="rect">
+                <a:avLst/>
+              </a:prstGeom>
+              <a:noFill/>
+            </p:spPr>
+            <p:txBody>
+              <a:bodyPr wrap="none" rtlCol="0">
+                <a:prstTxWarp prst="textPlain">
+                  <a:avLst/>
+                </a:prstTxWarp>
+                <a:spAutoFit/>
+              </a:bodyPr>
+              <a:lstStyle/>
+              <a:p>
+                <a:pPr algn="r"/>
+                <a:r>
+                  <a:rPr lang="en-US" altLang="zh-CN" sz="1800" b="1" spc="225" dirty="0">
+                    <a:solidFill>
+                      <a:prstClr val="white">
+                        <a:lumMod val="50000"/>
+                      </a:prstClr>
+                    </a:solidFill>
+                    <a:latin typeface="等线 Light" panose="020F0302020204030204"/>
+                    <a:ea typeface="等线" panose="02010600030101010101" pitchFamily="2" charset="-122"/>
+                    <a:cs typeface="Arial" panose="020B0604020202020204" pitchFamily="34" charset="0"/>
+                  </a:rPr>
+                  <a:t>ANNUAL</a:t>
+                </a:r>
+                <a:endParaRPr lang="zh-CN" altLang="en-US" sz="1800" b="1" spc="225" dirty="0">
+                  <a:solidFill>
+                    <a:prstClr val="white">
+                      <a:lumMod val="50000"/>
+                    </a:prstClr>
+                  </a:solidFill>
+                  <a:latin typeface="等线 Light" panose="020F0302020204030204"/>
+                  <a:ea typeface="等线" panose="02010600030101010101" pitchFamily="2" charset="-122"/>
+                  <a:cs typeface="Arial" panose="020B0604020202020204" pitchFamily="34" charset="0"/>
+                </a:endParaRPr>
+              </a:p>
+            </p:txBody>
+          </p:sp>
+        </p:grpSp>
+        <p:sp>
+          <p:nvSpPr>
+            <p:cNvPr id="13" name="文本框 12">
+              <a:extLst>
+                <a:ext uri="{FF2B5EF4-FFF2-40B4-BE49-F238E27FC236}">
+                  <a16:creationId xmlns:a16="http://schemas.microsoft.com/office/drawing/2014/main" id="{C345F243-92C4-4206-BDC5-82C7E1010A29}"/>
+                </a:ext>
+              </a:extLst>
+            </p:cNvPr>
+            <p:cNvSpPr txBox="1"/>
+            <p:nvPr/>
+          </p:nvSpPr>
+          <p:spPr>
+            <a:xfrm>
+              <a:off x="8593968" y="1028700"/>
+              <a:ext cx="2637871" cy="930729"/>
+            </a:xfrm>
+            <a:prstGeom prst="rect">
+              <a:avLst/>
+            </a:prstGeom>
+            <a:noFill/>
+          </p:spPr>
+          <p:txBody>
+            <a:bodyPr wrap="none" rtlCol="0">
+              <a:prstTxWarp prst="textPlain">
+                <a:avLst/>
+              </a:prstTxWarp>
+              <a:spAutoFit/>
+            </a:bodyPr>
+            <a:lstStyle/>
+            <a:p>
+              <a:pPr algn="r"/>
+              <a:r>
+                <a:rPr lang="en-US" altLang="zh-CN" sz="1800" b="1" kern="600" dirty="0">
+                  <a:solidFill>
+                    <a:srgbClr val="015978"/>
+                  </a:solidFill>
+                  <a:latin typeface="等线 Light" panose="020F0302020204030204"/>
+                  <a:ea typeface="等线" panose="02010600030101010101" pitchFamily="2" charset="-122"/>
+                  <a:cs typeface="Arial" panose="020B0604020202020204" pitchFamily="34" charset="0"/>
+                </a:rPr>
+                <a:t>2019</a:t>
+              </a:r>
+              <a:endParaRPr lang="zh-CN" altLang="en-US" sz="1800" b="1" kern="600" dirty="0">
+                <a:solidFill>
+                  <a:srgbClr val="015978"/>
+                </a:solidFill>
+                <a:latin typeface="等线 Light" panose="020F0302020204030204"/>
+                <a:ea typeface="等线" panose="02010600030101010101" pitchFamily="2" charset="-122"/>
+                <a:cs typeface="Arial" panose="020B0604020202020204" pitchFamily="34" charset="0"/>
+              </a:endParaRPr>
+            </a:p>
+          </p:txBody>
+        </p:sp>
+      </p:grpSp>
     </p:spTree>
+    <p:extLst>
+      <p:ext uri="{BB962C8B-B14F-4D97-AF65-F5344CB8AC3E}">
+        <p14:creationId xmlns:p14="http://schemas.microsoft.com/office/powerpoint/2010/main" val="2271741893"/>
+      </p:ext>
+    </p:extLst>
   </p:cSld>
   <p:clrMapOvr>
     <a:masterClrMapping/>
   </p:clrMapOvr>
-  <p:timing>
-    <p:tnLst>
-      <p:par>
-        <p:cTn id="1" dur="indefinite" restart="never" nodeType="tmRoot"/>
-      </p:par>
-    </p:tnLst>
-  </p:timing>
 </p:sld>
 </file>
 
@@ -7682,16 +8436,12 @@
               <a:t>SPIR-V </a:t>
             </a:r>
             <a:r>
-              <a:rPr lang="en-US" altLang="zh-CN" dirty="0" err="1" smtClean="0"/>
+              <a:rPr lang="en-US" altLang="zh-CN" dirty="0" err="1"/>
               <a:t>Intruction</a:t>
             </a:r>
             <a:r>
-              <a:rPr lang="en-US" altLang="zh-CN" dirty="0" smtClean="0"/>
-              <a:t> Physical </a:t>
-            </a:r>
-            <a:r>
               <a:rPr lang="en-US" altLang="zh-CN" dirty="0"/>
-              <a:t>Layout</a:t>
+              <a:t> Physical Layout</a:t>
             </a:r>
             <a:endParaRPr lang="zh-CN" altLang="en-US" dirty="0"/>
           </a:p>
@@ -7713,13 +8463,13 @@
           <a:lstStyle/>
           <a:p>
             <a:r>
-              <a:rPr lang="en-US" altLang="zh-CN" dirty="0" smtClean="0"/>
+              <a:rPr lang="en-US" altLang="zh-CN" dirty="0"/>
               <a:t>Header  (First 5 Slot)</a:t>
             </a:r>
           </a:p>
           <a:p>
             <a:r>
-              <a:rPr lang="en-US" altLang="zh-CN" dirty="0" smtClean="0"/>
+              <a:rPr lang="en-US" altLang="zh-CN" dirty="0"/>
               <a:t>Instruction Stream  (linear)</a:t>
             </a:r>
           </a:p>
@@ -8132,24 +8882,17 @@
                 <a:latin typeface="微软雅黑" panose="020B0503020204020204" pitchFamily="34" charset="-122"/>
                 <a:ea typeface="微软雅黑" panose="020B0503020204020204" pitchFamily="34" charset="-122"/>
               </a:rPr>
-              <a:t>Simple </a:t>
-            </a:r>
-            <a:r>
-              <a:rPr lang="en-US" altLang="zh-CN" dirty="0" smtClean="0">
+              <a:t>Simple example (</a:t>
+            </a:r>
+            <a:r>
+              <a:rPr lang="en-US" altLang="zh-CN" dirty="0" err="1">
                 <a:latin typeface="微软雅黑" panose="020B0503020204020204" pitchFamily="34" charset="-122"/>
                 <a:ea typeface="微软雅黑" panose="020B0503020204020204" pitchFamily="34" charset="-122"/>
               </a:rPr>
-              <a:t>example (</a:t>
-            </a:r>
-            <a:r>
-              <a:rPr lang="en-US" altLang="zh-CN" dirty="0" err="1" smtClean="0">
-                <a:latin typeface="微软雅黑" panose="020B0503020204020204" pitchFamily="34" charset="-122"/>
-                <a:ea typeface="微软雅黑" panose="020B0503020204020204" pitchFamily="34" charset="-122"/>
-              </a:rPr>
               <a:t>glsl</a:t>
             </a:r>
             <a:r>
-              <a:rPr lang="en-US" altLang="zh-CN" dirty="0" smtClean="0">
+              <a:rPr lang="en-US" altLang="zh-CN" dirty="0">
                 <a:latin typeface="微软雅黑" panose="020B0503020204020204" pitchFamily="34" charset="-122"/>
                 <a:ea typeface="微软雅黑" panose="020B0503020204020204" pitchFamily="34" charset="-122"/>
               </a:rPr>
@@ -8181,18 +8924,11 @@
               <a:buNone/>
             </a:pPr>
             <a:r>
-              <a:rPr lang="en-US" altLang="zh-CN" b="0" dirty="0" smtClean="0">
+              <a:rPr lang="en-US" altLang="zh-CN" b="0" dirty="0">
                 <a:latin typeface="Consolas" panose="020B0609020204030204" pitchFamily="49" charset="0"/>
                 <a:ea typeface="微软雅黑 Light" panose="020B0502040204020203" pitchFamily="34" charset="-122"/>
               </a:rPr>
-              <a:t>#</a:t>
-            </a:r>
-            <a:r>
-              <a:rPr lang="en-US" altLang="zh-CN" b="0" dirty="0">
-                <a:latin typeface="Consolas" panose="020B0609020204030204" pitchFamily="49" charset="0"/>
-                <a:ea typeface="微软雅黑 Light" panose="020B0502040204020203" pitchFamily="34" charset="-122"/>
-              </a:rPr>
-              <a:t>version 450</a:t>
+              <a:t>#version 450</a:t>
             </a:r>
           </a:p>
           <a:p>
@@ -8300,7 +9036,7 @@
             <a:pPr marL="0" indent="0">
               <a:buNone/>
             </a:pPr>
-            <a:endParaRPr lang="en-US" altLang="zh-CN" b="0" dirty="0" smtClean="0"/>
+            <a:endParaRPr lang="en-US" altLang="zh-CN" b="0" dirty="0"/>
           </a:p>
           <a:p>
             <a:pPr marL="0" indent="0">
@@ -8350,13 +9086,6 @@
   <p:clrMapOvr>
     <a:masterClrMapping/>
   </p:clrMapOvr>
-  <p:timing>
-    <p:tnLst>
-      <p:par>
-        <p:cTn id="1" dur="indefinite" restart="never" nodeType="tmRoot"/>
-      </p:par>
-    </p:tnLst>
-  </p:timing>
 </p:sld>
 </file>
 
@@ -8397,24 +9126,17 @@
                 <a:latin typeface="微软雅黑" panose="020B0503020204020204" pitchFamily="34" charset="-122"/>
                 <a:ea typeface="微软雅黑" panose="020B0503020204020204" pitchFamily="34" charset="-122"/>
               </a:rPr>
-              <a:t>Simple </a:t>
-            </a:r>
-            <a:r>
-              <a:rPr lang="en-US" altLang="zh-CN" dirty="0" smtClean="0">
+              <a:t>Simple example (</a:t>
+            </a:r>
+            <a:r>
+              <a:rPr lang="en-US" altLang="zh-CN" dirty="0" err="1">
                 <a:latin typeface="微软雅黑" panose="020B0503020204020204" pitchFamily="34" charset="-122"/>
                 <a:ea typeface="微软雅黑" panose="020B0503020204020204" pitchFamily="34" charset="-122"/>
               </a:rPr>
-              <a:t>example (</a:t>
-            </a:r>
-            <a:r>
-              <a:rPr lang="en-US" altLang="zh-CN" dirty="0" err="1" smtClean="0">
-                <a:latin typeface="微软雅黑" panose="020B0503020204020204" pitchFamily="34" charset="-122"/>
-                <a:ea typeface="微软雅黑" panose="020B0503020204020204" pitchFamily="34" charset="-122"/>
-              </a:rPr>
               <a:t>spirv</a:t>
             </a:r>
             <a:r>
-              <a:rPr lang="en-US" altLang="zh-CN" dirty="0" smtClean="0">
+              <a:rPr lang="en-US" altLang="zh-CN" dirty="0">
                 <a:latin typeface="微软雅黑" panose="020B0503020204020204" pitchFamily="34" charset="-122"/>
                 <a:ea typeface="微软雅黑" panose="020B0503020204020204" pitchFamily="34" charset="-122"/>
               </a:rPr>
@@ -8487,13 +9209,6 @@
   <p:clrMapOvr>
     <a:masterClrMapping/>
   </p:clrMapOvr>
-  <p:timing>
-    <p:tnLst>
-      <p:par>
-        <p:cTn id="1" dur="indefinite" restart="never" nodeType="tmRoot"/>
-      </p:par>
-    </p:tnLst>
-  </p:timing>
 </p:sld>
 </file>
 
@@ -8534,38 +9249,31 @@
                 <a:latin typeface="微软雅黑" panose="020B0503020204020204" pitchFamily="34" charset="-122"/>
                 <a:ea typeface="微软雅黑" panose="020B0503020204020204" pitchFamily="34" charset="-122"/>
               </a:rPr>
-              <a:t>Simple </a:t>
-            </a:r>
-            <a:r>
-              <a:rPr lang="en-US" altLang="zh-CN" dirty="0" smtClean="0">
+              <a:t>Simple example (</a:t>
+            </a:r>
+            <a:r>
+              <a:rPr lang="en-US" altLang="zh-CN" dirty="0" err="1">
                 <a:latin typeface="微软雅黑" panose="020B0503020204020204" pitchFamily="34" charset="-122"/>
                 <a:ea typeface="微软雅黑" panose="020B0503020204020204" pitchFamily="34" charset="-122"/>
               </a:rPr>
-              <a:t>example (</a:t>
-            </a:r>
-            <a:r>
-              <a:rPr lang="en-US" altLang="zh-CN" dirty="0" err="1" smtClean="0">
+              <a:t>spirv</a:t>
+            </a:r>
+            <a:r>
+              <a:rPr lang="en-US" altLang="zh-CN" dirty="0">
                 <a:latin typeface="微软雅黑" panose="020B0503020204020204" pitchFamily="34" charset="-122"/>
                 <a:ea typeface="微软雅黑" panose="020B0503020204020204" pitchFamily="34" charset="-122"/>
               </a:rPr>
-              <a:t>spirv</a:t>
-            </a:r>
-            <a:r>
-              <a:rPr lang="en-US" altLang="zh-CN" dirty="0" smtClean="0">
+              <a:t> </a:t>
+            </a:r>
+            <a:r>
+              <a:rPr lang="en-US" altLang="zh-CN" dirty="0" err="1">
                 <a:latin typeface="微软雅黑" panose="020B0503020204020204" pitchFamily="34" charset="-122"/>
                 <a:ea typeface="微软雅黑" panose="020B0503020204020204" pitchFamily="34" charset="-122"/>
               </a:rPr>
-              <a:t> </a:t>
-            </a:r>
-            <a:r>
-              <a:rPr lang="en-US" altLang="zh-CN" dirty="0" err="1" smtClean="0">
-                <a:latin typeface="微软雅黑" panose="020B0503020204020204" pitchFamily="34" charset="-122"/>
-                <a:ea typeface="微软雅黑" panose="020B0503020204020204" pitchFamily="34" charset="-122"/>
-              </a:rPr>
               <a:t>asm</a:t>
             </a:r>
             <a:r>
-              <a:rPr lang="en-US" altLang="zh-CN" dirty="0" smtClean="0">
+              <a:rPr lang="en-US" altLang="zh-CN" dirty="0">
                 <a:latin typeface="微软雅黑" panose="020B0503020204020204" pitchFamily="34" charset="-122"/>
                 <a:ea typeface="微软雅黑" panose="020B0503020204020204" pitchFamily="34" charset="-122"/>
               </a:rPr>
@@ -9610,17 +10318,13 @@
               <a:buNone/>
             </a:pPr>
             <a:r>
-              <a:rPr lang="en-US" altLang="zh-CN" sz="1100" dirty="0" smtClean="0"/>
+              <a:rPr lang="en-US" altLang="zh-CN" sz="1100" dirty="0"/>
               <a:t> </a:t>
-            </a:r>
-            <a:r>
-              <a:rPr lang="en-US" altLang="zh-CN" sz="1100" dirty="0"/>
-              <a:t/>
             </a:r>
             <a:br>
               <a:rPr lang="en-US" altLang="zh-CN" sz="1100" dirty="0"/>
             </a:br>
-            <a:endParaRPr lang="en-US" altLang="zh-CN" sz="1100" b="0" dirty="0" smtClean="0"/>
+            <a:endParaRPr lang="en-US" altLang="zh-CN" sz="1100" b="0" dirty="0"/>
           </a:p>
         </p:txBody>
       </p:sp>
@@ -9789,7 +10493,7 @@
               <a:t> </a:t>
             </a:r>
             <a:r>
-              <a:rPr lang="en-US" altLang="zh-CN" sz="1100" dirty="0" err="1" smtClean="0">
+              <a:rPr lang="en-US" altLang="zh-CN" sz="1100" dirty="0" err="1">
                 <a:solidFill>
                   <a:schemeClr val="bg2">
                     <a:lumMod val="25000"/>
@@ -9800,49 +10504,6 @@
                 <a:cs typeface="Times New Roman" pitchFamily="18" charset="0"/>
               </a:rPr>
               <a:t>out_color</a:t>
-            </a:r>
-            <a:r>
-              <a:rPr lang="en-US" altLang="zh-CN" sz="1100" dirty="0" smtClean="0">
-                <a:solidFill>
-                  <a:schemeClr val="bg2">
-                    <a:lumMod val="25000"/>
-                  </a:schemeClr>
-                </a:solidFill>
-                <a:latin typeface="Consolas" panose="020B0609020204030204" pitchFamily="49" charset="0"/>
-                <a:ea typeface="微软雅黑 Light" panose="020B0502040204020203" pitchFamily="34" charset="-122"/>
-                <a:cs typeface="Times New Roman" pitchFamily="18" charset="0"/>
-              </a:rPr>
-              <a:t> = vec4(</a:t>
-            </a:r>
-            <a:r>
-              <a:rPr lang="en-US" altLang="zh-CN" sz="1100" dirty="0" smtClean="0">
-                <a:solidFill>
-                  <a:srgbClr val="FF0000"/>
-                </a:solidFill>
-                <a:latin typeface="Consolas" panose="020B0609020204030204" pitchFamily="49" charset="0"/>
-                <a:ea typeface="微软雅黑 Light" panose="020B0502040204020203" pitchFamily="34" charset="-122"/>
-                <a:cs typeface="Times New Roman" pitchFamily="18" charset="0"/>
-              </a:rPr>
-              <a:t>sin(0.4)</a:t>
-            </a:r>
-            <a:r>
-              <a:rPr lang="en-US" altLang="zh-CN" sz="1100" dirty="0" smtClean="0">
-                <a:latin typeface="Consolas" panose="020B0609020204030204" pitchFamily="49" charset="0"/>
-                <a:ea typeface="微软雅黑 Light" panose="020B0502040204020203" pitchFamily="34" charset="-122"/>
-                <a:cs typeface="Times New Roman" pitchFamily="18" charset="0"/>
-              </a:rPr>
-              <a:t>,</a:t>
-            </a:r>
-            <a:r>
-              <a:rPr lang="en-US" altLang="zh-CN" sz="1100" dirty="0">
-                <a:solidFill>
-                  <a:srgbClr val="FF0000"/>
-                </a:solidFill>
-                <a:latin typeface="Consolas" panose="020B0609020204030204" pitchFamily="49" charset="0"/>
-                <a:ea typeface="微软雅黑 Light" panose="020B0502040204020203" pitchFamily="34" charset="-122"/>
-                <a:cs typeface="Times New Roman" pitchFamily="18" charset="0"/>
-              </a:rPr>
-              <a:t>0.4</a:t>
             </a:r>
             <a:r>
               <a:rPr lang="en-US" altLang="zh-CN" sz="1100" dirty="0">
@@ -9855,7 +10516,7 @@
                 <a:ea typeface="微软雅黑 Light" panose="020B0502040204020203" pitchFamily="34" charset="-122"/>
                 <a:cs typeface="Times New Roman" pitchFamily="18" charset="0"/>
               </a:rPr>
-              <a:t>,</a:t>
+              <a:t> = vec4(</a:t>
             </a:r>
             <a:r>
               <a:rPr lang="en-US" altLang="zh-CN" sz="1100" dirty="0">
@@ -9866,7 +10527,26 @@
                 <a:ea typeface="微软雅黑 Light" panose="020B0502040204020203" pitchFamily="34" charset="-122"/>
                 <a:cs typeface="Times New Roman" pitchFamily="18" charset="0"/>
               </a:rPr>
-              <a:t>0.8</a:t>
+              <a:t>sin(0.4)</a:t>
+            </a:r>
+            <a:r>
+              <a:rPr lang="en-US" altLang="zh-CN" sz="1100" dirty="0">
+                <a:latin typeface="Consolas" panose="020B0609020204030204" pitchFamily="49" charset="0"/>
+                <a:ea typeface="微软雅黑 Light" panose="020B0502040204020203" pitchFamily="34" charset="-122"/>
+                <a:cs typeface="Times New Roman" pitchFamily="18" charset="0"/>
+              </a:rPr>
+              <a:t>,</a:t>
+            </a:r>
+            <a:r>
+              <a:rPr lang="en-US" altLang="zh-CN" sz="1100" dirty="0">
+                <a:solidFill>
+                  <a:srgbClr val="FF0000"/>
+                </a:solidFill>
+                <a:latin typeface="Consolas" panose="020B0609020204030204" pitchFamily="49" charset="0"/>
+                <a:ea typeface="微软雅黑 Light" panose="020B0502040204020203" pitchFamily="34" charset="-122"/>
+                <a:cs typeface="Times New Roman" pitchFamily="18" charset="0"/>
+              </a:rPr>
+              <a:t>0.4</a:t>
             </a:r>
             <a:r>
               <a:rPr lang="en-US" altLang="zh-CN" sz="1100" dirty="0">
@@ -9890,7 +10570,7 @@
                 <a:ea typeface="微软雅黑 Light" panose="020B0502040204020203" pitchFamily="34" charset="-122"/>
                 <a:cs typeface="Times New Roman" pitchFamily="18" charset="0"/>
               </a:rPr>
-              <a:t>1.0</a:t>
+              <a:t>0.8</a:t>
             </a:r>
             <a:r>
               <a:rPr lang="en-US" altLang="zh-CN" sz="1100" dirty="0">
@@ -9903,6 +10583,30 @@
                 <a:ea typeface="微软雅黑 Light" panose="020B0502040204020203" pitchFamily="34" charset="-122"/>
                 <a:cs typeface="Times New Roman" pitchFamily="18" charset="0"/>
               </a:rPr>
+              <a:t>,</a:t>
+            </a:r>
+            <a:r>
+              <a:rPr lang="en-US" altLang="zh-CN" sz="1100" dirty="0">
+                <a:solidFill>
+                  <a:srgbClr val="FF0000"/>
+                </a:solidFill>
+                <a:latin typeface="Consolas" panose="020B0609020204030204" pitchFamily="49" charset="0"/>
+                <a:ea typeface="微软雅黑 Light" panose="020B0502040204020203" pitchFamily="34" charset="-122"/>
+                <a:cs typeface="Times New Roman" pitchFamily="18" charset="0"/>
+              </a:rPr>
+              <a:t>1.0</a:t>
+            </a:r>
+            <a:r>
+              <a:rPr lang="en-US" altLang="zh-CN" sz="1100" dirty="0">
+                <a:solidFill>
+                  <a:schemeClr val="bg2">
+                    <a:lumMod val="25000"/>
+                  </a:schemeClr>
+                </a:solidFill>
+                <a:latin typeface="Consolas" panose="020B0609020204030204" pitchFamily="49" charset="0"/>
+                <a:ea typeface="微软雅黑 Light" panose="020B0502040204020203" pitchFamily="34" charset="-122"/>
+                <a:cs typeface="Times New Roman" pitchFamily="18" charset="0"/>
+              </a:rPr>
               <a:t>);</a:t>
             </a:r>
           </a:p>
@@ -9911,7 +10615,7 @@
               <a:buNone/>
             </a:pPr>
             <a:r>
-              <a:rPr lang="en-US" altLang="zh-CN" sz="1100" dirty="0" smtClean="0">
+              <a:rPr lang="en-US" altLang="zh-CN" sz="1100" dirty="0">
                 <a:solidFill>
                   <a:schemeClr val="bg2">
                     <a:lumMod val="25000"/>
@@ -9962,7 +10666,7 @@
           <a:lstStyle/>
           <a:p>
             <a:r>
-              <a:rPr lang="en-US" altLang="zh-CN" dirty="0" smtClean="0">
+              <a:rPr lang="en-US" altLang="zh-CN" dirty="0">
                 <a:solidFill>
                   <a:schemeClr val="tx2">
                     <a:lumMod val="60000"/>
@@ -10041,13 +10745,6 @@
   <p:clrMapOvr>
     <a:masterClrMapping/>
   </p:clrMapOvr>
-  <p:timing>
-    <p:tnLst>
-      <p:par>
-        <p:cTn id="1" dur="indefinite" restart="never" nodeType="tmRoot"/>
-      </p:par>
-    </p:tnLst>
-  </p:timing>
 </p:sld>
 </file>
 
@@ -10172,13 +10869,6 @@
   <p:clrMapOvr>
     <a:masterClrMapping/>
   </p:clrMapOvr>
-  <p:timing>
-    <p:tnLst>
-      <p:par>
-        <p:cTn id="1" dur="indefinite" restart="never" nodeType="tmRoot"/>
-      </p:par>
-    </p:tnLst>
-  </p:timing>
 </p:sld>
 </file>
 
@@ -10215,7 +10905,7 @@
           <a:lstStyle/>
           <a:p>
             <a:r>
-              <a:rPr lang="en-US" altLang="zh-CN" dirty="0" smtClean="0"/>
+              <a:rPr lang="en-US" altLang="zh-CN" dirty="0"/>
               <a:t>NIR  Basic Data Structures</a:t>
             </a:r>
             <a:endParaRPr lang="zh-CN" altLang="en-US" dirty="0"/>
@@ -10287,14 +10977,14 @@
                         <a:defRPr/>
                       </a:pPr>
                       <a:r>
-                        <a:rPr lang="en-US" altLang="zh-CN" dirty="0" smtClean="0"/>
+                        <a:rPr lang="en-US" altLang="zh-CN" dirty="0"/>
                         <a:t>Data</a:t>
                       </a:r>
                       <a:r>
-                        <a:rPr lang="en-US" altLang="zh-CN" baseline="0" dirty="0" smtClean="0"/>
+                        <a:rPr lang="en-US" altLang="zh-CN" baseline="0" dirty="0"/>
                         <a:t> Structure</a:t>
                       </a:r>
-                      <a:endParaRPr lang="zh-CN" altLang="en-US" dirty="0" smtClean="0"/>
+                      <a:endParaRPr lang="zh-CN" altLang="en-US" dirty="0"/>
                     </a:p>
                   </a:txBody>
                   <a:tcPr>
@@ -10341,10 +11031,10 @@
                         <a:defRPr/>
                       </a:pPr>
                       <a:r>
-                        <a:rPr lang="en-US" altLang="zh-CN" dirty="0" smtClean="0"/>
+                        <a:rPr lang="en-US" altLang="zh-CN" dirty="0"/>
                         <a:t>Description</a:t>
                       </a:r>
-                      <a:endParaRPr lang="zh-CN" altLang="en-US" dirty="0" smtClean="0"/>
+                      <a:endParaRPr lang="zh-CN" altLang="en-US" dirty="0"/>
                     </a:p>
                   </a:txBody>
                   <a:tcPr>
@@ -10381,7 +11071,7 @@
                     <a:lstStyle/>
                     <a:p>
                       <a:r>
-                        <a:rPr lang="en-US" altLang="zh-CN" sz="1800" b="0" i="0" kern="1200" dirty="0" err="1" smtClean="0">
+                        <a:rPr lang="en-US" altLang="zh-CN" sz="1800" b="0" i="0" kern="1200" dirty="0" err="1">
                           <a:solidFill>
                             <a:schemeClr val="tx1"/>
                           </a:solidFill>
@@ -10431,7 +11121,7 @@
                     <a:lstStyle/>
                     <a:p>
                       <a:r>
-                        <a:rPr lang="en-US" altLang="zh-CN" sz="1800" b="0" i="0" kern="1200" dirty="0" smtClean="0">
+                        <a:rPr lang="en-US" altLang="zh-CN" sz="1800" b="0" i="0" kern="1200" dirty="0">
                           <a:solidFill>
                             <a:schemeClr val="tx1"/>
                           </a:solidFill>
@@ -10488,7 +11178,7 @@
                     <a:lstStyle/>
                     <a:p>
                       <a:r>
-                        <a:rPr lang="en-US" altLang="zh-CN" sz="1800" b="0" i="0" kern="1200" dirty="0" err="1" smtClean="0">
+                        <a:rPr lang="en-US" altLang="zh-CN" sz="1800" b="0" i="0" kern="1200" dirty="0" err="1">
                           <a:solidFill>
                             <a:schemeClr val="tx1"/>
                           </a:solidFill>
@@ -10538,7 +11228,7 @@
                     <a:lstStyle/>
                     <a:p>
                       <a:r>
-                        <a:rPr lang="en-US" altLang="zh-CN" sz="1800" b="0" i="0" kern="1200" dirty="0" smtClean="0">
+                        <a:rPr lang="en-US" altLang="zh-CN" sz="1800" b="0" i="0" kern="1200" dirty="0">
                           <a:solidFill>
                             <a:schemeClr val="tx1"/>
                           </a:solidFill>
@@ -10595,7 +11285,7 @@
                     <a:lstStyle/>
                     <a:p>
                       <a:r>
-                        <a:rPr lang="en-US" altLang="zh-CN" sz="1800" b="0" i="0" kern="1200" dirty="0" err="1" smtClean="0">
+                        <a:rPr lang="en-US" altLang="zh-CN" sz="1800" b="0" i="0" kern="1200" dirty="0" err="1">
                           <a:solidFill>
                             <a:schemeClr val="tx1"/>
                           </a:solidFill>
@@ -10645,7 +11335,7 @@
                     <a:lstStyle/>
                     <a:p>
                       <a:r>
-                        <a:rPr lang="en-US" altLang="zh-CN" sz="1800" b="0" i="0" kern="1200" dirty="0" smtClean="0">
+                        <a:rPr lang="en-US" altLang="zh-CN" sz="1800" b="0" i="0" kern="1200" dirty="0">
                           <a:solidFill>
                             <a:schemeClr val="tx1"/>
                           </a:solidFill>
@@ -10702,7 +11392,7 @@
                     <a:lstStyle/>
                     <a:p>
                       <a:r>
-                        <a:rPr lang="en-US" altLang="zh-CN" sz="1800" b="0" i="0" kern="1200" dirty="0" err="1" smtClean="0">
+                        <a:rPr lang="en-US" altLang="zh-CN" sz="1800" b="0" i="0" kern="1200" dirty="0" err="1">
                           <a:solidFill>
                             <a:schemeClr val="tx1"/>
                           </a:solidFill>
@@ -10743,7 +11433,7 @@
                     <a:lstStyle/>
                     <a:p>
                       <a:r>
-                        <a:rPr lang="en-US" altLang="zh-CN" sz="1800" b="0" i="0" kern="1200" dirty="0" smtClean="0">
+                        <a:rPr lang="en-US" altLang="zh-CN" sz="1800" b="0" i="0" kern="1200" dirty="0">
                           <a:solidFill>
                             <a:schemeClr val="tx1"/>
                           </a:solidFill>
@@ -10835,11 +11525,11 @@
                     <a:lstStyle/>
                     <a:p>
                       <a:r>
-                        <a:rPr lang="en-US" altLang="zh-CN" sz="1600" dirty="0" smtClean="0"/>
+                        <a:rPr lang="en-US" altLang="zh-CN" sz="1600" dirty="0"/>
                         <a:t>Data</a:t>
                       </a:r>
                       <a:r>
-                        <a:rPr lang="en-US" altLang="zh-CN" sz="1600" baseline="0" dirty="0" smtClean="0"/>
+                        <a:rPr lang="en-US" altLang="zh-CN" sz="1600" baseline="0" dirty="0"/>
                         <a:t> Structure</a:t>
                       </a:r>
                       <a:endParaRPr lang="zh-CN" altLang="en-US" sz="1600" dirty="0"/>
@@ -10853,7 +11543,7 @@
                     <a:lstStyle/>
                     <a:p>
                       <a:r>
-                        <a:rPr lang="en-US" altLang="zh-CN" sz="1600" dirty="0" smtClean="0"/>
+                        <a:rPr lang="en-US" altLang="zh-CN" sz="1600" dirty="0"/>
                         <a:t>Description</a:t>
                       </a:r>
                       <a:endParaRPr lang="zh-CN" altLang="en-US" sz="1600" dirty="0"/>
@@ -10874,7 +11564,7 @@
                     <a:lstStyle/>
                     <a:p>
                       <a:r>
-                        <a:rPr lang="en-US" altLang="zh-CN" sz="1600" kern="1200" dirty="0" err="1" smtClean="0">
+                        <a:rPr lang="en-US" altLang="zh-CN" sz="1600" kern="1200" dirty="0" err="1">
                           <a:effectLst/>
                         </a:rPr>
                         <a:t>nir_variable</a:t>
@@ -10890,7 +11580,7 @@
                     <a:lstStyle/>
                     <a:p>
                       <a:r>
-                        <a:rPr lang="en-US" altLang="zh-CN" sz="1600" b="0" i="0" kern="1200" dirty="0" smtClean="0">
+                        <a:rPr lang="en-US" altLang="zh-CN" sz="1600" b="0" i="0" kern="1200" dirty="0">
                           <a:solidFill>
                             <a:schemeClr val="tx1"/>
                           </a:solidFill>
@@ -10919,7 +11609,7 @@
                     <a:lstStyle/>
                     <a:p>
                       <a:r>
-                        <a:rPr lang="en-US" altLang="zh-CN" sz="1600" kern="1200" dirty="0" err="1" smtClean="0">
+                        <a:rPr lang="en-US" altLang="zh-CN" sz="1600" kern="1200" dirty="0" err="1">
                           <a:effectLst/>
                         </a:rPr>
                         <a:t>nir_deref</a:t>
@@ -10935,7 +11625,7 @@
                     <a:lstStyle/>
                     <a:p>
                       <a:r>
-                        <a:rPr lang="en-US" altLang="zh-CN" sz="1600" b="0" i="0" kern="1200" dirty="0" smtClean="0">
+                        <a:rPr lang="en-US" altLang="zh-CN" sz="1600" b="0" i="0" kern="1200" dirty="0">
                           <a:solidFill>
                             <a:schemeClr val="tx1"/>
                           </a:solidFill>
@@ -10964,7 +11654,7 @@
                     <a:lstStyle/>
                     <a:p>
                       <a:r>
-                        <a:rPr lang="en-US" altLang="zh-CN" sz="1600" kern="1200" dirty="0" err="1" smtClean="0">
+                        <a:rPr lang="en-US" altLang="zh-CN" sz="1600" kern="1200" dirty="0" err="1">
                           <a:effectLst/>
                         </a:rPr>
                         <a:t>nir_register</a:t>
@@ -10980,7 +11670,7 @@
                     <a:lstStyle/>
                     <a:p>
                       <a:r>
-                        <a:rPr lang="en-US" altLang="zh-CN" sz="1600" b="0" i="0" kern="1200" dirty="0" smtClean="0">
+                        <a:rPr lang="en-US" altLang="zh-CN" sz="1600" b="0" i="0" kern="1200" dirty="0">
                           <a:solidFill>
                             <a:schemeClr val="tx1"/>
                           </a:solidFill>
@@ -11009,7 +11699,7 @@
                     <a:lstStyle/>
                     <a:p>
                       <a:r>
-                        <a:rPr lang="en-US" altLang="zh-CN" sz="1600" kern="1200" dirty="0" err="1" smtClean="0">
+                        <a:rPr lang="en-US" altLang="zh-CN" sz="1600" kern="1200" dirty="0" err="1">
                           <a:effectLst/>
                         </a:rPr>
                         <a:t>nir_ssa_def</a:t>
@@ -11025,7 +11715,7 @@
                     <a:lstStyle/>
                     <a:p>
                       <a:r>
-                        <a:rPr lang="en-US" altLang="zh-CN" sz="1600" b="0" i="0" kern="1200" dirty="0" smtClean="0">
+                        <a:rPr lang="en-US" altLang="zh-CN" sz="1600" b="0" i="0" kern="1200" dirty="0">
                           <a:solidFill>
                             <a:schemeClr val="tx1"/>
                           </a:solidFill>
@@ -11054,7 +11744,7 @@
                     <a:lstStyle/>
                     <a:p>
                       <a:r>
-                        <a:rPr lang="en-US" altLang="zh-CN" sz="1600" kern="1200" dirty="0" err="1" smtClean="0">
+                        <a:rPr lang="en-US" altLang="zh-CN" sz="1600" kern="1200" dirty="0" err="1">
                           <a:effectLst/>
                         </a:rPr>
                         <a:t>nir_src</a:t>
@@ -11070,7 +11760,7 @@
                     <a:lstStyle/>
                     <a:p>
                       <a:r>
-                        <a:rPr lang="en-US" altLang="zh-CN" sz="1600" b="0" i="0" kern="1200" dirty="0" smtClean="0">
+                        <a:rPr lang="en-US" altLang="zh-CN" sz="1600" b="0" i="0" kern="1200" dirty="0">
                           <a:solidFill>
                             <a:schemeClr val="tx1"/>
                           </a:solidFill>
@@ -11082,7 +11772,7 @@
                         <a:t>An instruction</a:t>
                       </a:r>
                       <a:r>
-                        <a:rPr lang="en-US" altLang="zh-CN" sz="1600" b="0" i="0" kern="1200" baseline="0" dirty="0" smtClean="0">
+                        <a:rPr lang="en-US" altLang="zh-CN" sz="1600" b="0" i="0" kern="1200" baseline="0" dirty="0">
                           <a:solidFill>
                             <a:schemeClr val="tx1"/>
                           </a:solidFill>
@@ -11094,7 +11784,7 @@
                         <a:t> </a:t>
                       </a:r>
                       <a:r>
-                        <a:rPr lang="en-US" altLang="zh-CN" sz="1600" b="0" i="0" kern="1200" dirty="0" smtClean="0">
+                        <a:rPr lang="en-US" altLang="zh-CN" sz="1600" b="0" i="0" kern="1200" dirty="0">
                           <a:solidFill>
                             <a:schemeClr val="tx1"/>
                           </a:solidFill>
@@ -11123,7 +11813,7 @@
                     <a:lstStyle/>
                     <a:p>
                       <a:r>
-                        <a:rPr lang="en-US" altLang="zh-CN" sz="1600" kern="1200" dirty="0" err="1" smtClean="0">
+                        <a:rPr lang="en-US" altLang="zh-CN" sz="1600" kern="1200" dirty="0" err="1">
                           <a:effectLst/>
                         </a:rPr>
                         <a:t>nir_dest</a:t>
@@ -11139,7 +11829,7 @@
                     <a:lstStyle/>
                     <a:p>
                       <a:r>
-                        <a:rPr lang="en-US" altLang="zh-CN" sz="1600" b="0" i="0" kern="1200" dirty="0" smtClean="0">
+                        <a:rPr lang="en-US" altLang="zh-CN" sz="1600" b="0" i="0" kern="1200" dirty="0">
                           <a:solidFill>
                             <a:schemeClr val="tx1"/>
                           </a:solidFill>
@@ -11168,7 +11858,7 @@
                     <a:lstStyle/>
                     <a:p>
                       <a:r>
-                        <a:rPr lang="en-US" altLang="zh-CN" sz="1600" kern="1200" dirty="0" err="1" smtClean="0">
+                        <a:rPr lang="en-US" altLang="zh-CN" sz="1600" kern="1200" dirty="0" err="1">
                           <a:effectLst/>
                         </a:rPr>
                         <a:t>nir_instr</a:t>
@@ -11184,7 +11874,7 @@
                     <a:lstStyle/>
                     <a:p>
                       <a:r>
-                        <a:rPr lang="en-US" altLang="zh-CN" sz="1600" b="0" i="0" kern="1200" dirty="0" smtClean="0">
+                        <a:rPr lang="en-US" altLang="zh-CN" sz="1600" b="0" i="0" kern="1200" dirty="0">
                           <a:solidFill>
                             <a:schemeClr val="tx1"/>
                           </a:solidFill>
@@ -11213,7 +11903,7 @@
                     <a:lstStyle/>
                     <a:p>
                       <a:r>
-                        <a:rPr lang="en-US" altLang="zh-CN" sz="1600" b="1" kern="1200" dirty="0" err="1" smtClean="0">
+                        <a:rPr lang="en-US" altLang="zh-CN" sz="1600" b="1" kern="1200" dirty="0" err="1">
                           <a:solidFill>
                             <a:srgbClr val="FF0000"/>
                           </a:solidFill>
@@ -11236,7 +11926,7 @@
                     <a:lstStyle/>
                     <a:p>
                       <a:r>
-                        <a:rPr lang="en-US" altLang="zh-CN" sz="1600" dirty="0" smtClean="0"/>
+                        <a:rPr lang="en-US" altLang="zh-CN" sz="1600" dirty="0"/>
                         <a:t>A node in the control flow graph.</a:t>
                       </a:r>
                       <a:endParaRPr lang="zh-CN" altLang="en-US" sz="1600" dirty="0"/>
@@ -11257,7 +11947,7 @@
                     <a:lstStyle/>
                     <a:p>
                       <a:r>
-                        <a:rPr lang="en-US" altLang="zh-CN" sz="1600" kern="1200" dirty="0" err="1" smtClean="0">
+                        <a:rPr lang="en-US" altLang="zh-CN" sz="1600" kern="1200" dirty="0" err="1">
                           <a:effectLst/>
                         </a:rPr>
                         <a:t>nir_shader</a:t>
@@ -11273,15 +11963,15 @@
                     <a:lstStyle/>
                     <a:p>
                       <a:r>
-                        <a:rPr lang="en-US" altLang="zh-CN" sz="1600" dirty="0" smtClean="0"/>
+                        <a:rPr lang="en-US" altLang="zh-CN" sz="1600" dirty="0"/>
                         <a:t>A </a:t>
                       </a:r>
                       <a:r>
-                        <a:rPr lang="en-US" altLang="zh-CN" sz="1600" dirty="0" err="1" smtClean="0"/>
+                        <a:rPr lang="en-US" altLang="zh-CN" sz="1600" dirty="0" err="1"/>
                         <a:t>shader</a:t>
                       </a:r>
                       <a:r>
-                        <a:rPr lang="en-US" altLang="zh-CN" sz="1600" dirty="0" smtClean="0"/>
+                        <a:rPr lang="en-US" altLang="zh-CN" sz="1600" dirty="0"/>
                         <a:t>. </a:t>
                       </a:r>
                       <a:endParaRPr lang="zh-CN" altLang="en-US" sz="1600" dirty="0"/>
@@ -11769,11 +12459,7 @@
             </a:r>
             <a:r>
               <a:rPr lang="en-US" altLang="zh-CN" dirty="0"/>
-              <a:t> *options</a:t>
-            </a:r>
-            <a:r>
-              <a:rPr lang="en-US" altLang="zh-CN" dirty="0" smtClean="0"/>
-              <a:t>);</a:t>
+              <a:t> *options);</a:t>
             </a:r>
           </a:p>
           <a:p>
@@ -11800,13 +12486,6 @@
   <p:clrMapOvr>
     <a:masterClrMapping/>
   </p:clrMapOvr>
-  <p:timing>
-    <p:tnLst>
-      <p:par>
-        <p:cTn id="1" dur="indefinite" restart="never" nodeType="tmRoot"/>
-      </p:par>
-    </p:tnLst>
-  </p:timing>
 </p:sld>
 </file>
 
@@ -11843,23 +12522,15 @@
           <a:lstStyle/>
           <a:p>
             <a:r>
-              <a:rPr lang="en-US" altLang="zh-CN" dirty="0" smtClean="0"/>
-              <a:t>Entry Point</a:t>
-            </a:r>
-            <a:r>
               <a:rPr lang="en-US" altLang="zh-CN" dirty="0"/>
-              <a:t> </a:t>
-            </a:r>
-            <a:r>
-              <a:rPr lang="en-US" altLang="zh-CN" dirty="0" smtClean="0"/>
-              <a:t>: </a:t>
-            </a:r>
-            <a:r>
-              <a:rPr lang="en-US" altLang="zh-CN" dirty="0" err="1" smtClean="0"/>
+              <a:t>Entry Point : </a:t>
+            </a:r>
+            <a:r>
+              <a:rPr lang="en-US" altLang="zh-CN" dirty="0" err="1"/>
               <a:t>SpirvCompile</a:t>
             </a:r>
             <a:r>
-              <a:rPr lang="en-US" altLang="zh-CN" dirty="0" smtClean="0"/>
+              <a:rPr lang="en-US" altLang="zh-CN" dirty="0"/>
               <a:t>()</a:t>
             </a:r>
             <a:endParaRPr lang="zh-CN" altLang="en-US" dirty="0"/>
@@ -11882,27 +12553,26 @@
           <a:lstStyle/>
           <a:p>
             <a:r>
-              <a:rPr lang="en-US" altLang="zh-CN" dirty="0" smtClean="0"/>
+              <a:rPr lang="en-US" altLang="zh-CN" dirty="0"/>
               <a:t>void * </a:t>
             </a:r>
             <a:r>
-              <a:rPr lang="en-US" altLang="zh-CN" dirty="0" err="1" smtClean="0"/>
+              <a:rPr lang="en-US" altLang="zh-CN" dirty="0" err="1"/>
               <a:t>SpirvCompile</a:t>
             </a:r>
             <a:r>
-              <a:rPr lang="en-US" altLang="zh-CN" dirty="0" smtClean="0"/>
+              <a:rPr lang="en-US" altLang="zh-CN" dirty="0"/>
               <a:t>();</a:t>
             </a:r>
+          </a:p>
+          <a:p>
+            <a:r>
+              <a:rPr lang="zh-CN" altLang="en-US" dirty="0"/>
+              <a:t>参数</a:t>
+            </a:r>
             <a:endParaRPr lang="en-US" altLang="zh-CN" dirty="0"/>
           </a:p>
           <a:p>
-            <a:r>
-              <a:rPr lang="zh-CN" altLang="en-US" dirty="0" smtClean="0"/>
-              <a:t>参数</a:t>
-            </a:r>
-            <a:endParaRPr lang="en-US" altLang="zh-CN" dirty="0" smtClean="0"/>
-          </a:p>
-          <a:p>
             <a:pPr marL="0" indent="0">
               <a:buNone/>
             </a:pPr>
@@ -11918,13 +12588,13 @@
             <a:pPr marL="0" indent="0">
               <a:buNone/>
             </a:pPr>
-            <a:endParaRPr lang="en-US" altLang="zh-CN" dirty="0" smtClean="0"/>
+            <a:endParaRPr lang="en-US" altLang="zh-CN" dirty="0"/>
           </a:p>
           <a:p>
             <a:pPr marL="0" indent="0">
               <a:buNone/>
             </a:pPr>
-            <a:endParaRPr lang="en-US" altLang="zh-CN" dirty="0" smtClean="0"/>
+            <a:endParaRPr lang="en-US" altLang="zh-CN" dirty="0"/>
           </a:p>
         </p:txBody>
       </p:sp>
@@ -11934,9 +12604,7 @@
           <p:cNvGraphicFramePr>
             <a:graphicFrameLocks noGrp="1"/>
           </p:cNvGraphicFramePr>
-          <p:nvPr>
-            <p:extLst/>
-          </p:nvPr>
+          <p:nvPr/>
         </p:nvGraphicFramePr>
         <p:xfrm>
           <a:off x="1403648" y="1988840"/>
@@ -11971,7 +12639,7 @@
                     <a:lstStyle/>
                     <a:p>
                       <a:r>
-                        <a:rPr lang="en-US" altLang="zh-CN" dirty="0" err="1" smtClean="0"/>
+                        <a:rPr lang="en-US" altLang="zh-CN" dirty="0" err="1"/>
                         <a:t>Num</a:t>
                       </a:r>
                       <a:endParaRPr lang="zh-CN" altLang="en-US" dirty="0">
@@ -11988,7 +12656,7 @@
                     <a:lstStyle/>
                     <a:p>
                       <a:r>
-                        <a:rPr lang="en-US" altLang="zh-CN" dirty="0" smtClean="0">
+                        <a:rPr lang="en-US" altLang="zh-CN" dirty="0">
                           <a:latin typeface="+mn-lt"/>
                           <a:cs typeface="+mn-cs"/>
                         </a:rPr>
@@ -12015,7 +12683,7 @@
                     <a:lstStyle/>
                     <a:p>
                       <a:r>
-                        <a:rPr lang="en-US" altLang="zh-CN" dirty="0" smtClean="0"/>
+                        <a:rPr lang="en-US" altLang="zh-CN" dirty="0"/>
                         <a:t>1</a:t>
                       </a:r>
                       <a:endParaRPr lang="zh-CN" altLang="en-US" dirty="0">
@@ -12049,14 +12717,14 @@
                         <a:defRPr/>
                       </a:pPr>
                       <a:r>
-                        <a:rPr lang="en-US" altLang="zh-CN" dirty="0" err="1" smtClean="0"/>
+                        <a:rPr lang="en-US" altLang="zh-CN" dirty="0" err="1"/>
                         <a:t>const</a:t>
                       </a:r>
                       <a:r>
-                        <a:rPr lang="en-US" altLang="zh-CN" dirty="0" smtClean="0"/>
+                        <a:rPr lang="en-US" altLang="zh-CN" dirty="0"/>
                         <a:t> uint32_t *words</a:t>
                       </a:r>
-                      <a:endParaRPr lang="en-US" altLang="zh-CN" dirty="0" smtClean="0">
+                      <a:endParaRPr lang="en-US" altLang="zh-CN" dirty="0">
                         <a:latin typeface="Times New Roman" panose="02020603050405020304" pitchFamily="18" charset="0"/>
                         <a:cs typeface="Times New Roman" panose="02020603050405020304" pitchFamily="18" charset="0"/>
                       </a:endParaRPr>
@@ -12077,7 +12745,7 @@
                     <a:lstStyle/>
                     <a:p>
                       <a:r>
-                        <a:rPr lang="en-US" altLang="zh-CN" dirty="0" smtClean="0"/>
+                        <a:rPr lang="en-US" altLang="zh-CN" dirty="0"/>
                         <a:t>2</a:t>
                       </a:r>
                       <a:endParaRPr lang="zh-CN" altLang="en-US" dirty="0">
@@ -12111,18 +12779,18 @@
                         <a:defRPr/>
                       </a:pPr>
                       <a:r>
-                        <a:rPr lang="en-US" altLang="zh-CN" dirty="0" err="1" smtClean="0"/>
+                        <a:rPr lang="en-US" altLang="zh-CN" dirty="0" err="1"/>
                         <a:t>size_t</a:t>
                       </a:r>
                       <a:r>
-                        <a:rPr lang="en-US" altLang="zh-CN" dirty="0" smtClean="0"/>
+                        <a:rPr lang="en-US" altLang="zh-CN" dirty="0"/>
                         <a:t> </a:t>
                       </a:r>
                       <a:r>
-                        <a:rPr lang="en-US" altLang="zh-CN" dirty="0" err="1" smtClean="0"/>
+                        <a:rPr lang="en-US" altLang="zh-CN" dirty="0" err="1"/>
                         <a:t>word_count</a:t>
                       </a:r>
-                      <a:endParaRPr lang="en-US" altLang="zh-CN" dirty="0" smtClean="0">
+                      <a:endParaRPr lang="en-US" altLang="zh-CN" dirty="0">
                         <a:latin typeface="Times New Roman" panose="02020603050405020304" pitchFamily="18" charset="0"/>
                         <a:cs typeface="Times New Roman" panose="02020603050405020304" pitchFamily="18" charset="0"/>
                       </a:endParaRPr>
@@ -12143,7 +12811,7 @@
                     <a:lstStyle/>
                     <a:p>
                       <a:r>
-                        <a:rPr lang="en-US" altLang="zh-CN" dirty="0" smtClean="0"/>
+                        <a:rPr lang="en-US" altLang="zh-CN" dirty="0"/>
                         <a:t>3</a:t>
                       </a:r>
                       <a:endParaRPr lang="zh-CN" altLang="en-US" dirty="0">
@@ -12177,22 +12845,22 @@
                         <a:defRPr/>
                       </a:pPr>
                       <a:r>
-                        <a:rPr lang="en-US" altLang="zh-CN" dirty="0" err="1" smtClean="0"/>
+                        <a:rPr lang="en-US" altLang="zh-CN" dirty="0" err="1"/>
                         <a:t>struct</a:t>
                       </a:r>
                       <a:r>
-                        <a:rPr lang="en-US" altLang="zh-CN" dirty="0" smtClean="0"/>
+                        <a:rPr lang="en-US" altLang="zh-CN" dirty="0"/>
                         <a:t> </a:t>
                       </a:r>
                       <a:r>
-                        <a:rPr lang="en-US" altLang="zh-CN" dirty="0" err="1" smtClean="0"/>
+                        <a:rPr lang="en-US" altLang="zh-CN" dirty="0" err="1"/>
                         <a:t>nir_spirv_specialization_id</a:t>
                       </a:r>
                       <a:r>
-                        <a:rPr lang="en-US" altLang="zh-CN" dirty="0" smtClean="0"/>
+                        <a:rPr lang="en-US" altLang="zh-CN" dirty="0"/>
                         <a:t> *specializations</a:t>
                       </a:r>
-                      <a:endParaRPr lang="en-US" altLang="zh-CN" dirty="0" smtClean="0">
+                      <a:endParaRPr lang="en-US" altLang="zh-CN" dirty="0">
                         <a:latin typeface="Times New Roman" panose="02020603050405020304" pitchFamily="18" charset="0"/>
                         <a:cs typeface="Times New Roman" panose="02020603050405020304" pitchFamily="18" charset="0"/>
                       </a:endParaRPr>
@@ -12213,7 +12881,7 @@
                     <a:lstStyle/>
                     <a:p>
                       <a:r>
-                        <a:rPr lang="en-US" altLang="zh-CN" dirty="0" smtClean="0"/>
+                        <a:rPr lang="en-US" altLang="zh-CN" dirty="0"/>
                         <a:t>4</a:t>
                       </a:r>
                       <a:endParaRPr lang="zh-CN" altLang="en-US" dirty="0">
@@ -12247,14 +12915,14 @@
                         <a:defRPr/>
                       </a:pPr>
                       <a:r>
-                        <a:rPr lang="en-US" altLang="zh-CN" dirty="0" smtClean="0"/>
+                        <a:rPr lang="en-US" altLang="zh-CN" dirty="0"/>
                         <a:t>unsigned </a:t>
                       </a:r>
                       <a:r>
-                        <a:rPr lang="en-US" altLang="zh-CN" dirty="0" err="1" smtClean="0"/>
+                        <a:rPr lang="en-US" altLang="zh-CN" dirty="0" err="1"/>
                         <a:t>num_specializations</a:t>
                       </a:r>
-                      <a:endParaRPr lang="en-US" altLang="zh-CN" dirty="0" smtClean="0">
+                      <a:endParaRPr lang="en-US" altLang="zh-CN" dirty="0">
                         <a:latin typeface="Times New Roman" panose="02020603050405020304" pitchFamily="18" charset="0"/>
                         <a:cs typeface="Times New Roman" panose="02020603050405020304" pitchFamily="18" charset="0"/>
                       </a:endParaRPr>
@@ -12275,7 +12943,7 @@
                     <a:lstStyle/>
                     <a:p>
                       <a:r>
-                        <a:rPr lang="en-US" altLang="zh-CN" dirty="0" smtClean="0"/>
+                        <a:rPr lang="en-US" altLang="zh-CN" dirty="0"/>
                         <a:t>5</a:t>
                       </a:r>
                       <a:endParaRPr lang="zh-CN" altLang="en-US" dirty="0">
@@ -12309,26 +12977,26 @@
                         <a:defRPr/>
                       </a:pPr>
                       <a:r>
-                        <a:rPr lang="en-US" altLang="zh-CN" dirty="0" err="1" smtClean="0"/>
+                        <a:rPr lang="en-US" altLang="zh-CN" dirty="0" err="1"/>
                         <a:t>struct</a:t>
                       </a:r>
                       <a:r>
-                        <a:rPr lang="en-US" altLang="zh-CN" dirty="0" smtClean="0"/>
+                        <a:rPr lang="en-US" altLang="zh-CN" dirty="0"/>
                         <a:t> </a:t>
                       </a:r>
                       <a:r>
-                        <a:rPr lang="en-US" altLang="zh-CN" dirty="0" err="1" smtClean="0"/>
+                        <a:rPr lang="en-US" altLang="zh-CN" dirty="0" err="1"/>
                         <a:t>nir_shader_info</a:t>
                       </a:r>
                       <a:r>
-                        <a:rPr lang="en-US" altLang="zh-CN" dirty="0" smtClean="0"/>
+                        <a:rPr lang="en-US" altLang="zh-CN" dirty="0"/>
                         <a:t> *</a:t>
                       </a:r>
                       <a:r>
-                        <a:rPr lang="en-US" altLang="zh-CN" dirty="0" err="1" smtClean="0"/>
+                        <a:rPr lang="en-US" altLang="zh-CN" dirty="0" err="1"/>
                         <a:t>shader_info</a:t>
                       </a:r>
-                      <a:endParaRPr lang="en-US" altLang="zh-CN" dirty="0" smtClean="0">
+                      <a:endParaRPr lang="en-US" altLang="zh-CN" dirty="0">
                         <a:latin typeface="Times New Roman" panose="02020603050405020304" pitchFamily="18" charset="0"/>
                         <a:cs typeface="Times New Roman" panose="02020603050405020304" pitchFamily="18" charset="0"/>
                       </a:endParaRPr>
@@ -12349,7 +13017,7 @@
                     <a:lstStyle/>
                     <a:p>
                       <a:r>
-                        <a:rPr lang="en-US" altLang="zh-CN" dirty="0" smtClean="0"/>
+                        <a:rPr lang="en-US" altLang="zh-CN" dirty="0"/>
                         <a:t>6</a:t>
                       </a:r>
                       <a:endParaRPr lang="zh-CN" altLang="en-US" dirty="0">
@@ -12366,7 +13034,7 @@
                     <a:lstStyle/>
                     <a:p>
                       <a:r>
-                        <a:rPr lang="en-US" altLang="zh-CN" dirty="0" smtClean="0"/>
+                        <a:rPr lang="en-US" altLang="zh-CN" dirty="0"/>
                         <a:t>unsigned stage</a:t>
                       </a:r>
                       <a:endParaRPr lang="zh-CN" altLang="en-US" dirty="0">
@@ -12390,7 +13058,7 @@
                     <a:lstStyle/>
                     <a:p>
                       <a:r>
-                        <a:rPr lang="en-US" altLang="zh-CN" dirty="0" smtClean="0"/>
+                        <a:rPr lang="en-US" altLang="zh-CN" dirty="0"/>
                         <a:t>7</a:t>
                       </a:r>
                       <a:endParaRPr lang="zh-CN" altLang="en-US" dirty="0">
@@ -12424,18 +13092,18 @@
                         <a:defRPr/>
                       </a:pPr>
                       <a:r>
-                        <a:rPr lang="en-US" altLang="zh-CN" dirty="0" err="1" smtClean="0"/>
+                        <a:rPr lang="en-US" altLang="zh-CN" dirty="0" err="1"/>
                         <a:t>const</a:t>
                       </a:r>
                       <a:r>
-                        <a:rPr lang="en-US" altLang="zh-CN" dirty="0" smtClean="0"/>
+                        <a:rPr lang="en-US" altLang="zh-CN" dirty="0"/>
                         <a:t> char *</a:t>
                       </a:r>
                       <a:r>
-                        <a:rPr lang="en-US" altLang="zh-CN" dirty="0" err="1" smtClean="0"/>
+                        <a:rPr lang="en-US" altLang="zh-CN" dirty="0" err="1"/>
                         <a:t>entry_point_name</a:t>
                       </a:r>
-                      <a:endParaRPr lang="en-US" altLang="zh-CN" dirty="0" smtClean="0">
+                      <a:endParaRPr lang="en-US" altLang="zh-CN" dirty="0">
                         <a:latin typeface="Times New Roman" panose="02020603050405020304" pitchFamily="18" charset="0"/>
                         <a:cs typeface="Times New Roman" panose="02020603050405020304" pitchFamily="18" charset="0"/>
                       </a:endParaRPr>
@@ -12456,7 +13124,7 @@
                     <a:lstStyle/>
                     <a:p>
                       <a:r>
-                        <a:rPr lang="en-US" altLang="zh-CN" dirty="0" smtClean="0"/>
+                        <a:rPr lang="en-US" altLang="zh-CN" dirty="0"/>
                         <a:t>8</a:t>
                       </a:r>
                       <a:endParaRPr lang="zh-CN" altLang="en-US" dirty="0">
@@ -12490,22 +13158,22 @@
                         <a:defRPr/>
                       </a:pPr>
                       <a:r>
-                        <a:rPr lang="en-US" altLang="zh-CN" dirty="0" err="1" smtClean="0"/>
+                        <a:rPr lang="en-US" altLang="zh-CN" dirty="0" err="1"/>
                         <a:t>const</a:t>
                       </a:r>
                       <a:r>
-                        <a:rPr lang="en-US" altLang="zh-CN" dirty="0" smtClean="0"/>
+                        <a:rPr lang="en-US" altLang="zh-CN" dirty="0"/>
                         <a:t> </a:t>
                       </a:r>
                       <a:r>
-                        <a:rPr lang="en-US" altLang="zh-CN" dirty="0" err="1" smtClean="0"/>
+                        <a:rPr lang="en-US" altLang="zh-CN" dirty="0" err="1"/>
                         <a:t>shader_compiler_options</a:t>
                       </a:r>
                       <a:r>
-                        <a:rPr lang="en-US" altLang="zh-CN" dirty="0" smtClean="0"/>
+                        <a:rPr lang="en-US" altLang="zh-CN" dirty="0"/>
                         <a:t> *options</a:t>
                       </a:r>
-                      <a:endParaRPr lang="zh-CN" altLang="en-US" dirty="0" smtClean="0">
+                      <a:endParaRPr lang="zh-CN" altLang="en-US" dirty="0">
                         <a:latin typeface="Times New Roman" panose="02020603050405020304" pitchFamily="18" charset="0"/>
                         <a:cs typeface="Times New Roman" panose="02020603050405020304" pitchFamily="18" charset="0"/>
                       </a:endParaRPr>
@@ -12533,13 +13201,6 @@
   <p:clrMapOvr>
     <a:masterClrMapping/>
   </p:clrMapOvr>
-  <p:timing>
-    <p:tnLst>
-      <p:par>
-        <p:cTn id="1" dur="indefinite" restart="never" nodeType="tmRoot"/>
-      </p:par>
-    </p:tnLst>
-  </p:timing>
 </p:sld>
 </file>
 
@@ -12576,15 +13237,15 @@
           <a:lstStyle/>
           <a:p>
             <a:r>
-              <a:rPr lang="en-US" altLang="zh-CN" dirty="0" smtClean="0"/>
+              <a:rPr lang="en-US" altLang="zh-CN" dirty="0"/>
               <a:t>NIR </a:t>
             </a:r>
             <a:r>
-              <a:rPr lang="en-US" altLang="zh-CN" dirty="0" err="1" smtClean="0"/>
+              <a:rPr lang="en-US" altLang="zh-CN" dirty="0" err="1"/>
               <a:t>Pragram</a:t>
             </a:r>
             <a:r>
-              <a:rPr lang="en-US" altLang="zh-CN" dirty="0" smtClean="0"/>
+              <a:rPr lang="en-US" altLang="zh-CN" dirty="0"/>
               <a:t>  Core Structure</a:t>
             </a:r>
             <a:endParaRPr lang="zh-CN" altLang="en-US" dirty="0"/>
@@ -12607,11 +13268,11 @@
           <a:lstStyle/>
           <a:p>
             <a:r>
-              <a:rPr lang="en-US" altLang="zh-CN" dirty="0" err="1" smtClean="0"/>
+              <a:rPr lang="en-US" altLang="zh-CN" dirty="0" err="1"/>
               <a:t>Traveral</a:t>
             </a:r>
             <a:r>
-              <a:rPr lang="en-US" altLang="zh-CN" dirty="0" smtClean="0"/>
+              <a:rPr lang="en-US" altLang="zh-CN" dirty="0"/>
               <a:t> of NIR data structure usually occurs through link list</a:t>
             </a:r>
             <a:endParaRPr lang="zh-CN" altLang="en-US" dirty="0"/>
@@ -12652,13 +13313,6 @@
   <p:clrMapOvr>
     <a:masterClrMapping/>
   </p:clrMapOvr>
-  <p:timing>
-    <p:tnLst>
-      <p:par>
-        <p:cTn id="1" dur="indefinite" restart="never" nodeType="tmRoot"/>
-      </p:par>
-    </p:tnLst>
-  </p:timing>
 </p:sld>
 </file>
 
@@ -12695,15 +13349,15 @@
           <a:lstStyle/>
           <a:p>
             <a:r>
-              <a:rPr lang="en-US" altLang="zh-CN" dirty="0" err="1" smtClean="0"/>
+              <a:rPr lang="en-US" altLang="zh-CN" dirty="0" err="1"/>
               <a:t>Struct</a:t>
             </a:r>
             <a:r>
-              <a:rPr lang="en-US" altLang="zh-CN" dirty="0" smtClean="0"/>
+              <a:rPr lang="en-US" altLang="zh-CN" dirty="0"/>
               <a:t> </a:t>
             </a:r>
             <a:r>
-              <a:rPr lang="en-US" altLang="zh-CN" dirty="0" err="1" smtClean="0"/>
+              <a:rPr lang="en-US" altLang="zh-CN" dirty="0" err="1"/>
               <a:t>nir_shader</a:t>
             </a:r>
             <a:endParaRPr lang="zh-CN" altLang="en-US" dirty="0"/>
@@ -12772,9 +13426,6 @@
               </a:rPr>
               <a:t> </a:t>
             </a:r>
-            <a:endParaRPr lang="en-US" altLang="zh-CN" sz="1400" b="0" dirty="0" smtClean="0">
-              <a:latin typeface="Consolas" panose="020B0609020204030204" pitchFamily="49" charset="0"/>
-            </a:endParaRPr>
           </a:p>
           <a:p>
             <a:pPr marL="0" indent="0">
@@ -12784,14 +13435,11 @@
               <a:buNone/>
             </a:pPr>
             <a:r>
-              <a:rPr lang="en-US" altLang="zh-CN" sz="1400" b="0" dirty="0" smtClean="0">
+              <a:rPr lang="en-US" altLang="zh-CN" sz="1400" b="0" dirty="0">
                 <a:latin typeface="Consolas" panose="020B0609020204030204" pitchFamily="49" charset="0"/>
               </a:rPr>
               <a:t>{</a:t>
             </a:r>
-            <a:endParaRPr lang="en-US" altLang="zh-CN" sz="1400" b="0" dirty="0">
-              <a:latin typeface="Consolas" panose="020B0609020204030204" pitchFamily="49" charset="0"/>
-            </a:endParaRPr>
           </a:p>
           <a:p>
             <a:pPr marL="0" indent="0">
@@ -13547,13 +14195,6 @@
   <p:clrMapOvr>
     <a:masterClrMapping/>
   </p:clrMapOvr>
-  <p:timing>
-    <p:tnLst>
-      <p:par>
-        <p:cTn id="1" dur="indefinite" restart="never" nodeType="tmRoot"/>
-      </p:par>
-    </p:tnLst>
-  </p:timing>
 </p:sld>
 </file>
 
@@ -13590,7 +14231,7 @@
           <a:lstStyle/>
           <a:p>
             <a:r>
-              <a:rPr lang="en-US" altLang="zh-CN" dirty="0" smtClean="0"/>
+              <a:rPr lang="en-US" altLang="zh-CN" dirty="0"/>
               <a:t>Agenda</a:t>
             </a:r>
             <a:endParaRPr lang="zh-CN" altLang="en-US" dirty="0"/>
@@ -13613,19 +14254,19 @@
           <a:lstStyle/>
           <a:p>
             <a:r>
-              <a:rPr lang="en-US" altLang="zh-CN" dirty="0" smtClean="0"/>
+              <a:rPr lang="en-US" altLang="zh-CN" dirty="0"/>
               <a:t>1. SPIRV</a:t>
             </a:r>
           </a:p>
           <a:p>
             <a:r>
-              <a:rPr lang="en-US" altLang="zh-CN" dirty="0" smtClean="0"/>
+              <a:rPr lang="en-US" altLang="zh-CN" dirty="0"/>
               <a:t>2. NIR</a:t>
             </a:r>
           </a:p>
           <a:p>
             <a:r>
-              <a:rPr lang="en-US" altLang="zh-CN" dirty="0" smtClean="0"/>
+              <a:rPr lang="en-US" altLang="zh-CN" dirty="0"/>
               <a:t>3. </a:t>
             </a:r>
             <a:endParaRPr lang="zh-CN" altLang="en-US" dirty="0"/>
@@ -13642,13 +14283,6 @@
   <p:clrMapOvr>
     <a:masterClrMapping/>
   </p:clrMapOvr>
-  <p:timing>
-    <p:tnLst>
-      <p:par>
-        <p:cTn id="1" dur="indefinite" restart="never" nodeType="tmRoot"/>
-      </p:par>
-    </p:tnLst>
-  </p:timing>
 </p:sld>
 </file>
 
@@ -13798,13 +14432,7 @@
               <a:rPr lang="en-US" altLang="zh-CN" sz="1400" b="0" dirty="0">
                 <a:latin typeface="Consolas" panose="020B0609020204030204" pitchFamily="49" charset="0"/>
               </a:rPr>
-              <a:t> node</a:t>
-            </a:r>
-            <a:r>
-              <a:rPr lang="en-US" altLang="zh-CN" sz="1400" b="0" dirty="0" smtClean="0">
-                <a:latin typeface="Consolas" panose="020B0609020204030204" pitchFamily="49" charset="0"/>
-              </a:rPr>
-              <a:t>; </a:t>
+              <a:t> node; </a:t>
             </a:r>
           </a:p>
           <a:p>
@@ -13818,31 +14446,19 @@
               <a:rPr lang="en-US" altLang="zh-CN" sz="1400" b="0" dirty="0">
                 <a:latin typeface="Consolas" panose="020B0609020204030204" pitchFamily="49" charset="0"/>
               </a:rPr>
-              <a:t> </a:t>
-            </a:r>
-            <a:r>
-              <a:rPr lang="en-US" altLang="zh-CN" sz="1400" b="0" dirty="0" smtClean="0">
-                <a:latin typeface="Consolas" panose="020B0609020204030204" pitchFamily="49" charset="0"/>
-              </a:rPr>
-              <a:t>  </a:t>
-            </a:r>
-            <a:r>
-              <a:rPr lang="en-US" altLang="zh-CN" sz="1400" b="0" dirty="0" err="1" smtClean="0">
+              <a:t>   </a:t>
+            </a:r>
+            <a:r>
+              <a:rPr lang="en-US" altLang="zh-CN" sz="1400" b="0" dirty="0" err="1">
                 <a:latin typeface="Consolas" panose="020B0609020204030204" pitchFamily="49" charset="0"/>
               </a:rPr>
               <a:t>const</a:t>
             </a:r>
             <a:r>
-              <a:rPr lang="en-US" altLang="zh-CN" sz="1400" b="0" dirty="0" smtClean="0">
-                <a:latin typeface="Consolas" panose="020B0609020204030204" pitchFamily="49" charset="0"/>
-              </a:rPr>
-              <a:t> </a:t>
-            </a:r>
-            <a:r>
               <a:rPr lang="en-US" altLang="zh-CN" sz="1400" b="0" dirty="0">
                 <a:latin typeface="Consolas" panose="020B0609020204030204" pitchFamily="49" charset="0"/>
               </a:rPr>
-              <a:t>char *name;</a:t>
+              <a:t> char *name;</a:t>
             </a:r>
           </a:p>
           <a:p>
@@ -13889,14 +14505,11 @@
               <a:t>shader</a:t>
             </a:r>
             <a:r>
-              <a:rPr lang="en-US" altLang="zh-CN" sz="1400" b="0" dirty="0" smtClean="0">
+              <a:rPr lang="en-US" altLang="zh-CN" sz="1400" b="0" dirty="0">
                 <a:latin typeface="Consolas" panose="020B0609020204030204" pitchFamily="49" charset="0"/>
               </a:rPr>
               <a:t>;</a:t>
             </a:r>
-            <a:endParaRPr lang="en-US" altLang="zh-CN" sz="1400" b="0" dirty="0">
-              <a:latin typeface="Consolas" panose="020B0609020204030204" pitchFamily="49" charset="0"/>
-            </a:endParaRPr>
           </a:p>
           <a:p>
             <a:pPr marL="0" indent="0">
@@ -14032,28 +14645,22 @@
               <a:buNone/>
             </a:pPr>
             <a:r>
-              <a:rPr lang="en-US" altLang="zh-CN" sz="1400" b="0" dirty="0" smtClean="0">
+              <a:rPr lang="en-US" altLang="zh-CN" sz="1400" b="0" dirty="0">
                 <a:latin typeface="Consolas" panose="020B0609020204030204" pitchFamily="49" charset="0"/>
               </a:rPr>
               <a:t>   </a:t>
             </a:r>
             <a:r>
-              <a:rPr lang="en-US" altLang="zh-CN" sz="1400" b="0" dirty="0" err="1" smtClean="0">
+              <a:rPr lang="en-US" altLang="zh-CN" sz="1400" b="0" dirty="0" err="1">
                 <a:latin typeface="Consolas" panose="020B0609020204030204" pitchFamily="49" charset="0"/>
               </a:rPr>
               <a:t>nir_function_impl</a:t>
             </a:r>
             <a:r>
-              <a:rPr lang="en-US" altLang="zh-CN" sz="1400" b="0" dirty="0" smtClean="0">
-                <a:latin typeface="Consolas" panose="020B0609020204030204" pitchFamily="49" charset="0"/>
-              </a:rPr>
-              <a:t> </a:t>
-            </a:r>
-            <a:r>
               <a:rPr lang="en-US" altLang="zh-CN" sz="1400" b="0" dirty="0">
                 <a:latin typeface="Consolas" panose="020B0609020204030204" pitchFamily="49" charset="0"/>
               </a:rPr>
-              <a:t>*</a:t>
+              <a:t> *</a:t>
             </a:r>
             <a:r>
               <a:rPr lang="en-US" altLang="zh-CN" sz="1400" b="0" dirty="0" err="1">
@@ -14065,14 +14672,11 @@
               <a:t>impl</a:t>
             </a:r>
             <a:r>
-              <a:rPr lang="en-US" altLang="zh-CN" sz="1400" b="0" dirty="0" smtClean="0">
+              <a:rPr lang="en-US" altLang="zh-CN" sz="1400" b="0" dirty="0">
                 <a:latin typeface="Consolas" panose="020B0609020204030204" pitchFamily="49" charset="0"/>
               </a:rPr>
               <a:t>; // Pattern </a:t>
             </a:r>
-            <a:endParaRPr lang="en-US" altLang="zh-CN" sz="1400" b="0" dirty="0">
-              <a:latin typeface="Consolas" panose="020B0609020204030204" pitchFamily="49" charset="0"/>
-            </a:endParaRPr>
           </a:p>
           <a:p>
             <a:pPr marL="0" indent="0">
@@ -14115,13 +14719,6 @@
   <p:clrMapOvr>
     <a:masterClrMapping/>
   </p:clrMapOvr>
-  <p:timing>
-    <p:tnLst>
-      <p:par>
-        <p:cTn id="1" dur="indefinite" restart="never" nodeType="tmRoot"/>
-      </p:par>
-    </p:tnLst>
-  </p:timing>
 </p:sld>
 </file>
 
@@ -14259,13 +14856,13 @@
               <a:t>cf_node</a:t>
             </a:r>
             <a:r>
-              <a:rPr lang="en-US" altLang="zh-CN" sz="1400" b="0" dirty="0" smtClean="0">
+              <a:rPr lang="en-US" altLang="zh-CN" sz="1400" b="0" dirty="0">
                 <a:latin typeface="Consolas" panose="020B0609020204030204" pitchFamily="49" charset="0"/>
               </a:rPr>
               <a:t>;   // </a:t>
             </a:r>
             <a:r>
-              <a:rPr lang="en-US" altLang="zh-CN" sz="1400" b="0" dirty="0" err="1" smtClean="0">
+              <a:rPr lang="en-US" altLang="zh-CN" sz="1400" b="0" dirty="0" err="1">
                 <a:solidFill>
                   <a:srgbClr val="FF0000"/>
                 </a:solidFill>
@@ -14274,7 +14871,7 @@
               <a:t>nir_block</a:t>
             </a:r>
             <a:r>
-              <a:rPr lang="en-US" altLang="zh-CN" sz="1400" b="0" dirty="0" smtClean="0">
+              <a:rPr lang="en-US" altLang="zh-CN" sz="1400" b="0" dirty="0">
                 <a:solidFill>
                   <a:srgbClr val="FF0000"/>
                 </a:solidFill>
@@ -14283,7 +14880,7 @@
               <a:t> | </a:t>
             </a:r>
             <a:r>
-              <a:rPr lang="en-US" altLang="zh-CN" sz="1400" b="0" dirty="0" err="1" smtClean="0">
+              <a:rPr lang="en-US" altLang="zh-CN" sz="1400" b="0" dirty="0" err="1">
                 <a:solidFill>
                   <a:srgbClr val="FF0000"/>
                 </a:solidFill>
@@ -14292,7 +14889,7 @@
               <a:t>nir_if</a:t>
             </a:r>
             <a:r>
-              <a:rPr lang="en-US" altLang="zh-CN" sz="1400" b="0" dirty="0" smtClean="0">
+              <a:rPr lang="en-US" altLang="zh-CN" sz="1400" b="0" dirty="0">
                 <a:solidFill>
                   <a:srgbClr val="FF0000"/>
                 </a:solidFill>
@@ -14301,7 +14898,7 @@
               <a:t> | </a:t>
             </a:r>
             <a:r>
-              <a:rPr lang="en-US" altLang="zh-CN" sz="1400" b="0" dirty="0" err="1" smtClean="0">
+              <a:rPr lang="en-US" altLang="zh-CN" sz="1400" b="0" dirty="0" err="1">
                 <a:solidFill>
                   <a:srgbClr val="FF0000"/>
                 </a:solidFill>
@@ -14310,7 +14907,7 @@
               <a:t>nir_loop</a:t>
             </a:r>
             <a:r>
-              <a:rPr lang="en-US" altLang="zh-CN" sz="1400" b="0" dirty="0" smtClean="0">
+              <a:rPr lang="en-US" altLang="zh-CN" sz="1400" b="0" dirty="0">
                 <a:solidFill>
                   <a:srgbClr val="FF0000"/>
                 </a:solidFill>
@@ -14319,7 +14916,7 @@
               <a:t> | </a:t>
             </a:r>
             <a:r>
-              <a:rPr lang="en-US" altLang="zh-CN" sz="1400" b="0" dirty="0" err="1" smtClean="0">
+              <a:rPr lang="en-US" altLang="zh-CN" sz="1400" b="0" dirty="0" err="1">
                 <a:solidFill>
                   <a:srgbClr val="FF0000"/>
                 </a:solidFill>
@@ -14848,13 +15445,6 @@
   <p:clrMapOvr>
     <a:masterClrMapping/>
   </p:clrMapOvr>
-  <p:timing>
-    <p:tnLst>
-      <p:par>
-        <p:cTn id="1" dur="indefinite" restart="never" nodeType="tmRoot"/>
-      </p:par>
-    </p:tnLst>
-  </p:timing>
 </p:sld>
 </file>
 
@@ -15070,19 +15660,7 @@
               <a:rPr lang="en-US" altLang="zh-CN" sz="1400" b="0" dirty="0">
                 <a:latin typeface="Consolas" panose="020B0609020204030204" pitchFamily="49" charset="0"/>
               </a:rPr>
-              <a:t>; </a:t>
-            </a:r>
-            <a:r>
-              <a:rPr lang="en-US" altLang="zh-CN" sz="1400" b="0" dirty="0" smtClean="0">
-                <a:latin typeface="Consolas" panose="020B0609020204030204" pitchFamily="49" charset="0"/>
-              </a:rPr>
-              <a:t>  //list </a:t>
-            </a:r>
-            <a:r>
-              <a:rPr lang="en-US" altLang="zh-CN" sz="1400" b="0" dirty="0">
-                <a:latin typeface="Consolas" panose="020B0609020204030204" pitchFamily="49" charset="0"/>
-              </a:rPr>
-              <a:t>of </a:t>
+              <a:t>;   //list of </a:t>
             </a:r>
             <a:r>
               <a:rPr lang="en-US" altLang="zh-CN" sz="1400" b="0" dirty="0" err="1">
@@ -15470,13 +16048,6 @@
   <p:clrMapOvr>
     <a:masterClrMapping/>
   </p:clrMapOvr>
-  <p:timing>
-    <p:tnLst>
-      <p:par>
-        <p:cTn id="1" dur="indefinite" restart="never" nodeType="tmRoot"/>
-      </p:par>
-    </p:tnLst>
-  </p:timing>
 </p:sld>
 </file>
 
@@ -15513,7 +16084,7 @@
           <a:lstStyle/>
           <a:p>
             <a:r>
-              <a:rPr lang="en-US" altLang="zh-CN" dirty="0" smtClean="0"/>
+              <a:rPr lang="en-US" altLang="zh-CN" dirty="0"/>
               <a:t>SPIRV  -&gt; NIR</a:t>
             </a:r>
             <a:endParaRPr lang="zh-CN" altLang="en-US" dirty="0"/>
@@ -15536,41 +16107,41 @@
           <a:lstStyle/>
           <a:p>
             <a:r>
-              <a:rPr lang="zh-CN" altLang="en-US" dirty="0" smtClean="0"/>
+              <a:rPr lang="zh-CN" altLang="en-US" dirty="0"/>
               <a:t>两种表达系统的转换</a:t>
             </a:r>
             <a:endParaRPr lang="en-US" altLang="zh-CN" dirty="0"/>
           </a:p>
           <a:p>
             <a:r>
-              <a:rPr lang="zh-CN" altLang="en-US" dirty="0" smtClean="0"/>
+              <a:rPr lang="zh-CN" altLang="en-US" dirty="0"/>
               <a:t>线性</a:t>
             </a:r>
             <a:r>
-              <a:rPr lang="en-US" altLang="zh-CN" dirty="0" smtClean="0"/>
+              <a:rPr lang="en-US" altLang="zh-CN" dirty="0"/>
               <a:t>IR </a:t>
             </a:r>
             <a:r>
-              <a:rPr lang="en-US" altLang="zh-CN" dirty="0" smtClean="0">
+              <a:rPr lang="en-US" altLang="zh-CN" dirty="0">
                 <a:sym typeface="Wingdings" panose="05000000000000000000" pitchFamily="2" charset="2"/>
               </a:rPr>
               <a:t> </a:t>
             </a:r>
             <a:r>
-              <a:rPr lang="zh-CN" altLang="en-US" dirty="0" smtClean="0">
+              <a:rPr lang="zh-CN" altLang="en-US" dirty="0">
                 <a:sym typeface="Wingdings" panose="05000000000000000000" pitchFamily="2" charset="2"/>
               </a:rPr>
               <a:t>树状</a:t>
             </a:r>
             <a:r>
-              <a:rPr lang="en-US" altLang="zh-CN" dirty="0" smtClean="0">
+              <a:rPr lang="en-US" altLang="zh-CN" dirty="0">
                 <a:sym typeface="Wingdings" panose="05000000000000000000" pitchFamily="2" charset="2"/>
               </a:rPr>
               <a:t>IR</a:t>
             </a:r>
           </a:p>
           <a:p>
-            <a:endParaRPr lang="en-US" altLang="zh-CN" dirty="0" smtClean="0"/>
+            <a:endParaRPr lang="en-US" altLang="zh-CN" dirty="0"/>
           </a:p>
           <a:p>
             <a:r>
@@ -15582,48 +16153,44 @@
           <a:p>
             <a:pPr lvl="1"/>
             <a:r>
-              <a:rPr lang="zh-CN" altLang="en-US" dirty="0" smtClean="0"/>
-              <a:t>变量</a:t>
-            </a:r>
-            <a:r>
-              <a:rPr lang="zh-CN" altLang="en-US" dirty="0" smtClean="0"/>
-              <a:t>类型</a:t>
-            </a:r>
-            <a:r>
-              <a:rPr lang="en-US" altLang="zh-CN" dirty="0" smtClean="0"/>
+              <a:rPr lang="zh-CN" altLang="en-US" dirty="0"/>
+              <a:t>变量类型</a:t>
+            </a:r>
+            <a:r>
+              <a:rPr lang="en-US" altLang="zh-CN" dirty="0"/>
               <a:t>: </a:t>
             </a:r>
           </a:p>
           <a:p>
             <a:pPr lvl="2"/>
             <a:r>
-              <a:rPr lang="en-US" altLang="zh-CN" dirty="0" err="1" smtClean="0"/>
+              <a:rPr lang="en-US" altLang="zh-CN" dirty="0" err="1"/>
               <a:t>spirv</a:t>
             </a:r>
             <a:r>
-              <a:rPr lang="en-US" altLang="zh-CN" dirty="0" smtClean="0"/>
+              <a:rPr lang="en-US" altLang="zh-CN" dirty="0"/>
               <a:t>: </a:t>
             </a:r>
           </a:p>
           <a:p>
             <a:pPr lvl="3"/>
             <a:r>
-              <a:rPr lang="en-US" altLang="zh-CN" dirty="0" smtClean="0"/>
+              <a:rPr lang="en-US" altLang="zh-CN" dirty="0"/>
               <a:t>hierarchically  </a:t>
             </a:r>
           </a:p>
           <a:p>
             <a:pPr lvl="3"/>
             <a:r>
-              <a:rPr lang="en-US" altLang="zh-CN" dirty="0" err="1" smtClean="0"/>
+              <a:rPr lang="en-US" altLang="zh-CN" dirty="0" err="1"/>
               <a:t>OpTypeXXX</a:t>
             </a:r>
-            <a:endParaRPr lang="en-US" altLang="zh-CN" dirty="0" smtClean="0"/>
+            <a:endParaRPr lang="en-US" altLang="zh-CN" dirty="0"/>
           </a:p>
           <a:p>
             <a:pPr lvl="3"/>
             <a:r>
-              <a:rPr lang="zh-CN" altLang="en-US" dirty="0" smtClean="0"/>
+              <a:rPr lang="zh-CN" altLang="en-US" dirty="0"/>
               <a:t>简单类型是叶子</a:t>
             </a:r>
             <a:endParaRPr lang="en-US" altLang="zh-CN" dirty="0"/>
@@ -15631,64 +16198,62 @@
           <a:p>
             <a:pPr lvl="1"/>
             <a:r>
-              <a:rPr lang="zh-CN" altLang="en-US" dirty="0" smtClean="0"/>
+              <a:rPr lang="zh-CN" altLang="en-US" dirty="0"/>
               <a:t>表达式</a:t>
             </a:r>
-            <a:endParaRPr lang="en-US" altLang="zh-CN" dirty="0" smtClean="0"/>
+            <a:endParaRPr lang="en-US" altLang="zh-CN" dirty="0"/>
           </a:p>
           <a:p>
             <a:pPr lvl="1"/>
             <a:r>
-              <a:rPr lang="zh-CN" altLang="en-US" dirty="0" smtClean="0"/>
+              <a:rPr lang="zh-CN" altLang="en-US" dirty="0"/>
               <a:t>语句</a:t>
             </a:r>
-            <a:endParaRPr lang="en-US" altLang="zh-CN" dirty="0" smtClean="0"/>
+            <a:endParaRPr lang="en-US" altLang="zh-CN" dirty="0"/>
           </a:p>
           <a:p>
             <a:pPr lvl="2"/>
             <a:r>
-              <a:rPr lang="en-US" altLang="zh-CN" dirty="0" smtClean="0"/>
+              <a:rPr lang="en-US" altLang="zh-CN" dirty="0"/>
               <a:t>IF</a:t>
             </a:r>
+          </a:p>
+          <a:p>
+            <a:pPr lvl="2"/>
+            <a:r>
+              <a:rPr lang="en-US" altLang="zh-CN" dirty="0"/>
+              <a:t>Loop</a:t>
+            </a:r>
+          </a:p>
+          <a:p>
+            <a:pPr lvl="1"/>
+            <a:r>
+              <a:rPr lang="zh-CN" altLang="en-US" dirty="0"/>
+              <a:t>函数</a:t>
+            </a:r>
             <a:endParaRPr lang="en-US" altLang="zh-CN" dirty="0"/>
           </a:p>
           <a:p>
-            <a:pPr lvl="2"/>
-            <a:r>
-              <a:rPr lang="en-US" altLang="zh-CN" dirty="0" smtClean="0"/>
-              <a:t>Loop</a:t>
-            </a:r>
+            <a:r>
+              <a:rPr lang="zh-CN" altLang="en-US" dirty="0"/>
+              <a:t>编译器角度：</a:t>
+            </a:r>
+            <a:endParaRPr lang="en-US" altLang="zh-CN" dirty="0"/>
           </a:p>
           <a:p>
             <a:pPr lvl="1"/>
             <a:r>
-              <a:rPr lang="zh-CN" altLang="en-US" dirty="0" smtClean="0"/>
-              <a:t>函数</a:t>
-            </a:r>
-            <a:endParaRPr lang="en-US" altLang="zh-CN" dirty="0" smtClean="0"/>
-          </a:p>
-          <a:p>
-            <a:r>
-              <a:rPr lang="zh-CN" altLang="en-US" dirty="0" smtClean="0"/>
-              <a:t>编译器角度：</a:t>
-            </a:r>
-            <a:endParaRPr lang="en-US" altLang="zh-CN" dirty="0" smtClean="0"/>
+              <a:rPr lang="zh-CN" altLang="en-US" dirty="0"/>
+              <a:t>控制流</a:t>
+            </a:r>
+            <a:endParaRPr lang="en-US" altLang="zh-CN" dirty="0"/>
           </a:p>
           <a:p>
             <a:pPr lvl="1"/>
             <a:r>
-              <a:rPr lang="zh-CN" altLang="en-US" dirty="0" smtClean="0"/>
-              <a:t>控制流</a:t>
-            </a:r>
-            <a:endParaRPr lang="en-US" altLang="zh-CN" dirty="0" smtClean="0"/>
-          </a:p>
-          <a:p>
-            <a:pPr lvl="1"/>
-            <a:r>
-              <a:rPr lang="zh-CN" altLang="en-US" dirty="0" smtClean="0"/>
+              <a:rPr lang="zh-CN" altLang="en-US" dirty="0"/>
               <a:t>数据流</a:t>
             </a:r>
-            <a:endParaRPr lang="zh-CN" altLang="en-US" dirty="0"/>
           </a:p>
         </p:txBody>
       </p:sp>
@@ -15702,13 +16267,6 @@
   <p:clrMapOvr>
     <a:masterClrMapping/>
   </p:clrMapOvr>
-  <p:timing>
-    <p:tnLst>
-      <p:par>
-        <p:cTn id="1" dur="indefinite" restart="never" nodeType="tmRoot"/>
-      </p:par>
-    </p:tnLst>
-  </p:timing>
 </p:sld>
 </file>
 
@@ -15745,7 +16303,7 @@
           <a:lstStyle/>
           <a:p>
             <a:r>
-              <a:rPr lang="en-US" altLang="zh-CN" dirty="0" smtClean="0"/>
+              <a:rPr lang="en-US" altLang="zh-CN" dirty="0"/>
               <a:t>SPIRV  -&gt; NIR</a:t>
             </a:r>
             <a:endParaRPr lang="zh-CN" altLang="en-US" dirty="0"/>
@@ -15768,41 +16326,41 @@
           <a:lstStyle/>
           <a:p>
             <a:r>
-              <a:rPr lang="zh-CN" altLang="en-US" dirty="0" smtClean="0"/>
+              <a:rPr lang="zh-CN" altLang="en-US" dirty="0"/>
               <a:t>两种表达系统的转换</a:t>
             </a:r>
             <a:endParaRPr lang="en-US" altLang="zh-CN" dirty="0"/>
           </a:p>
           <a:p>
             <a:r>
-              <a:rPr lang="zh-CN" altLang="en-US" dirty="0" smtClean="0"/>
+              <a:rPr lang="zh-CN" altLang="en-US" dirty="0"/>
               <a:t>线性</a:t>
             </a:r>
             <a:r>
-              <a:rPr lang="en-US" altLang="zh-CN" dirty="0" smtClean="0"/>
+              <a:rPr lang="en-US" altLang="zh-CN" dirty="0"/>
               <a:t>IR </a:t>
             </a:r>
             <a:r>
-              <a:rPr lang="en-US" altLang="zh-CN" dirty="0" smtClean="0">
+              <a:rPr lang="en-US" altLang="zh-CN" dirty="0">
                 <a:sym typeface="Wingdings" panose="05000000000000000000" pitchFamily="2" charset="2"/>
               </a:rPr>
               <a:t> </a:t>
             </a:r>
             <a:r>
-              <a:rPr lang="zh-CN" altLang="en-US" dirty="0" smtClean="0">
+              <a:rPr lang="zh-CN" altLang="en-US" dirty="0">
                 <a:sym typeface="Wingdings" panose="05000000000000000000" pitchFamily="2" charset="2"/>
               </a:rPr>
               <a:t>树状</a:t>
             </a:r>
             <a:r>
-              <a:rPr lang="en-US" altLang="zh-CN" dirty="0" smtClean="0">
+              <a:rPr lang="en-US" altLang="zh-CN" dirty="0">
                 <a:sym typeface="Wingdings" panose="05000000000000000000" pitchFamily="2" charset="2"/>
               </a:rPr>
               <a:t>IR</a:t>
             </a:r>
           </a:p>
           <a:p>
-            <a:endParaRPr lang="en-US" altLang="zh-CN" dirty="0" smtClean="0"/>
+            <a:endParaRPr lang="en-US" altLang="zh-CN" dirty="0"/>
           </a:p>
           <a:p>
             <a:r>
@@ -15814,48 +16372,44 @@
           <a:p>
             <a:pPr lvl="1"/>
             <a:r>
-              <a:rPr lang="zh-CN" altLang="en-US" dirty="0" smtClean="0"/>
-              <a:t>变量</a:t>
-            </a:r>
-            <a:r>
-              <a:rPr lang="zh-CN" altLang="en-US" dirty="0" smtClean="0"/>
-              <a:t>类型</a:t>
-            </a:r>
-            <a:r>
-              <a:rPr lang="en-US" altLang="zh-CN" dirty="0" smtClean="0"/>
+              <a:rPr lang="zh-CN" altLang="en-US" dirty="0"/>
+              <a:t>变量类型</a:t>
+            </a:r>
+            <a:r>
+              <a:rPr lang="en-US" altLang="zh-CN" dirty="0"/>
               <a:t>: </a:t>
             </a:r>
           </a:p>
           <a:p>
             <a:pPr lvl="2"/>
             <a:r>
-              <a:rPr lang="en-US" altLang="zh-CN" dirty="0" err="1" smtClean="0"/>
+              <a:rPr lang="en-US" altLang="zh-CN" dirty="0" err="1"/>
               <a:t>spirv</a:t>
             </a:r>
             <a:r>
-              <a:rPr lang="en-US" altLang="zh-CN" dirty="0" smtClean="0"/>
+              <a:rPr lang="en-US" altLang="zh-CN" dirty="0"/>
               <a:t>: </a:t>
             </a:r>
           </a:p>
           <a:p>
             <a:pPr lvl="3"/>
             <a:r>
-              <a:rPr lang="en-US" altLang="zh-CN" dirty="0" smtClean="0"/>
+              <a:rPr lang="en-US" altLang="zh-CN" dirty="0"/>
               <a:t>hierarchically  </a:t>
             </a:r>
           </a:p>
           <a:p>
             <a:pPr lvl="3"/>
             <a:r>
-              <a:rPr lang="en-US" altLang="zh-CN" dirty="0" err="1" smtClean="0"/>
+              <a:rPr lang="en-US" altLang="zh-CN" dirty="0" err="1"/>
               <a:t>OpTypeXXX</a:t>
             </a:r>
-            <a:endParaRPr lang="en-US" altLang="zh-CN" dirty="0" smtClean="0"/>
+            <a:endParaRPr lang="en-US" altLang="zh-CN" dirty="0"/>
           </a:p>
           <a:p>
             <a:pPr lvl="3"/>
             <a:r>
-              <a:rPr lang="zh-CN" altLang="en-US" dirty="0" smtClean="0"/>
+              <a:rPr lang="zh-CN" altLang="en-US" dirty="0"/>
               <a:t>简单类型是叶子</a:t>
             </a:r>
             <a:endParaRPr lang="en-US" altLang="zh-CN" dirty="0"/>
@@ -15872,13 +16426,6 @@
   <p:clrMapOvr>
     <a:masterClrMapping/>
   </p:clrMapOvr>
-  <p:timing>
-    <p:tnLst>
-      <p:par>
-        <p:cTn id="1" dur="indefinite" restart="never" nodeType="tmRoot"/>
-      </p:par>
-    </p:tnLst>
-  </p:timing>
 </p:sld>
 </file>
 
@@ -15915,12 +16462,8 @@
           <a:lstStyle/>
           <a:p>
             <a:r>
-              <a:rPr lang="en-US" altLang="zh-CN" dirty="0" smtClean="0"/>
-              <a:t>What i</a:t>
-            </a:r>
-            <a:r>
-              <a:rPr lang="en-US" altLang="zh-CN" dirty="0" smtClean="0"/>
-              <a:t>s difference?</a:t>
+              <a:rPr lang="en-US" altLang="zh-CN" dirty="0"/>
+              <a:t>What is difference?</a:t>
             </a:r>
             <a:endParaRPr lang="zh-CN" altLang="en-US" dirty="0"/>
           </a:p>
@@ -15941,6 +16484,10 @@
           <a:bodyPr/>
           <a:lstStyle/>
           <a:p>
+            <a:r>
+              <a:rPr lang="en-US" altLang="zh-CN" dirty="0"/>
+              <a:t>Native Representation of Graphical Shaders and Compute Kernels</a:t>
+            </a:r>
             <a:endParaRPr lang="zh-CN" altLang="en-US" dirty="0"/>
           </a:p>
         </p:txBody>
@@ -15967,7 +16514,7 @@
         </p:blipFill>
         <p:spPr bwMode="auto">
           <a:xfrm>
-            <a:off x="1582730" y="2132856"/>
+            <a:off x="1331640" y="2847425"/>
             <a:ext cx="6921397" cy="3065190"/>
           </a:xfrm>
           <a:prstGeom prst="rect">
@@ -16008,13 +16555,6 @@
   <p:clrMapOvr>
     <a:masterClrMapping/>
   </p:clrMapOvr>
-  <p:timing>
-    <p:tnLst>
-      <p:par>
-        <p:cTn id="1" dur="indefinite" restart="never" nodeType="tmRoot"/>
-      </p:par>
-    </p:tnLst>
-  </p:timing>
 </p:sld>
 </file>
 
@@ -16056,7 +16596,7 @@
           <a:lstStyle/>
           <a:p>
             <a:r>
-              <a:rPr lang="en-US" altLang="zh-CN" dirty="0" smtClean="0"/>
+              <a:rPr lang="en-US" altLang="zh-CN" dirty="0"/>
               <a:t>What is Good IR ?</a:t>
             </a:r>
             <a:endParaRPr lang="zh-CN" altLang="en-US" dirty="0"/>
@@ -16131,10 +16671,9 @@
           </a:p>
           <a:p>
             <a:r>
-              <a:rPr lang="en-US" altLang="zh-CN" dirty="0" smtClean="0"/>
+              <a:rPr lang="en-US" altLang="zh-CN" dirty="0"/>
               <a:t>Portability</a:t>
             </a:r>
-            <a:endParaRPr lang="en-US" altLang="zh-CN" dirty="0"/>
           </a:p>
           <a:p>
             <a:r>
@@ -16156,44 +16695,32 @@
           </a:p>
           <a:p>
             <a:r>
-              <a:rPr lang="en-US" altLang="zh-CN" dirty="0" smtClean="0"/>
+              <a:rPr lang="en-US" altLang="zh-CN" dirty="0"/>
               <a:t>Self-Contained</a:t>
             </a:r>
           </a:p>
           <a:p>
             <a:r>
               <a:rPr lang="en-US" altLang="zh-CN" dirty="0"/>
-              <a:t>Native </a:t>
-            </a:r>
-            <a:r>
-              <a:rPr lang="en-US" altLang="zh-CN" dirty="0" smtClean="0"/>
-              <a:t>Representation</a:t>
-            </a:r>
-          </a:p>
-          <a:p>
-            <a:r>
-              <a:rPr lang="en-US" altLang="zh-CN" dirty="0" smtClean="0"/>
+              <a:t>Native Representation</a:t>
+            </a:r>
+          </a:p>
+          <a:p>
+            <a:r>
+              <a:rPr lang="en-US" altLang="zh-CN" dirty="0"/>
               <a:t>Simple</a:t>
             </a:r>
           </a:p>
           <a:p>
             <a:r>
               <a:rPr lang="en-US" altLang="zh-CN" dirty="0"/>
-              <a:t>Binary </a:t>
-            </a:r>
-            <a:r>
-              <a:rPr lang="en-US" altLang="zh-CN" dirty="0" smtClean="0"/>
-              <a:t>Representation</a:t>
+              <a:t>Binary Representation</a:t>
             </a:r>
           </a:p>
           <a:p>
             <a:r>
               <a:rPr lang="en-US" altLang="zh-CN" dirty="0"/>
-              <a:t>Easy to Convert to </a:t>
-            </a:r>
-            <a:r>
-              <a:rPr lang="en-US" altLang="zh-CN" dirty="0" smtClean="0"/>
-              <a:t>other</a:t>
+              <a:t>Easy to Convert to other</a:t>
             </a:r>
           </a:p>
           <a:p>
@@ -16215,13 +16742,6 @@
   <p:clrMapOvr>
     <a:masterClrMapping/>
   </p:clrMapOvr>
-  <p:timing>
-    <p:tnLst>
-      <p:par>
-        <p:cTn id="1" dur="indefinite" restart="never" nodeType="tmRoot"/>
-      </p:par>
-    </p:tnLst>
-  </p:timing>
 </p:sld>
 </file>
 
@@ -16263,7 +16783,7 @@
           <a:lstStyle/>
           <a:p>
             <a:r>
-              <a:rPr lang="en-US" altLang="zh-CN" sz="2800" b="0" dirty="0" smtClean="0">
+              <a:rPr lang="en-US" altLang="zh-CN" sz="2800" b="0" dirty="0">
                 <a:latin typeface="Arial" panose="020B0604020202020204" pitchFamily="34" charset="0"/>
                 <a:cs typeface="Arial" panose="020B0604020202020204" pitchFamily="34" charset="0"/>
               </a:rPr>
@@ -16359,13 +16879,6 @@
   <p:clrMapOvr>
     <a:masterClrMapping/>
   </p:clrMapOvr>
-  <p:timing>
-    <p:tnLst>
-      <p:par>
-        <p:cTn id="1" dur="indefinite" restart="never" nodeType="tmRoot"/>
-      </p:par>
-    </p:tnLst>
-  </p:timing>
 </p:sld>
 </file>
 
@@ -16403,15 +16916,7 @@
           <a:p>
             <a:r>
               <a:rPr lang="en-US" altLang="zh-CN" dirty="0"/>
-              <a:t>SPIR-V </a:t>
-            </a:r>
-            <a:r>
-              <a:rPr lang="en-US" altLang="zh-CN" dirty="0" smtClean="0"/>
-              <a:t>Module Physical </a:t>
-            </a:r>
-            <a:r>
-              <a:rPr lang="en-US" altLang="zh-CN" dirty="0"/>
-              <a:t>Layout</a:t>
+              <a:t>SPIR-V Module Physical Layout</a:t>
             </a:r>
             <a:endParaRPr lang="zh-CN" altLang="en-US" dirty="0"/>
           </a:p>
@@ -16433,13 +16938,13 @@
           <a:lstStyle/>
           <a:p>
             <a:r>
-              <a:rPr lang="en-US" altLang="zh-CN" dirty="0" smtClean="0"/>
+              <a:rPr lang="en-US" altLang="zh-CN" dirty="0"/>
               <a:t>Header  (First 5 Slot)</a:t>
             </a:r>
           </a:p>
           <a:p>
             <a:r>
-              <a:rPr lang="en-US" altLang="zh-CN" dirty="0" smtClean="0"/>
+              <a:rPr lang="en-US" altLang="zh-CN" dirty="0"/>
               <a:t>Instruction Stream  (linear)</a:t>
             </a:r>
           </a:p>
@@ -16546,13 +17051,6 @@
   <p:clrMapOvr>
     <a:masterClrMapping/>
   </p:clrMapOvr>
-  <p:timing>
-    <p:tnLst>
-      <p:par>
-        <p:cTn id="1" dur="indefinite" restart="never" nodeType="tmRoot"/>
-      </p:par>
-    </p:tnLst>
-  </p:timing>
 </p:sld>
 </file>
 
@@ -16640,13 +17138,6 @@
   <p:clrMapOvr>
     <a:masterClrMapping/>
   </p:clrMapOvr>
-  <p:timing>
-    <p:tnLst>
-      <p:par>
-        <p:cTn id="1" dur="indefinite" restart="never" nodeType="tmRoot"/>
-      </p:par>
-    </p:tnLst>
-  </p:timing>
 </p:sld>
 </file>
 
